--- a/proj5_template.pptx
+++ b/proj5_template.pptx
@@ -1,28 +1,28 @@
 
 <file path=ppt/presentation.xml><?xml version="1.0" encoding="utf-8"?>
-<p:presentation xmlns:a="http://schemas.openxmlformats.org/drawingml/2006/main" xmlns:r="http://schemas.openxmlformats.org/officeDocument/2006/relationships" xmlns:mc="http://schemas.openxmlformats.org/markup-compatibility/2006" xmlns:mv="urn:schemas-microsoft-com:mac:vml" xmlns:p="http://schemas.openxmlformats.org/presentationml/2006/main" xmlns:c="http://schemas.openxmlformats.org/drawingml/2006/chart" xmlns:dgm="http://schemas.openxmlformats.org/drawingml/2006/diagram" xmlns:o="urn:schemas-microsoft-com:office:office" xmlns:v="urn:schemas-microsoft-com:vml" xmlns:pvml="urn:schemas-microsoft-com:office:powerpoint" xmlns:com="http://schemas.openxmlformats.org/drawingml/2006/compatibility" xmlns:p14="http://schemas.microsoft.com/office/powerpoint/2010/main" xmlns:p15="http://schemas.microsoft.com/office/powerpoint/2012/main" autoCompressPictures="0" strictFirstAndLastChars="0" saveSubsetFonts="1">
+<p:presentation xmlns:a="http://schemas.openxmlformats.org/drawingml/2006/main" xmlns:r="http://schemas.openxmlformats.org/officeDocument/2006/relationships" xmlns:p="http://schemas.openxmlformats.org/presentationml/2006/main" strictFirstAndLastChars="0" saveSubsetFonts="1" autoCompressPictures="0">
   <p:sldMasterIdLst>
-    <p:sldMasterId id="2147483659" r:id="rId4"/>
+    <p:sldMasterId id="2147483659" r:id="rId1"/>
   </p:sldMasterIdLst>
   <p:notesMasterIdLst>
-    <p:notesMasterId r:id="rId5"/>
+    <p:notesMasterId r:id="rId12"/>
   </p:notesMasterIdLst>
   <p:sldIdLst>
-    <p:sldId id="256" r:id="rId6"/>
-    <p:sldId id="257" r:id="rId7"/>
-    <p:sldId id="258" r:id="rId8"/>
-    <p:sldId id="259" r:id="rId9"/>
-    <p:sldId id="260" r:id="rId10"/>
-    <p:sldId id="261" r:id="rId11"/>
-    <p:sldId id="262" r:id="rId12"/>
-    <p:sldId id="263" r:id="rId13"/>
-    <p:sldId id="264" r:id="rId14"/>
-    <p:sldId id="265" r:id="rId15"/>
+    <p:sldId id="256" r:id="rId2"/>
+    <p:sldId id="257" r:id="rId3"/>
+    <p:sldId id="258" r:id="rId4"/>
+    <p:sldId id="259" r:id="rId5"/>
+    <p:sldId id="260" r:id="rId6"/>
+    <p:sldId id="261" r:id="rId7"/>
+    <p:sldId id="262" r:id="rId8"/>
+    <p:sldId id="263" r:id="rId9"/>
+    <p:sldId id="264" r:id="rId10"/>
+    <p:sldId id="265" r:id="rId11"/>
   </p:sldIdLst>
-  <p:sldSz cy="5143500" cx="9144000"/>
+  <p:sldSz cx="9144000" cy="5143500" type="screen16x9"/>
   <p:notesSz cx="6858000" cy="9144000"/>
   <p:defaultTextStyle>
-    <a:defPPr lvl="0" marR="0" rtl="0" algn="l">
+    <a:defPPr marR="0" lvl="0" algn="l" rtl="0">
       <a:lnSpc>
         <a:spcPct val="100000"/>
       </a:lnSpc>
@@ -33,7 +33,7 @@
         <a:spcPts val="0"/>
       </a:spcAft>
     </a:defPPr>
-    <a:lvl1pPr lvl="0" marR="0" rtl="0" algn="l">
+    <a:lvl1pPr marR="0" lvl="0" algn="l" rtl="0">
       <a:lnSpc>
         <a:spcPct val="100000"/>
       </a:lnSpc>
@@ -47,7 +47,7 @@
         <a:srgbClr val="000000"/>
       </a:buClr>
       <a:buFont typeface="Arial"/>
-      <a:defRPr b="0" i="0" sz="1400" u="none" cap="none" strike="noStrike">
+      <a:defRPr sz="1400" b="0" i="0" u="none" strike="noStrike" cap="none">
         <a:solidFill>
           <a:srgbClr val="000000"/>
         </a:solidFill>
@@ -57,7 +57,7 @@
         <a:sym typeface="Arial"/>
       </a:defRPr>
     </a:lvl1pPr>
-    <a:lvl2pPr lvl="1" marR="0" rtl="0" algn="l">
+    <a:lvl2pPr marR="0" lvl="1" algn="l" rtl="0">
       <a:lnSpc>
         <a:spcPct val="100000"/>
       </a:lnSpc>
@@ -71,7 +71,7 @@
         <a:srgbClr val="000000"/>
       </a:buClr>
       <a:buFont typeface="Arial"/>
-      <a:defRPr b="0" i="0" sz="1400" u="none" cap="none" strike="noStrike">
+      <a:defRPr sz="1400" b="0" i="0" u="none" strike="noStrike" cap="none">
         <a:solidFill>
           <a:srgbClr val="000000"/>
         </a:solidFill>
@@ -81,7 +81,7 @@
         <a:sym typeface="Arial"/>
       </a:defRPr>
     </a:lvl2pPr>
-    <a:lvl3pPr lvl="2" marR="0" rtl="0" algn="l">
+    <a:lvl3pPr marR="0" lvl="2" algn="l" rtl="0">
       <a:lnSpc>
         <a:spcPct val="100000"/>
       </a:lnSpc>
@@ -95,7 +95,7 @@
         <a:srgbClr val="000000"/>
       </a:buClr>
       <a:buFont typeface="Arial"/>
-      <a:defRPr b="0" i="0" sz="1400" u="none" cap="none" strike="noStrike">
+      <a:defRPr sz="1400" b="0" i="0" u="none" strike="noStrike" cap="none">
         <a:solidFill>
           <a:srgbClr val="000000"/>
         </a:solidFill>
@@ -105,7 +105,7 @@
         <a:sym typeface="Arial"/>
       </a:defRPr>
     </a:lvl3pPr>
-    <a:lvl4pPr lvl="3" marR="0" rtl="0" algn="l">
+    <a:lvl4pPr marR="0" lvl="3" algn="l" rtl="0">
       <a:lnSpc>
         <a:spcPct val="100000"/>
       </a:lnSpc>
@@ -119,7 +119,7 @@
         <a:srgbClr val="000000"/>
       </a:buClr>
       <a:buFont typeface="Arial"/>
-      <a:defRPr b="0" i="0" sz="1400" u="none" cap="none" strike="noStrike">
+      <a:defRPr sz="1400" b="0" i="0" u="none" strike="noStrike" cap="none">
         <a:solidFill>
           <a:srgbClr val="000000"/>
         </a:solidFill>
@@ -129,7 +129,7 @@
         <a:sym typeface="Arial"/>
       </a:defRPr>
     </a:lvl4pPr>
-    <a:lvl5pPr lvl="4" marR="0" rtl="0" algn="l">
+    <a:lvl5pPr marR="0" lvl="4" algn="l" rtl="0">
       <a:lnSpc>
         <a:spcPct val="100000"/>
       </a:lnSpc>
@@ -143,7 +143,7 @@
         <a:srgbClr val="000000"/>
       </a:buClr>
       <a:buFont typeface="Arial"/>
-      <a:defRPr b="0" i="0" sz="1400" u="none" cap="none" strike="noStrike">
+      <a:defRPr sz="1400" b="0" i="0" u="none" strike="noStrike" cap="none">
         <a:solidFill>
           <a:srgbClr val="000000"/>
         </a:solidFill>
@@ -153,7 +153,7 @@
         <a:sym typeface="Arial"/>
       </a:defRPr>
     </a:lvl5pPr>
-    <a:lvl6pPr lvl="5" marR="0" rtl="0" algn="l">
+    <a:lvl6pPr marR="0" lvl="5" algn="l" rtl="0">
       <a:lnSpc>
         <a:spcPct val="100000"/>
       </a:lnSpc>
@@ -167,7 +167,7 @@
         <a:srgbClr val="000000"/>
       </a:buClr>
       <a:buFont typeface="Arial"/>
-      <a:defRPr b="0" i="0" sz="1400" u="none" cap="none" strike="noStrike">
+      <a:defRPr sz="1400" b="0" i="0" u="none" strike="noStrike" cap="none">
         <a:solidFill>
           <a:srgbClr val="000000"/>
         </a:solidFill>
@@ -177,7 +177,7 @@
         <a:sym typeface="Arial"/>
       </a:defRPr>
     </a:lvl6pPr>
-    <a:lvl7pPr lvl="6" marR="0" rtl="0" algn="l">
+    <a:lvl7pPr marR="0" lvl="6" algn="l" rtl="0">
       <a:lnSpc>
         <a:spcPct val="100000"/>
       </a:lnSpc>
@@ -191,7 +191,7 @@
         <a:srgbClr val="000000"/>
       </a:buClr>
       <a:buFont typeface="Arial"/>
-      <a:defRPr b="0" i="0" sz="1400" u="none" cap="none" strike="noStrike">
+      <a:defRPr sz="1400" b="0" i="0" u="none" strike="noStrike" cap="none">
         <a:solidFill>
           <a:srgbClr val="000000"/>
         </a:solidFill>
@@ -201,7 +201,7 @@
         <a:sym typeface="Arial"/>
       </a:defRPr>
     </a:lvl7pPr>
-    <a:lvl8pPr lvl="7" marR="0" rtl="0" algn="l">
+    <a:lvl8pPr marR="0" lvl="7" algn="l" rtl="0">
       <a:lnSpc>
         <a:spcPct val="100000"/>
       </a:lnSpc>
@@ -215,7 +215,7 @@
         <a:srgbClr val="000000"/>
       </a:buClr>
       <a:buFont typeface="Arial"/>
-      <a:defRPr b="0" i="0" sz="1400" u="none" cap="none" strike="noStrike">
+      <a:defRPr sz="1400" b="0" i="0" u="none" strike="noStrike" cap="none">
         <a:solidFill>
           <a:srgbClr val="000000"/>
         </a:solidFill>
@@ -225,7 +225,7 @@
         <a:sym typeface="Arial"/>
       </a:defRPr>
     </a:lvl8pPr>
-    <a:lvl9pPr lvl="8" marR="0" rtl="0" algn="l">
+    <a:lvl9pPr marR="0" lvl="8" algn="l" rtl="0">
       <a:lnSpc>
         <a:spcPct val="100000"/>
       </a:lnSpc>
@@ -239,7 +239,7 @@
         <a:srgbClr val="000000"/>
       </a:buClr>
       <a:buFont typeface="Arial"/>
-      <a:defRPr b="0" i="0" sz="1400" u="none" cap="none" strike="noStrike">
+      <a:defRPr sz="1400" b="0" i="0" u="none" strike="noStrike" cap="none">
         <a:solidFill>
           <a:srgbClr val="000000"/>
         </a:solidFill>
@@ -252,7 +252,7 @@
   </p:defaultTextStyle>
   <p:extLst>
     <p:ext uri="{EFAFB233-063F-42B5-8137-9DF3F51BA10A}">
-      <p15:sldGuideLst>
+      <p15:sldGuideLst xmlns:p15="http://schemas.microsoft.com/office/powerpoint/2012/main">
         <p15:guide id="1" orient="horz" pos="1620">
           <p15:clr>
             <a:srgbClr val="A4A3A4"/>
@@ -270,11 +270,16 @@
 </file>
 
 <file path=ppt/notesMasters/notesMaster1.xml><?xml version="1.0" encoding="utf-8"?>
-<p:notesMaster xmlns:a="http://schemas.openxmlformats.org/drawingml/2006/main" xmlns:r="http://schemas.openxmlformats.org/officeDocument/2006/relationships" xmlns:mc="http://schemas.openxmlformats.org/markup-compatibility/2006" xmlns:mv="urn:schemas-microsoft-com:mac:vml" xmlns:p="http://schemas.openxmlformats.org/presentationml/2006/main" xmlns:c="http://schemas.openxmlformats.org/drawingml/2006/chart" xmlns:dgm="http://schemas.openxmlformats.org/drawingml/2006/diagram" xmlns:o="urn:schemas-microsoft-com:office:office" xmlns:v="urn:schemas-microsoft-com:vml" xmlns:pvml="urn:schemas-microsoft-com:office:powerpoint" xmlns:com="http://schemas.openxmlformats.org/drawingml/2006/compatibility" xmlns:p14="http://schemas.microsoft.com/office/powerpoint/2010/main" xmlns:p15="http://schemas.microsoft.com/office/powerpoint/2012/main">
+<p:notesMaster xmlns:a="http://schemas.openxmlformats.org/drawingml/2006/main" xmlns:r="http://schemas.openxmlformats.org/officeDocument/2006/relationships" xmlns:p="http://schemas.openxmlformats.org/presentationml/2006/main">
   <p:cSld>
+    <p:bg>
+      <p:bgRef idx="1001">
+        <a:schemeClr val="bg1"/>
+      </p:bgRef>
+    </p:bg>
     <p:spTree>
       <p:nvGrpSpPr>
-        <p:cNvPr id="2" name="Shape 2"/>
+        <p:cNvPr id="1" name="Shape 2"/>
         <p:cNvGrpSpPr/>
         <p:nvPr/>
       </p:nvGrpSpPr>
@@ -289,9 +294,11 @@
       <p:sp>
         <p:nvSpPr>
           <p:cNvPr id="3" name="Google Shape;3;n"/>
-          <p:cNvSpPr/>
+          <p:cNvSpPr>
+            <a:spLocks noGrp="1" noRot="1" noChangeAspect="1"/>
+          </p:cNvSpPr>
           <p:nvPr>
-            <p:ph idx="2" type="sldImg"/>
+            <p:ph type="sldImg" idx="2"/>
           </p:nvPr>
         </p:nvSpPr>
         <p:spPr>
@@ -300,9 +307,13 @@
             <a:ext cx="6096075" cy="3429000"/>
           </a:xfrm>
           <a:custGeom>
-            <a:rect b="b" l="l" r="r" t="t"/>
+            <a:avLst/>
+            <a:gdLst/>
+            <a:ahLst/>
+            <a:cxnLst/>
+            <a:rect l="l" t="t" r="r" b="b"/>
             <a:pathLst>
-              <a:path extrusionOk="0" h="120000" w="120000">
+              <a:path w="120000" h="120000" extrusionOk="0">
                 <a:moveTo>
                   <a:pt x="0" y="0"/>
                 </a:moveTo>
@@ -320,23 +331,25 @@
             </a:pathLst>
           </a:custGeom>
           <a:noFill/>
-          <a:ln cap="flat" cmpd="sng" w="9525">
+          <a:ln w="9525" cap="flat" cmpd="sng">
             <a:solidFill>
               <a:srgbClr val="000000"/>
             </a:solidFill>
             <a:prstDash val="solid"/>
             <a:round/>
-            <a:headEnd len="sm" w="sm" type="none"/>
-            <a:tailEnd len="sm" w="sm" type="none"/>
+            <a:headEnd type="none" w="sm" len="sm"/>
+            <a:tailEnd type="none" w="sm" len="sm"/>
           </a:ln>
         </p:spPr>
       </p:sp>
       <p:sp>
         <p:nvSpPr>
           <p:cNvPr id="4" name="Google Shape;4;n"/>
-          <p:cNvSpPr txBox="1"/>
+          <p:cNvSpPr txBox="1">
+            <a:spLocks noGrp="1"/>
+          </p:cNvSpPr>
           <p:nvPr>
-            <p:ph idx="1" type="body"/>
+            <p:ph type="body" idx="1"/>
           </p:nvPr>
         </p:nvSpPr>
         <p:spPr>
@@ -353,11 +366,11 @@
           </a:ln>
         </p:spPr>
         <p:txBody>
-          <a:bodyPr anchorCtr="0" anchor="t" bIns="91425" lIns="91425" spcFirstLastPara="1" rIns="91425" wrap="square" tIns="91425">
+          <a:bodyPr spcFirstLastPara="1" wrap="square" lIns="91425" tIns="91425" rIns="91425" bIns="91425" anchor="t" anchorCtr="0">
             <a:noAutofit/>
           </a:bodyPr>
           <a:lstStyle>
-            <a:lvl1pPr indent="-298450" lvl="0" marL="457200">
+            <a:lvl1pPr marL="457200" lvl="0" indent="-298450">
               <a:spcBef>
                 <a:spcPts val="0"/>
               </a:spcBef>
@@ -368,7 +381,7 @@
               <a:buChar char="●"/>
               <a:defRPr sz="1100"/>
             </a:lvl1pPr>
-            <a:lvl2pPr indent="-298450" lvl="1" marL="914400">
+            <a:lvl2pPr marL="914400" lvl="1" indent="-298450">
               <a:spcBef>
                 <a:spcPts val="0"/>
               </a:spcBef>
@@ -379,7 +392,7 @@
               <a:buChar char="○"/>
               <a:defRPr sz="1100"/>
             </a:lvl2pPr>
-            <a:lvl3pPr indent="-298450" lvl="2" marL="1371600">
+            <a:lvl3pPr marL="1371600" lvl="2" indent="-298450">
               <a:spcBef>
                 <a:spcPts val="0"/>
               </a:spcBef>
@@ -390,7 +403,7 @@
               <a:buChar char="■"/>
               <a:defRPr sz="1100"/>
             </a:lvl3pPr>
-            <a:lvl4pPr indent="-298450" lvl="3" marL="1828800">
+            <a:lvl4pPr marL="1828800" lvl="3" indent="-298450">
               <a:spcBef>
                 <a:spcPts val="0"/>
               </a:spcBef>
@@ -401,7 +414,7 @@
               <a:buChar char="●"/>
               <a:defRPr sz="1100"/>
             </a:lvl4pPr>
-            <a:lvl5pPr indent="-298450" lvl="4" marL="2286000">
+            <a:lvl5pPr marL="2286000" lvl="4" indent="-298450">
               <a:spcBef>
                 <a:spcPts val="0"/>
               </a:spcBef>
@@ -412,7 +425,7 @@
               <a:buChar char="○"/>
               <a:defRPr sz="1100"/>
             </a:lvl5pPr>
-            <a:lvl6pPr indent="-298450" lvl="5" marL="2743200">
+            <a:lvl6pPr marL="2743200" lvl="5" indent="-298450">
               <a:spcBef>
                 <a:spcPts val="0"/>
               </a:spcBef>
@@ -423,7 +436,7 @@
               <a:buChar char="■"/>
               <a:defRPr sz="1100"/>
             </a:lvl6pPr>
-            <a:lvl7pPr indent="-298450" lvl="6" marL="3200400">
+            <a:lvl7pPr marL="3200400" lvl="6" indent="-298450">
               <a:spcBef>
                 <a:spcPts val="0"/>
               </a:spcBef>
@@ -434,7 +447,7 @@
               <a:buChar char="●"/>
               <a:defRPr sz="1100"/>
             </a:lvl7pPr>
-            <a:lvl8pPr indent="-298450" lvl="7" marL="3657600">
+            <a:lvl8pPr marL="3657600" lvl="7" indent="-298450">
               <a:spcBef>
                 <a:spcPts val="0"/>
               </a:spcBef>
@@ -445,7 +458,7 @@
               <a:buChar char="○"/>
               <a:defRPr sz="1100"/>
             </a:lvl8pPr>
-            <a:lvl9pPr indent="-298450" lvl="8" marL="4114800">
+            <a:lvl9pPr marL="4114800" lvl="8" indent="-298450">
               <a:spcBef>
                 <a:spcPts val="0"/>
               </a:spcBef>
@@ -457,14 +470,16 @@
               <a:defRPr sz="1100"/>
             </a:lvl9pPr>
           </a:lstStyle>
-          <a:p/>
+          <a:p>
+            <a:endParaRPr/>
+          </a:p>
         </p:txBody>
       </p:sp>
     </p:spTree>
   </p:cSld>
-  <p:clrMap accent1="accent1" accent2="accent2" accent3="accent3" accent4="accent4" accent5="accent5" accent6="accent6" bg1="lt1" bg2="dk2" tx1="dk1" tx2="lt2" folHlink="folHlink" hlink="hlink"/>
+  <p:clrMap bg1="lt1" tx1="dk1" bg2="dk2" tx2="lt2" accent1="accent1" accent2="accent2" accent3="accent3" accent4="accent4" accent5="accent5" accent6="accent6" hlink="hlink" folHlink="folHlink"/>
   <p:notesStyle>
-    <a:defPPr lvl="0" marR="0" rtl="0" algn="l">
+    <a:defPPr marR="0" lvl="0" algn="l" rtl="0">
       <a:lnSpc>
         <a:spcPct val="100000"/>
       </a:lnSpc>
@@ -475,7 +490,7 @@
         <a:spcPts val="0"/>
       </a:spcAft>
     </a:defPPr>
-    <a:lvl1pPr lvl="0" marR="0" rtl="0" algn="l">
+    <a:lvl1pPr marR="0" lvl="0" algn="l" rtl="0">
       <a:lnSpc>
         <a:spcPct val="100000"/>
       </a:lnSpc>
@@ -489,7 +504,7 @@
         <a:srgbClr val="000000"/>
       </a:buClr>
       <a:buFont typeface="Arial"/>
-      <a:defRPr b="0" i="0" sz="1400" u="none" cap="none" strike="noStrike">
+      <a:defRPr sz="1400" b="0" i="0" u="none" strike="noStrike" cap="none">
         <a:solidFill>
           <a:srgbClr val="000000"/>
         </a:solidFill>
@@ -499,7 +514,7 @@
         <a:sym typeface="Arial"/>
       </a:defRPr>
     </a:lvl1pPr>
-    <a:lvl2pPr lvl="1" marR="0" rtl="0" algn="l">
+    <a:lvl2pPr marR="0" lvl="1" algn="l" rtl="0">
       <a:lnSpc>
         <a:spcPct val="100000"/>
       </a:lnSpc>
@@ -513,7 +528,7 @@
         <a:srgbClr val="000000"/>
       </a:buClr>
       <a:buFont typeface="Arial"/>
-      <a:defRPr b="0" i="0" sz="1400" u="none" cap="none" strike="noStrike">
+      <a:defRPr sz="1400" b="0" i="0" u="none" strike="noStrike" cap="none">
         <a:solidFill>
           <a:srgbClr val="000000"/>
         </a:solidFill>
@@ -523,7 +538,7 @@
         <a:sym typeface="Arial"/>
       </a:defRPr>
     </a:lvl2pPr>
-    <a:lvl3pPr lvl="2" marR="0" rtl="0" algn="l">
+    <a:lvl3pPr marR="0" lvl="2" algn="l" rtl="0">
       <a:lnSpc>
         <a:spcPct val="100000"/>
       </a:lnSpc>
@@ -537,7 +552,7 @@
         <a:srgbClr val="000000"/>
       </a:buClr>
       <a:buFont typeface="Arial"/>
-      <a:defRPr b="0" i="0" sz="1400" u="none" cap="none" strike="noStrike">
+      <a:defRPr sz="1400" b="0" i="0" u="none" strike="noStrike" cap="none">
         <a:solidFill>
           <a:srgbClr val="000000"/>
         </a:solidFill>
@@ -547,7 +562,7 @@
         <a:sym typeface="Arial"/>
       </a:defRPr>
     </a:lvl3pPr>
-    <a:lvl4pPr lvl="3" marR="0" rtl="0" algn="l">
+    <a:lvl4pPr marR="0" lvl="3" algn="l" rtl="0">
       <a:lnSpc>
         <a:spcPct val="100000"/>
       </a:lnSpc>
@@ -561,7 +576,7 @@
         <a:srgbClr val="000000"/>
       </a:buClr>
       <a:buFont typeface="Arial"/>
-      <a:defRPr b="0" i="0" sz="1400" u="none" cap="none" strike="noStrike">
+      <a:defRPr sz="1400" b="0" i="0" u="none" strike="noStrike" cap="none">
         <a:solidFill>
           <a:srgbClr val="000000"/>
         </a:solidFill>
@@ -571,7 +586,7 @@
         <a:sym typeface="Arial"/>
       </a:defRPr>
     </a:lvl4pPr>
-    <a:lvl5pPr lvl="4" marR="0" rtl="0" algn="l">
+    <a:lvl5pPr marR="0" lvl="4" algn="l" rtl="0">
       <a:lnSpc>
         <a:spcPct val="100000"/>
       </a:lnSpc>
@@ -585,7 +600,7 @@
         <a:srgbClr val="000000"/>
       </a:buClr>
       <a:buFont typeface="Arial"/>
-      <a:defRPr b="0" i="0" sz="1400" u="none" cap="none" strike="noStrike">
+      <a:defRPr sz="1400" b="0" i="0" u="none" strike="noStrike" cap="none">
         <a:solidFill>
           <a:srgbClr val="000000"/>
         </a:solidFill>
@@ -595,7 +610,7 @@
         <a:sym typeface="Arial"/>
       </a:defRPr>
     </a:lvl5pPr>
-    <a:lvl6pPr lvl="5" marR="0" rtl="0" algn="l">
+    <a:lvl6pPr marR="0" lvl="5" algn="l" rtl="0">
       <a:lnSpc>
         <a:spcPct val="100000"/>
       </a:lnSpc>
@@ -609,7 +624,7 @@
         <a:srgbClr val="000000"/>
       </a:buClr>
       <a:buFont typeface="Arial"/>
-      <a:defRPr b="0" i="0" sz="1400" u="none" cap="none" strike="noStrike">
+      <a:defRPr sz="1400" b="0" i="0" u="none" strike="noStrike" cap="none">
         <a:solidFill>
           <a:srgbClr val="000000"/>
         </a:solidFill>
@@ -619,7 +634,7 @@
         <a:sym typeface="Arial"/>
       </a:defRPr>
     </a:lvl6pPr>
-    <a:lvl7pPr lvl="6" marR="0" rtl="0" algn="l">
+    <a:lvl7pPr marR="0" lvl="6" algn="l" rtl="0">
       <a:lnSpc>
         <a:spcPct val="100000"/>
       </a:lnSpc>
@@ -633,7 +648,7 @@
         <a:srgbClr val="000000"/>
       </a:buClr>
       <a:buFont typeface="Arial"/>
-      <a:defRPr b="0" i="0" sz="1400" u="none" cap="none" strike="noStrike">
+      <a:defRPr sz="1400" b="0" i="0" u="none" strike="noStrike" cap="none">
         <a:solidFill>
           <a:srgbClr val="000000"/>
         </a:solidFill>
@@ -643,7 +658,7 @@
         <a:sym typeface="Arial"/>
       </a:defRPr>
     </a:lvl7pPr>
-    <a:lvl8pPr lvl="7" marR="0" rtl="0" algn="l">
+    <a:lvl8pPr marR="0" lvl="7" algn="l" rtl="0">
       <a:lnSpc>
         <a:spcPct val="100000"/>
       </a:lnSpc>
@@ -657,7 +672,7 @@
         <a:srgbClr val="000000"/>
       </a:buClr>
       <a:buFont typeface="Arial"/>
-      <a:defRPr b="0" i="0" sz="1400" u="none" cap="none" strike="noStrike">
+      <a:defRPr sz="1400" b="0" i="0" u="none" strike="noStrike" cap="none">
         <a:solidFill>
           <a:srgbClr val="000000"/>
         </a:solidFill>
@@ -667,7 +682,7 @@
         <a:sym typeface="Arial"/>
       </a:defRPr>
     </a:lvl8pPr>
-    <a:lvl9pPr lvl="8" marR="0" rtl="0" algn="l">
+    <a:lvl9pPr marR="0" lvl="8" algn="l" rtl="0">
       <a:lnSpc>
         <a:spcPct val="100000"/>
       </a:lnSpc>
@@ -681,7 +696,7 @@
         <a:srgbClr val="000000"/>
       </a:buClr>
       <a:buFont typeface="Arial"/>
-      <a:defRPr b="0" i="0" sz="1400" u="none" cap="none" strike="noStrike">
+      <a:defRPr sz="1400" b="0" i="0" u="none" strike="noStrike" cap="none">
         <a:solidFill>
           <a:srgbClr val="000000"/>
         </a:solidFill>
@@ -696,11 +711,11 @@
 </file>
 
 <file path=ppt/notesSlides/notesSlide1.xml><?xml version="1.0" encoding="utf-8"?>
-<p:notes xmlns:a="http://schemas.openxmlformats.org/drawingml/2006/main" xmlns:r="http://schemas.openxmlformats.org/officeDocument/2006/relationships" xmlns:mc="http://schemas.openxmlformats.org/markup-compatibility/2006" xmlns:mv="urn:schemas-microsoft-com:mac:vml" xmlns:p="http://schemas.openxmlformats.org/presentationml/2006/main" xmlns:c="http://schemas.openxmlformats.org/drawingml/2006/chart" xmlns:dgm="http://schemas.openxmlformats.org/drawingml/2006/diagram" xmlns:o="urn:schemas-microsoft-com:office:office" xmlns:v="urn:schemas-microsoft-com:vml" xmlns:pvml="urn:schemas-microsoft-com:office:powerpoint" xmlns:com="http://schemas.openxmlformats.org/drawingml/2006/compatibility" xmlns:p14="http://schemas.microsoft.com/office/powerpoint/2010/main" xmlns:p15="http://schemas.microsoft.com/office/powerpoint/2012/main" showMasterPhAnim="0" showMasterSp="0">
+<p:notes xmlns:a="http://schemas.openxmlformats.org/drawingml/2006/main" xmlns:r="http://schemas.openxmlformats.org/officeDocument/2006/relationships" xmlns:p="http://schemas.openxmlformats.org/presentationml/2006/main" showMasterSp="0" showMasterPhAnim="0">
   <p:cSld>
     <p:spTree>
       <p:nvGrpSpPr>
-        <p:cNvPr id="50" name="Shape 50"/>
+        <p:cNvPr id="1" name="Shape 50"/>
         <p:cNvGrpSpPr/>
         <p:nvPr/>
       </p:nvGrpSpPr>
@@ -715,20 +730,26 @@
       <p:sp>
         <p:nvSpPr>
           <p:cNvPr id="51" name="Google Shape;51;p:notes"/>
-          <p:cNvSpPr/>
+          <p:cNvSpPr>
+            <a:spLocks noGrp="1" noRot="1" noChangeAspect="1"/>
+          </p:cNvSpPr>
           <p:nvPr>
-            <p:ph idx="2" type="sldImg"/>
+            <p:ph type="sldImg" idx="2"/>
           </p:nvPr>
         </p:nvSpPr>
         <p:spPr>
           <a:xfrm>
-            <a:off x="381300" y="685800"/>
-            <a:ext cx="6096075" cy="3429000"/>
+            <a:off x="381000" y="685800"/>
+            <a:ext cx="6096000" cy="3429000"/>
           </a:xfrm>
           <a:custGeom>
-            <a:rect b="b" l="l" r="r" t="t"/>
+            <a:avLst/>
+            <a:gdLst/>
+            <a:ahLst/>
+            <a:cxnLst/>
+            <a:rect l="l" t="t" r="r" b="b"/>
             <a:pathLst>
-              <a:path extrusionOk="0" h="120000" w="120000">
+              <a:path w="120000" h="120000" extrusionOk="0">
                 <a:moveTo>
                   <a:pt x="0" y="0"/>
                 </a:moveTo>
@@ -750,9 +771,11 @@
       <p:sp>
         <p:nvSpPr>
           <p:cNvPr id="52" name="Google Shape;52;p:notes"/>
-          <p:cNvSpPr txBox="1"/>
+          <p:cNvSpPr txBox="1">
+            <a:spLocks noGrp="1"/>
+          </p:cNvSpPr>
           <p:nvPr>
-            <p:ph idx="1" type="body"/>
+            <p:ph type="body" idx="1"/>
           </p:nvPr>
         </p:nvSpPr>
         <p:spPr>
@@ -765,12 +788,12 @@
           </a:prstGeom>
         </p:spPr>
         <p:txBody>
-          <a:bodyPr anchorCtr="0" anchor="t" bIns="91425" lIns="91425" spcFirstLastPara="1" rIns="91425" wrap="square" tIns="91425">
+          <a:bodyPr spcFirstLastPara="1" wrap="square" lIns="91425" tIns="91425" rIns="91425" bIns="91425" anchor="t" anchorCtr="0">
             <a:noAutofit/>
           </a:bodyPr>
           <a:lstStyle/>
           <a:p>
-            <a:pPr indent="0" lvl="0" marL="0" rtl="0" algn="l">
+            <a:pPr marL="0" lvl="0" indent="0" algn="l" rtl="0">
               <a:spcBef>
                 <a:spcPts val="0"/>
               </a:spcBef>
@@ -779,9 +802,6 @@
               </a:spcAft>
               <a:buNone/>
             </a:pPr>
-            <a:r>
-              <a:t/>
-            </a:r>
             <a:endParaRPr/>
           </a:p>
         </p:txBody>
@@ -795,11 +815,11 @@
 </file>
 
 <file path=ppt/notesSlides/notesSlide10.xml><?xml version="1.0" encoding="utf-8"?>
-<p:notes xmlns:a="http://schemas.openxmlformats.org/drawingml/2006/main" xmlns:r="http://schemas.openxmlformats.org/officeDocument/2006/relationships" xmlns:mc="http://schemas.openxmlformats.org/markup-compatibility/2006" xmlns:mv="urn:schemas-microsoft-com:mac:vml" xmlns:p="http://schemas.openxmlformats.org/presentationml/2006/main" xmlns:c="http://schemas.openxmlformats.org/drawingml/2006/chart" xmlns:dgm="http://schemas.openxmlformats.org/drawingml/2006/diagram" xmlns:o="urn:schemas-microsoft-com:office:office" xmlns:v="urn:schemas-microsoft-com:vml" xmlns:pvml="urn:schemas-microsoft-com:office:powerpoint" xmlns:com="http://schemas.openxmlformats.org/drawingml/2006/compatibility" xmlns:p14="http://schemas.microsoft.com/office/powerpoint/2010/main" xmlns:p15="http://schemas.microsoft.com/office/powerpoint/2012/main" showMasterPhAnim="0" showMasterSp="0">
+<p:notes xmlns:a="http://schemas.openxmlformats.org/drawingml/2006/main" xmlns:r="http://schemas.openxmlformats.org/officeDocument/2006/relationships" xmlns:p="http://schemas.openxmlformats.org/presentationml/2006/main" showMasterSp="0" showMasterPhAnim="0">
   <p:cSld>
     <p:spTree>
       <p:nvGrpSpPr>
-        <p:cNvPr id="105" name="Shape 105"/>
+        <p:cNvPr id="1" name="Shape 105"/>
         <p:cNvGrpSpPr/>
         <p:nvPr/>
       </p:nvGrpSpPr>
@@ -814,9 +834,11 @@
       <p:sp>
         <p:nvSpPr>
           <p:cNvPr id="106" name="Google Shape;106;g6417f8eabd_1_34:notes"/>
-          <p:cNvSpPr/>
+          <p:cNvSpPr>
+            <a:spLocks noGrp="1" noRot="1" noChangeAspect="1"/>
+          </p:cNvSpPr>
           <p:nvPr>
-            <p:ph idx="2" type="sldImg"/>
+            <p:ph type="sldImg" idx="2"/>
           </p:nvPr>
         </p:nvSpPr>
         <p:spPr>
@@ -825,9 +847,13 @@
             <a:ext cx="6096000" cy="3429000"/>
           </a:xfrm>
           <a:custGeom>
-            <a:rect b="b" l="l" r="r" t="t"/>
+            <a:avLst/>
+            <a:gdLst/>
+            <a:ahLst/>
+            <a:cxnLst/>
+            <a:rect l="l" t="t" r="r" b="b"/>
             <a:pathLst>
-              <a:path extrusionOk="0" h="120000" w="120000">
+              <a:path w="120000" h="120000" extrusionOk="0">
                 <a:moveTo>
                   <a:pt x="0" y="0"/>
                 </a:moveTo>
@@ -849,9 +875,11 @@
       <p:sp>
         <p:nvSpPr>
           <p:cNvPr id="107" name="Google Shape;107;g6417f8eabd_1_34:notes"/>
-          <p:cNvSpPr txBox="1"/>
+          <p:cNvSpPr txBox="1">
+            <a:spLocks noGrp="1"/>
+          </p:cNvSpPr>
           <p:nvPr>
-            <p:ph idx="1" type="body"/>
+            <p:ph type="body" idx="1"/>
           </p:nvPr>
         </p:nvSpPr>
         <p:spPr>
@@ -864,12 +892,12 @@
           </a:prstGeom>
         </p:spPr>
         <p:txBody>
-          <a:bodyPr anchorCtr="0" anchor="t" bIns="91425" lIns="91425" spcFirstLastPara="1" rIns="91425" wrap="square" tIns="91425">
+          <a:bodyPr spcFirstLastPara="1" wrap="square" lIns="91425" tIns="91425" rIns="91425" bIns="91425" anchor="t" anchorCtr="0">
             <a:noAutofit/>
           </a:bodyPr>
           <a:lstStyle/>
           <a:p>
-            <a:pPr indent="0" lvl="0" marL="0" rtl="0" algn="l">
+            <a:pPr marL="0" lvl="0" indent="0" algn="l" rtl="0">
               <a:spcBef>
                 <a:spcPts val="0"/>
               </a:spcBef>
@@ -878,9 +906,6 @@
               </a:spcAft>
               <a:buNone/>
             </a:pPr>
-            <a:r>
-              <a:t/>
-            </a:r>
             <a:endParaRPr/>
           </a:p>
         </p:txBody>
@@ -894,11 +919,11 @@
 </file>
 
 <file path=ppt/notesSlides/notesSlide2.xml><?xml version="1.0" encoding="utf-8"?>
-<p:notes xmlns:a="http://schemas.openxmlformats.org/drawingml/2006/main" xmlns:r="http://schemas.openxmlformats.org/officeDocument/2006/relationships" xmlns:mc="http://schemas.openxmlformats.org/markup-compatibility/2006" xmlns:mv="urn:schemas-microsoft-com:mac:vml" xmlns:p="http://schemas.openxmlformats.org/presentationml/2006/main" xmlns:c="http://schemas.openxmlformats.org/drawingml/2006/chart" xmlns:dgm="http://schemas.openxmlformats.org/drawingml/2006/diagram" xmlns:o="urn:schemas-microsoft-com:office:office" xmlns:v="urn:schemas-microsoft-com:vml" xmlns:pvml="urn:schemas-microsoft-com:office:powerpoint" xmlns:com="http://schemas.openxmlformats.org/drawingml/2006/compatibility" xmlns:p14="http://schemas.microsoft.com/office/powerpoint/2010/main" xmlns:p15="http://schemas.microsoft.com/office/powerpoint/2012/main" showMasterPhAnim="0" showMasterSp="0">
+<p:notes xmlns:a="http://schemas.openxmlformats.org/drawingml/2006/main" xmlns:r="http://schemas.openxmlformats.org/officeDocument/2006/relationships" xmlns:p="http://schemas.openxmlformats.org/presentationml/2006/main" showMasterSp="0" showMasterPhAnim="0">
   <p:cSld>
     <p:spTree>
       <p:nvGrpSpPr>
-        <p:cNvPr id="56" name="Shape 56"/>
+        <p:cNvPr id="1" name="Shape 56"/>
         <p:cNvGrpSpPr/>
         <p:nvPr/>
       </p:nvGrpSpPr>
@@ -913,20 +938,26 @@
       <p:sp>
         <p:nvSpPr>
           <p:cNvPr id="57" name="Google Shape;57;g6415312573_0_5:notes"/>
-          <p:cNvSpPr/>
+          <p:cNvSpPr>
+            <a:spLocks noGrp="1" noRot="1" noChangeAspect="1"/>
+          </p:cNvSpPr>
           <p:nvPr>
-            <p:ph idx="2" type="sldImg"/>
+            <p:ph type="sldImg" idx="2"/>
           </p:nvPr>
         </p:nvSpPr>
         <p:spPr>
           <a:xfrm>
-            <a:off x="381300" y="685800"/>
+            <a:off x="381000" y="685800"/>
             <a:ext cx="6096000" cy="3429000"/>
           </a:xfrm>
           <a:custGeom>
-            <a:rect b="b" l="l" r="r" t="t"/>
+            <a:avLst/>
+            <a:gdLst/>
+            <a:ahLst/>
+            <a:cxnLst/>
+            <a:rect l="l" t="t" r="r" b="b"/>
             <a:pathLst>
-              <a:path extrusionOk="0" h="120000" w="120000">
+              <a:path w="120000" h="120000" extrusionOk="0">
                 <a:moveTo>
                   <a:pt x="0" y="0"/>
                 </a:moveTo>
@@ -948,9 +979,11 @@
       <p:sp>
         <p:nvSpPr>
           <p:cNvPr id="58" name="Google Shape;58;g6415312573_0_5:notes"/>
-          <p:cNvSpPr txBox="1"/>
+          <p:cNvSpPr txBox="1">
+            <a:spLocks noGrp="1"/>
+          </p:cNvSpPr>
           <p:nvPr>
-            <p:ph idx="1" type="body"/>
+            <p:ph type="body" idx="1"/>
           </p:nvPr>
         </p:nvSpPr>
         <p:spPr>
@@ -963,12 +996,12 @@
           </a:prstGeom>
         </p:spPr>
         <p:txBody>
-          <a:bodyPr anchorCtr="0" anchor="t" bIns="91425" lIns="91425" spcFirstLastPara="1" rIns="91425" wrap="square" tIns="91425">
+          <a:bodyPr spcFirstLastPara="1" wrap="square" lIns="91425" tIns="91425" rIns="91425" bIns="91425" anchor="t" anchorCtr="0">
             <a:noAutofit/>
           </a:bodyPr>
           <a:lstStyle/>
           <a:p>
-            <a:pPr indent="0" lvl="0" marL="0" rtl="0" algn="l">
+            <a:pPr marL="0" lvl="0" indent="0" algn="l" rtl="0">
               <a:spcBef>
                 <a:spcPts val="0"/>
               </a:spcBef>
@@ -977,9 +1010,6 @@
               </a:spcAft>
               <a:buNone/>
             </a:pPr>
-            <a:r>
-              <a:t/>
-            </a:r>
             <a:endParaRPr/>
           </a:p>
         </p:txBody>
@@ -993,11 +1023,11 @@
 </file>
 
 <file path=ppt/notesSlides/notesSlide3.xml><?xml version="1.0" encoding="utf-8"?>
-<p:notes xmlns:a="http://schemas.openxmlformats.org/drawingml/2006/main" xmlns:r="http://schemas.openxmlformats.org/officeDocument/2006/relationships" xmlns:mc="http://schemas.openxmlformats.org/markup-compatibility/2006" xmlns:mv="urn:schemas-microsoft-com:mac:vml" xmlns:p="http://schemas.openxmlformats.org/presentationml/2006/main" xmlns:c="http://schemas.openxmlformats.org/drawingml/2006/chart" xmlns:dgm="http://schemas.openxmlformats.org/drawingml/2006/diagram" xmlns:o="urn:schemas-microsoft-com:office:office" xmlns:v="urn:schemas-microsoft-com:vml" xmlns:pvml="urn:schemas-microsoft-com:office:powerpoint" xmlns:com="http://schemas.openxmlformats.org/drawingml/2006/compatibility" xmlns:p14="http://schemas.microsoft.com/office/powerpoint/2010/main" xmlns:p15="http://schemas.microsoft.com/office/powerpoint/2012/main" showMasterPhAnim="0" showMasterSp="0">
+<p:notes xmlns:a="http://schemas.openxmlformats.org/drawingml/2006/main" xmlns:r="http://schemas.openxmlformats.org/officeDocument/2006/relationships" xmlns:p="http://schemas.openxmlformats.org/presentationml/2006/main" showMasterSp="0" showMasterPhAnim="0">
   <p:cSld>
     <p:spTree>
       <p:nvGrpSpPr>
-        <p:cNvPr id="61" name="Shape 61"/>
+        <p:cNvPr id="1" name="Shape 61"/>
         <p:cNvGrpSpPr/>
         <p:nvPr/>
       </p:nvGrpSpPr>
@@ -1012,20 +1042,26 @@
       <p:sp>
         <p:nvSpPr>
           <p:cNvPr id="62" name="Google Shape;62;g6415312573_0_18:notes"/>
-          <p:cNvSpPr/>
+          <p:cNvSpPr>
+            <a:spLocks noGrp="1" noRot="1" noChangeAspect="1"/>
+          </p:cNvSpPr>
           <p:nvPr>
-            <p:ph idx="2" type="sldImg"/>
+            <p:ph type="sldImg" idx="2"/>
           </p:nvPr>
         </p:nvSpPr>
         <p:spPr>
           <a:xfrm>
-            <a:off x="381300" y="685800"/>
+            <a:off x="381000" y="685800"/>
             <a:ext cx="6096000" cy="3429000"/>
           </a:xfrm>
           <a:custGeom>
-            <a:rect b="b" l="l" r="r" t="t"/>
+            <a:avLst/>
+            <a:gdLst/>
+            <a:ahLst/>
+            <a:cxnLst/>
+            <a:rect l="l" t="t" r="r" b="b"/>
             <a:pathLst>
-              <a:path extrusionOk="0" h="120000" w="120000">
+              <a:path w="120000" h="120000" extrusionOk="0">
                 <a:moveTo>
                   <a:pt x="0" y="0"/>
                 </a:moveTo>
@@ -1047,9 +1083,11 @@
       <p:sp>
         <p:nvSpPr>
           <p:cNvPr id="63" name="Google Shape;63;g6415312573_0_18:notes"/>
-          <p:cNvSpPr txBox="1"/>
+          <p:cNvSpPr txBox="1">
+            <a:spLocks noGrp="1"/>
+          </p:cNvSpPr>
           <p:nvPr>
-            <p:ph idx="1" type="body"/>
+            <p:ph type="body" idx="1"/>
           </p:nvPr>
         </p:nvSpPr>
         <p:spPr>
@@ -1062,12 +1100,12 @@
           </a:prstGeom>
         </p:spPr>
         <p:txBody>
-          <a:bodyPr anchorCtr="0" anchor="t" bIns="91425" lIns="91425" spcFirstLastPara="1" rIns="91425" wrap="square" tIns="91425">
+          <a:bodyPr spcFirstLastPara="1" wrap="square" lIns="91425" tIns="91425" rIns="91425" bIns="91425" anchor="t" anchorCtr="0">
             <a:noAutofit/>
           </a:bodyPr>
           <a:lstStyle/>
           <a:p>
-            <a:pPr indent="0" lvl="0" marL="0" rtl="0" algn="l">
+            <a:pPr marL="0" lvl="0" indent="0" algn="l" rtl="0">
               <a:spcBef>
                 <a:spcPts val="0"/>
               </a:spcBef>
@@ -1076,9 +1114,6 @@
               </a:spcAft>
               <a:buNone/>
             </a:pPr>
-            <a:r>
-              <a:t/>
-            </a:r>
             <a:endParaRPr/>
           </a:p>
         </p:txBody>
@@ -1092,11 +1127,11 @@
 </file>
 
 <file path=ppt/notesSlides/notesSlide4.xml><?xml version="1.0" encoding="utf-8"?>
-<p:notes xmlns:a="http://schemas.openxmlformats.org/drawingml/2006/main" xmlns:r="http://schemas.openxmlformats.org/officeDocument/2006/relationships" xmlns:mc="http://schemas.openxmlformats.org/markup-compatibility/2006" xmlns:mv="urn:schemas-microsoft-com:mac:vml" xmlns:p="http://schemas.openxmlformats.org/presentationml/2006/main" xmlns:c="http://schemas.openxmlformats.org/drawingml/2006/chart" xmlns:dgm="http://schemas.openxmlformats.org/drawingml/2006/diagram" xmlns:o="urn:schemas-microsoft-com:office:office" xmlns:v="urn:schemas-microsoft-com:vml" xmlns:pvml="urn:schemas-microsoft-com:office:powerpoint" xmlns:com="http://schemas.openxmlformats.org/drawingml/2006/compatibility" xmlns:p14="http://schemas.microsoft.com/office/powerpoint/2010/main" xmlns:p15="http://schemas.microsoft.com/office/powerpoint/2012/main" showMasterPhAnim="0" showMasterSp="0">
+<p:notes xmlns:a="http://schemas.openxmlformats.org/drawingml/2006/main" xmlns:r="http://schemas.openxmlformats.org/officeDocument/2006/relationships" xmlns:p="http://schemas.openxmlformats.org/presentationml/2006/main" showMasterSp="0" showMasterPhAnim="0">
   <p:cSld>
     <p:spTree>
       <p:nvGrpSpPr>
-        <p:cNvPr id="68" name="Shape 68"/>
+        <p:cNvPr id="1" name="Shape 68"/>
         <p:cNvGrpSpPr/>
         <p:nvPr/>
       </p:nvGrpSpPr>
@@ -1111,9 +1146,11 @@
       <p:sp>
         <p:nvSpPr>
           <p:cNvPr id="69" name="Google Shape;69;g6415312573_0_13:notes"/>
-          <p:cNvSpPr/>
+          <p:cNvSpPr>
+            <a:spLocks noGrp="1" noRot="1" noChangeAspect="1"/>
+          </p:cNvSpPr>
           <p:nvPr>
-            <p:ph idx="2" type="sldImg"/>
+            <p:ph type="sldImg" idx="2"/>
           </p:nvPr>
         </p:nvSpPr>
         <p:spPr>
@@ -1122,9 +1159,13 @@
             <a:ext cx="6096000" cy="3429000"/>
           </a:xfrm>
           <a:custGeom>
-            <a:rect b="b" l="l" r="r" t="t"/>
+            <a:avLst/>
+            <a:gdLst/>
+            <a:ahLst/>
+            <a:cxnLst/>
+            <a:rect l="l" t="t" r="r" b="b"/>
             <a:pathLst>
-              <a:path extrusionOk="0" h="120000" w="120000">
+              <a:path w="120000" h="120000" extrusionOk="0">
                 <a:moveTo>
                   <a:pt x="0" y="0"/>
                 </a:moveTo>
@@ -1146,9 +1187,11 @@
       <p:sp>
         <p:nvSpPr>
           <p:cNvPr id="70" name="Google Shape;70;g6415312573_0_13:notes"/>
-          <p:cNvSpPr txBox="1"/>
+          <p:cNvSpPr txBox="1">
+            <a:spLocks noGrp="1"/>
+          </p:cNvSpPr>
           <p:nvPr>
-            <p:ph idx="1" type="body"/>
+            <p:ph type="body" idx="1"/>
           </p:nvPr>
         </p:nvSpPr>
         <p:spPr>
@@ -1161,12 +1204,12 @@
           </a:prstGeom>
         </p:spPr>
         <p:txBody>
-          <a:bodyPr anchorCtr="0" anchor="t" bIns="91425" lIns="91425" spcFirstLastPara="1" rIns="91425" wrap="square" tIns="91425">
+          <a:bodyPr spcFirstLastPara="1" wrap="square" lIns="91425" tIns="91425" rIns="91425" bIns="91425" anchor="t" anchorCtr="0">
             <a:noAutofit/>
           </a:bodyPr>
           <a:lstStyle/>
           <a:p>
-            <a:pPr indent="0" lvl="0" marL="0" rtl="0" algn="l">
+            <a:pPr marL="0" lvl="0" indent="0" algn="l" rtl="0">
               <a:spcBef>
                 <a:spcPts val="0"/>
               </a:spcBef>
@@ -1175,9 +1218,6 @@
               </a:spcAft>
               <a:buNone/>
             </a:pPr>
-            <a:r>
-              <a:t/>
-            </a:r>
             <a:endParaRPr/>
           </a:p>
         </p:txBody>
@@ -1191,11 +1231,11 @@
 </file>
 
 <file path=ppt/notesSlides/notesSlide5.xml><?xml version="1.0" encoding="utf-8"?>
-<p:notes xmlns:a="http://schemas.openxmlformats.org/drawingml/2006/main" xmlns:r="http://schemas.openxmlformats.org/officeDocument/2006/relationships" xmlns:mc="http://schemas.openxmlformats.org/markup-compatibility/2006" xmlns:mv="urn:schemas-microsoft-com:mac:vml" xmlns:p="http://schemas.openxmlformats.org/presentationml/2006/main" xmlns:c="http://schemas.openxmlformats.org/drawingml/2006/chart" xmlns:dgm="http://schemas.openxmlformats.org/drawingml/2006/diagram" xmlns:o="urn:schemas-microsoft-com:office:office" xmlns:v="urn:schemas-microsoft-com:vml" xmlns:pvml="urn:schemas-microsoft-com:office:powerpoint" xmlns:com="http://schemas.openxmlformats.org/drawingml/2006/compatibility" xmlns:p14="http://schemas.microsoft.com/office/powerpoint/2010/main" xmlns:p15="http://schemas.microsoft.com/office/powerpoint/2012/main" showMasterPhAnim="0" showMasterSp="0">
+<p:notes xmlns:a="http://schemas.openxmlformats.org/drawingml/2006/main" xmlns:r="http://schemas.openxmlformats.org/officeDocument/2006/relationships" xmlns:p="http://schemas.openxmlformats.org/presentationml/2006/main" showMasterSp="0" showMasterPhAnim="0">
   <p:cSld>
     <p:spTree>
       <p:nvGrpSpPr>
-        <p:cNvPr id="73" name="Shape 73"/>
+        <p:cNvPr id="1" name="Shape 73"/>
         <p:cNvGrpSpPr/>
         <p:nvPr/>
       </p:nvGrpSpPr>
@@ -1210,9 +1250,11 @@
       <p:sp>
         <p:nvSpPr>
           <p:cNvPr id="74" name="Google Shape;74;g65976d5812_0_2:notes"/>
-          <p:cNvSpPr/>
+          <p:cNvSpPr>
+            <a:spLocks noGrp="1" noRot="1" noChangeAspect="1"/>
+          </p:cNvSpPr>
           <p:nvPr>
-            <p:ph idx="2" type="sldImg"/>
+            <p:ph type="sldImg" idx="2"/>
           </p:nvPr>
         </p:nvSpPr>
         <p:spPr>
@@ -1221,9 +1263,13 @@
             <a:ext cx="6096000" cy="3429000"/>
           </a:xfrm>
           <a:custGeom>
-            <a:rect b="b" l="l" r="r" t="t"/>
+            <a:avLst/>
+            <a:gdLst/>
+            <a:ahLst/>
+            <a:cxnLst/>
+            <a:rect l="l" t="t" r="r" b="b"/>
             <a:pathLst>
-              <a:path extrusionOk="0" h="120000" w="120000">
+              <a:path w="120000" h="120000" extrusionOk="0">
                 <a:moveTo>
                   <a:pt x="0" y="0"/>
                 </a:moveTo>
@@ -1245,9 +1291,11 @@
       <p:sp>
         <p:nvSpPr>
           <p:cNvPr id="75" name="Google Shape;75;g65976d5812_0_2:notes"/>
-          <p:cNvSpPr txBox="1"/>
+          <p:cNvSpPr txBox="1">
+            <a:spLocks noGrp="1"/>
+          </p:cNvSpPr>
           <p:nvPr>
-            <p:ph idx="1" type="body"/>
+            <p:ph type="body" idx="1"/>
           </p:nvPr>
         </p:nvSpPr>
         <p:spPr>
@@ -1260,12 +1308,12 @@
           </a:prstGeom>
         </p:spPr>
         <p:txBody>
-          <a:bodyPr anchorCtr="0" anchor="t" bIns="91425" lIns="91425" spcFirstLastPara="1" rIns="91425" wrap="square" tIns="91425">
+          <a:bodyPr spcFirstLastPara="1" wrap="square" lIns="91425" tIns="91425" rIns="91425" bIns="91425" anchor="t" anchorCtr="0">
             <a:noAutofit/>
           </a:bodyPr>
           <a:lstStyle/>
           <a:p>
-            <a:pPr indent="0" lvl="0" marL="0" rtl="0" algn="l">
+            <a:pPr marL="0" lvl="0" indent="0" algn="l" rtl="0">
               <a:spcBef>
                 <a:spcPts val="0"/>
               </a:spcBef>
@@ -1274,9 +1322,6 @@
               </a:spcAft>
               <a:buNone/>
             </a:pPr>
-            <a:r>
-              <a:t/>
-            </a:r>
             <a:endParaRPr/>
           </a:p>
         </p:txBody>
@@ -1290,11 +1335,11 @@
 </file>
 
 <file path=ppt/notesSlides/notesSlide6.xml><?xml version="1.0" encoding="utf-8"?>
-<p:notes xmlns:a="http://schemas.openxmlformats.org/drawingml/2006/main" xmlns:r="http://schemas.openxmlformats.org/officeDocument/2006/relationships" xmlns:mc="http://schemas.openxmlformats.org/markup-compatibility/2006" xmlns:mv="urn:schemas-microsoft-com:mac:vml" xmlns:p="http://schemas.openxmlformats.org/presentationml/2006/main" xmlns:c="http://schemas.openxmlformats.org/drawingml/2006/chart" xmlns:dgm="http://schemas.openxmlformats.org/drawingml/2006/diagram" xmlns:o="urn:schemas-microsoft-com:office:office" xmlns:v="urn:schemas-microsoft-com:vml" xmlns:pvml="urn:schemas-microsoft-com:office:powerpoint" xmlns:com="http://schemas.openxmlformats.org/drawingml/2006/compatibility" xmlns:p14="http://schemas.microsoft.com/office/powerpoint/2010/main" xmlns:p15="http://schemas.microsoft.com/office/powerpoint/2012/main" showMasterPhAnim="0" showMasterSp="0">
+<p:notes xmlns:a="http://schemas.openxmlformats.org/drawingml/2006/main" xmlns:r="http://schemas.openxmlformats.org/officeDocument/2006/relationships" xmlns:p="http://schemas.openxmlformats.org/presentationml/2006/main" showMasterSp="0" showMasterPhAnim="0">
   <p:cSld>
     <p:spTree>
       <p:nvGrpSpPr>
-        <p:cNvPr id="79" name="Shape 79"/>
+        <p:cNvPr id="1" name="Shape 79"/>
         <p:cNvGrpSpPr/>
         <p:nvPr/>
       </p:nvGrpSpPr>
@@ -1309,9 +1354,11 @@
       <p:sp>
         <p:nvSpPr>
           <p:cNvPr id="80" name="Google Shape;80;g65976d5812_0_7:notes"/>
-          <p:cNvSpPr/>
+          <p:cNvSpPr>
+            <a:spLocks noGrp="1" noRot="1" noChangeAspect="1"/>
+          </p:cNvSpPr>
           <p:nvPr>
-            <p:ph idx="2" type="sldImg"/>
+            <p:ph type="sldImg" idx="2"/>
           </p:nvPr>
         </p:nvSpPr>
         <p:spPr>
@@ -1320,9 +1367,13 @@
             <a:ext cx="6096000" cy="3429000"/>
           </a:xfrm>
           <a:custGeom>
-            <a:rect b="b" l="l" r="r" t="t"/>
+            <a:avLst/>
+            <a:gdLst/>
+            <a:ahLst/>
+            <a:cxnLst/>
+            <a:rect l="l" t="t" r="r" b="b"/>
             <a:pathLst>
-              <a:path extrusionOk="0" h="120000" w="120000">
+              <a:path w="120000" h="120000" extrusionOk="0">
                 <a:moveTo>
                   <a:pt x="0" y="0"/>
                 </a:moveTo>
@@ -1344,9 +1395,11 @@
       <p:sp>
         <p:nvSpPr>
           <p:cNvPr id="81" name="Google Shape;81;g65976d5812_0_7:notes"/>
-          <p:cNvSpPr txBox="1"/>
+          <p:cNvSpPr txBox="1">
+            <a:spLocks noGrp="1"/>
+          </p:cNvSpPr>
           <p:nvPr>
-            <p:ph idx="1" type="body"/>
+            <p:ph type="body" idx="1"/>
           </p:nvPr>
         </p:nvSpPr>
         <p:spPr>
@@ -1359,12 +1412,12 @@
           </a:prstGeom>
         </p:spPr>
         <p:txBody>
-          <a:bodyPr anchorCtr="0" anchor="t" bIns="91425" lIns="91425" spcFirstLastPara="1" rIns="91425" wrap="square" tIns="91425">
+          <a:bodyPr spcFirstLastPara="1" wrap="square" lIns="91425" tIns="91425" rIns="91425" bIns="91425" anchor="t" anchorCtr="0">
             <a:noAutofit/>
           </a:bodyPr>
           <a:lstStyle/>
           <a:p>
-            <a:pPr indent="0" lvl="0" marL="0" rtl="0" algn="l">
+            <a:pPr marL="0" lvl="0" indent="0" algn="l" rtl="0">
               <a:spcBef>
                 <a:spcPts val="0"/>
               </a:spcBef>
@@ -1373,9 +1426,6 @@
               </a:spcAft>
               <a:buNone/>
             </a:pPr>
-            <a:r>
-              <a:t/>
-            </a:r>
             <a:endParaRPr/>
           </a:p>
         </p:txBody>
@@ -1389,11 +1439,11 @@
 </file>
 
 <file path=ppt/notesSlides/notesSlide7.xml><?xml version="1.0" encoding="utf-8"?>
-<p:notes xmlns:a="http://schemas.openxmlformats.org/drawingml/2006/main" xmlns:r="http://schemas.openxmlformats.org/officeDocument/2006/relationships" xmlns:mc="http://schemas.openxmlformats.org/markup-compatibility/2006" xmlns:mv="urn:schemas-microsoft-com:mac:vml" xmlns:p="http://schemas.openxmlformats.org/presentationml/2006/main" xmlns:c="http://schemas.openxmlformats.org/drawingml/2006/chart" xmlns:dgm="http://schemas.openxmlformats.org/drawingml/2006/diagram" xmlns:o="urn:schemas-microsoft-com:office:office" xmlns:v="urn:schemas-microsoft-com:vml" xmlns:pvml="urn:schemas-microsoft-com:office:powerpoint" xmlns:com="http://schemas.openxmlformats.org/drawingml/2006/compatibility" xmlns:p14="http://schemas.microsoft.com/office/powerpoint/2010/main" xmlns:p15="http://schemas.microsoft.com/office/powerpoint/2012/main" showMasterPhAnim="0" showMasterSp="0">
+<p:notes xmlns:a="http://schemas.openxmlformats.org/drawingml/2006/main" xmlns:r="http://schemas.openxmlformats.org/officeDocument/2006/relationships" xmlns:p="http://schemas.openxmlformats.org/presentationml/2006/main" showMasterSp="0" showMasterPhAnim="0">
   <p:cSld>
     <p:spTree>
       <p:nvGrpSpPr>
-        <p:cNvPr id="84" name="Shape 84"/>
+        <p:cNvPr id="1" name="Shape 84"/>
         <p:cNvGrpSpPr/>
         <p:nvPr/>
       </p:nvGrpSpPr>
@@ -1408,9 +1458,11 @@
       <p:sp>
         <p:nvSpPr>
           <p:cNvPr id="85" name="Google Shape;85;g65976d5812_1_0:notes"/>
-          <p:cNvSpPr/>
+          <p:cNvSpPr>
+            <a:spLocks noGrp="1" noRot="1" noChangeAspect="1"/>
+          </p:cNvSpPr>
           <p:nvPr>
-            <p:ph idx="2" type="sldImg"/>
+            <p:ph type="sldImg" idx="2"/>
           </p:nvPr>
         </p:nvSpPr>
         <p:spPr>
@@ -1419,9 +1471,13 @@
             <a:ext cx="6096000" cy="3429000"/>
           </a:xfrm>
           <a:custGeom>
-            <a:rect b="b" l="l" r="r" t="t"/>
+            <a:avLst/>
+            <a:gdLst/>
+            <a:ahLst/>
+            <a:cxnLst/>
+            <a:rect l="l" t="t" r="r" b="b"/>
             <a:pathLst>
-              <a:path extrusionOk="0" h="120000" w="120000">
+              <a:path w="120000" h="120000" extrusionOk="0">
                 <a:moveTo>
                   <a:pt x="0" y="0"/>
                 </a:moveTo>
@@ -1443,9 +1499,11 @@
       <p:sp>
         <p:nvSpPr>
           <p:cNvPr id="86" name="Google Shape;86;g65976d5812_1_0:notes"/>
-          <p:cNvSpPr txBox="1"/>
+          <p:cNvSpPr txBox="1">
+            <a:spLocks noGrp="1"/>
+          </p:cNvSpPr>
           <p:nvPr>
-            <p:ph idx="1" type="body"/>
+            <p:ph type="body" idx="1"/>
           </p:nvPr>
         </p:nvSpPr>
         <p:spPr>
@@ -1458,12 +1516,12 @@
           </a:prstGeom>
         </p:spPr>
         <p:txBody>
-          <a:bodyPr anchorCtr="0" anchor="t" bIns="91425" lIns="91425" spcFirstLastPara="1" rIns="91425" wrap="square" tIns="91425">
+          <a:bodyPr spcFirstLastPara="1" wrap="square" lIns="91425" tIns="91425" rIns="91425" bIns="91425" anchor="t" anchorCtr="0">
             <a:noAutofit/>
           </a:bodyPr>
           <a:lstStyle/>
           <a:p>
-            <a:pPr indent="0" lvl="0" marL="0" rtl="0" algn="l">
+            <a:pPr marL="0" lvl="0" indent="0" algn="l" rtl="0">
               <a:spcBef>
                 <a:spcPts val="0"/>
               </a:spcBef>
@@ -1472,9 +1530,6 @@
               </a:spcAft>
               <a:buNone/>
             </a:pPr>
-            <a:r>
-              <a:t/>
-            </a:r>
             <a:endParaRPr/>
           </a:p>
         </p:txBody>
@@ -1488,11 +1543,11 @@
 </file>
 
 <file path=ppt/notesSlides/notesSlide8.xml><?xml version="1.0" encoding="utf-8"?>
-<p:notes xmlns:a="http://schemas.openxmlformats.org/drawingml/2006/main" xmlns:r="http://schemas.openxmlformats.org/officeDocument/2006/relationships" xmlns:mc="http://schemas.openxmlformats.org/markup-compatibility/2006" xmlns:mv="urn:schemas-microsoft-com:mac:vml" xmlns:p="http://schemas.openxmlformats.org/presentationml/2006/main" xmlns:c="http://schemas.openxmlformats.org/drawingml/2006/chart" xmlns:dgm="http://schemas.openxmlformats.org/drawingml/2006/diagram" xmlns:o="urn:schemas-microsoft-com:office:office" xmlns:v="urn:schemas-microsoft-com:vml" xmlns:pvml="urn:schemas-microsoft-com:office:powerpoint" xmlns:com="http://schemas.openxmlformats.org/drawingml/2006/compatibility" xmlns:p14="http://schemas.microsoft.com/office/powerpoint/2010/main" xmlns:p15="http://schemas.microsoft.com/office/powerpoint/2012/main" showMasterPhAnim="0" showMasterSp="0">
+<p:notes xmlns:a="http://schemas.openxmlformats.org/drawingml/2006/main" xmlns:r="http://schemas.openxmlformats.org/officeDocument/2006/relationships" xmlns:p="http://schemas.openxmlformats.org/presentationml/2006/main" showMasterSp="0" showMasterPhAnim="0">
   <p:cSld>
     <p:spTree>
       <p:nvGrpSpPr>
-        <p:cNvPr id="91" name="Shape 91"/>
+        <p:cNvPr id="1" name="Shape 91"/>
         <p:cNvGrpSpPr/>
         <p:nvPr/>
       </p:nvGrpSpPr>
@@ -1507,9 +1562,11 @@
       <p:sp>
         <p:nvSpPr>
           <p:cNvPr id="92" name="Google Shape;92;g65976d5812_0_11:notes"/>
-          <p:cNvSpPr/>
+          <p:cNvSpPr>
+            <a:spLocks noGrp="1" noRot="1" noChangeAspect="1"/>
+          </p:cNvSpPr>
           <p:nvPr>
-            <p:ph idx="2" type="sldImg"/>
+            <p:ph type="sldImg" idx="2"/>
           </p:nvPr>
         </p:nvSpPr>
         <p:spPr>
@@ -1518,9 +1575,13 @@
             <a:ext cx="6096000" cy="3429000"/>
           </a:xfrm>
           <a:custGeom>
-            <a:rect b="b" l="l" r="r" t="t"/>
+            <a:avLst/>
+            <a:gdLst/>
+            <a:ahLst/>
+            <a:cxnLst/>
+            <a:rect l="l" t="t" r="r" b="b"/>
             <a:pathLst>
-              <a:path extrusionOk="0" h="120000" w="120000">
+              <a:path w="120000" h="120000" extrusionOk="0">
                 <a:moveTo>
                   <a:pt x="0" y="0"/>
                 </a:moveTo>
@@ -1542,9 +1603,11 @@
       <p:sp>
         <p:nvSpPr>
           <p:cNvPr id="93" name="Google Shape;93;g65976d5812_0_11:notes"/>
-          <p:cNvSpPr txBox="1"/>
+          <p:cNvSpPr txBox="1">
+            <a:spLocks noGrp="1"/>
+          </p:cNvSpPr>
           <p:nvPr>
-            <p:ph idx="1" type="body"/>
+            <p:ph type="body" idx="1"/>
           </p:nvPr>
         </p:nvSpPr>
         <p:spPr>
@@ -1557,12 +1620,12 @@
           </a:prstGeom>
         </p:spPr>
         <p:txBody>
-          <a:bodyPr anchorCtr="0" anchor="t" bIns="91425" lIns="91425" spcFirstLastPara="1" rIns="91425" wrap="square" tIns="91425">
+          <a:bodyPr spcFirstLastPara="1" wrap="square" lIns="91425" tIns="91425" rIns="91425" bIns="91425" anchor="t" anchorCtr="0">
             <a:noAutofit/>
           </a:bodyPr>
           <a:lstStyle/>
           <a:p>
-            <a:pPr indent="0" lvl="0" marL="0" rtl="0" algn="l">
+            <a:pPr marL="0" lvl="0" indent="0" algn="l" rtl="0">
               <a:spcBef>
                 <a:spcPts val="0"/>
               </a:spcBef>
@@ -1571,9 +1634,6 @@
               </a:spcAft>
               <a:buNone/>
             </a:pPr>
-            <a:r>
-              <a:t/>
-            </a:r>
             <a:endParaRPr/>
           </a:p>
         </p:txBody>
@@ -1587,11 +1647,11 @@
 </file>
 
 <file path=ppt/notesSlides/notesSlide9.xml><?xml version="1.0" encoding="utf-8"?>
-<p:notes xmlns:a="http://schemas.openxmlformats.org/drawingml/2006/main" xmlns:r="http://schemas.openxmlformats.org/officeDocument/2006/relationships" xmlns:mc="http://schemas.openxmlformats.org/markup-compatibility/2006" xmlns:mv="urn:schemas-microsoft-com:mac:vml" xmlns:p="http://schemas.openxmlformats.org/presentationml/2006/main" xmlns:c="http://schemas.openxmlformats.org/drawingml/2006/chart" xmlns:dgm="http://schemas.openxmlformats.org/drawingml/2006/diagram" xmlns:o="urn:schemas-microsoft-com:office:office" xmlns:v="urn:schemas-microsoft-com:vml" xmlns:pvml="urn:schemas-microsoft-com:office:powerpoint" xmlns:com="http://schemas.openxmlformats.org/drawingml/2006/compatibility" xmlns:p14="http://schemas.microsoft.com/office/powerpoint/2010/main" xmlns:p15="http://schemas.microsoft.com/office/powerpoint/2012/main" showMasterPhAnim="0" showMasterSp="0">
+<p:notes xmlns:a="http://schemas.openxmlformats.org/drawingml/2006/main" xmlns:r="http://schemas.openxmlformats.org/officeDocument/2006/relationships" xmlns:p="http://schemas.openxmlformats.org/presentationml/2006/main" showMasterSp="0" showMasterPhAnim="0">
   <p:cSld>
     <p:spTree>
       <p:nvGrpSpPr>
-        <p:cNvPr id="96" name="Shape 96"/>
+        <p:cNvPr id="1" name="Shape 96"/>
         <p:cNvGrpSpPr/>
         <p:nvPr/>
       </p:nvGrpSpPr>
@@ -1606,9 +1666,11 @@
       <p:sp>
         <p:nvSpPr>
           <p:cNvPr id="97" name="Google Shape;97;g65976d5812_0_15:notes"/>
-          <p:cNvSpPr/>
+          <p:cNvSpPr>
+            <a:spLocks noGrp="1" noRot="1" noChangeAspect="1"/>
+          </p:cNvSpPr>
           <p:nvPr>
-            <p:ph idx="2" type="sldImg"/>
+            <p:ph type="sldImg" idx="2"/>
           </p:nvPr>
         </p:nvSpPr>
         <p:spPr>
@@ -1617,9 +1679,13 @@
             <a:ext cx="6096000" cy="3429000"/>
           </a:xfrm>
           <a:custGeom>
-            <a:rect b="b" l="l" r="r" t="t"/>
+            <a:avLst/>
+            <a:gdLst/>
+            <a:ahLst/>
+            <a:cxnLst/>
+            <a:rect l="l" t="t" r="r" b="b"/>
             <a:pathLst>
-              <a:path extrusionOk="0" h="120000" w="120000">
+              <a:path w="120000" h="120000" extrusionOk="0">
                 <a:moveTo>
                   <a:pt x="0" y="0"/>
                 </a:moveTo>
@@ -1641,9 +1707,11 @@
       <p:sp>
         <p:nvSpPr>
           <p:cNvPr id="98" name="Google Shape;98;g65976d5812_0_15:notes"/>
-          <p:cNvSpPr txBox="1"/>
+          <p:cNvSpPr txBox="1">
+            <a:spLocks noGrp="1"/>
+          </p:cNvSpPr>
           <p:nvPr>
-            <p:ph idx="1" type="body"/>
+            <p:ph type="body" idx="1"/>
           </p:nvPr>
         </p:nvSpPr>
         <p:spPr>
@@ -1656,12 +1724,12 @@
           </a:prstGeom>
         </p:spPr>
         <p:txBody>
-          <a:bodyPr anchorCtr="0" anchor="t" bIns="91425" lIns="91425" spcFirstLastPara="1" rIns="91425" wrap="square" tIns="91425">
+          <a:bodyPr spcFirstLastPara="1" wrap="square" lIns="91425" tIns="91425" rIns="91425" bIns="91425" anchor="t" anchorCtr="0">
             <a:noAutofit/>
           </a:bodyPr>
           <a:lstStyle/>
           <a:p>
-            <a:pPr indent="0" lvl="0" marL="0" rtl="0" algn="l">
+            <a:pPr marL="0" lvl="0" indent="0" algn="l" rtl="0">
               <a:spcBef>
                 <a:spcPts val="0"/>
               </a:spcBef>
@@ -1670,9 +1738,6 @@
               </a:spcAft>
               <a:buNone/>
             </a:pPr>
-            <a:r>
-              <a:t/>
-            </a:r>
             <a:endParaRPr/>
           </a:p>
         </p:txBody>
@@ -1686,11 +1751,11 @@
 </file>
 
 <file path=ppt/slideLayouts/slideLayout1.xml><?xml version="1.0" encoding="utf-8"?>
-<p:sldLayout xmlns:a="http://schemas.openxmlformats.org/drawingml/2006/main" xmlns:r="http://schemas.openxmlformats.org/officeDocument/2006/relationships" xmlns:mc="http://schemas.openxmlformats.org/markup-compatibility/2006" xmlns:mv="urn:schemas-microsoft-com:mac:vml" xmlns:p="http://schemas.openxmlformats.org/presentationml/2006/main" xmlns:c="http://schemas.openxmlformats.org/drawingml/2006/chart" xmlns:dgm="http://schemas.openxmlformats.org/drawingml/2006/diagram" xmlns:o="urn:schemas-microsoft-com:office:office" xmlns:v="urn:schemas-microsoft-com:vml" xmlns:pvml="urn:schemas-microsoft-com:office:powerpoint" xmlns:com="http://schemas.openxmlformats.org/drawingml/2006/compatibility" xmlns:p14="http://schemas.microsoft.com/office/powerpoint/2010/main" xmlns:p15="http://schemas.microsoft.com/office/powerpoint/2012/main" matchingName="Title slide" type="title">
+<p:sldLayout xmlns:a="http://schemas.openxmlformats.org/drawingml/2006/main" xmlns:r="http://schemas.openxmlformats.org/officeDocument/2006/relationships" xmlns:p="http://schemas.openxmlformats.org/presentationml/2006/main" matchingName="Title slide" type="title">
   <p:cSld name="TITLE">
     <p:spTree>
       <p:nvGrpSpPr>
-        <p:cNvPr id="9" name="Shape 9"/>
+        <p:cNvPr id="1" name="Shape 9"/>
         <p:cNvGrpSpPr/>
         <p:nvPr/>
       </p:nvGrpSpPr>
@@ -1705,7 +1770,9 @@
       <p:sp>
         <p:nvSpPr>
           <p:cNvPr id="10" name="Google Shape;10;p2"/>
-          <p:cNvSpPr txBox="1"/>
+          <p:cNvSpPr txBox="1">
+            <a:spLocks noGrp="1"/>
+          </p:cNvSpPr>
           <p:nvPr>
             <p:ph type="ctrTitle"/>
           </p:nvPr>
@@ -1720,7 +1787,7 @@
           </a:prstGeom>
         </p:spPr>
         <p:txBody>
-          <a:bodyPr anchorCtr="0" anchor="b" bIns="91425" lIns="91425" spcFirstLastPara="1" rIns="91425" wrap="square" tIns="91425">
+          <a:bodyPr spcFirstLastPara="1" wrap="square" lIns="91425" tIns="91425" rIns="91425" bIns="91425" anchor="b" anchorCtr="0">
             <a:noAutofit/>
           </a:bodyPr>
           <a:lstStyle>
@@ -1824,15 +1891,19 @@
               <a:defRPr sz="5200"/>
             </a:lvl9pPr>
           </a:lstStyle>
-          <a:p/>
+          <a:p>
+            <a:endParaRPr/>
+          </a:p>
         </p:txBody>
       </p:sp>
       <p:sp>
         <p:nvSpPr>
           <p:cNvPr id="11" name="Google Shape;11;p2"/>
-          <p:cNvSpPr txBox="1"/>
+          <p:cNvSpPr txBox="1">
+            <a:spLocks noGrp="1"/>
+          </p:cNvSpPr>
           <p:nvPr>
-            <p:ph idx="1" type="subTitle"/>
+            <p:ph type="subTitle" idx="1"/>
           </p:nvPr>
         </p:nvSpPr>
         <p:spPr>
@@ -1845,7 +1916,7 @@
           </a:prstGeom>
         </p:spPr>
         <p:txBody>
-          <a:bodyPr anchorCtr="0" anchor="t" bIns="91425" lIns="91425" spcFirstLastPara="1" rIns="91425" wrap="square" tIns="91425">
+          <a:bodyPr spcFirstLastPara="1" wrap="square" lIns="91425" tIns="91425" rIns="91425" bIns="91425" anchor="t" anchorCtr="0">
             <a:noAutofit/>
           </a:bodyPr>
           <a:lstStyle>
@@ -1976,15 +2047,19 @@
               <a:defRPr sz="2800"/>
             </a:lvl9pPr>
           </a:lstStyle>
-          <a:p/>
+          <a:p>
+            <a:endParaRPr/>
+          </a:p>
         </p:txBody>
       </p:sp>
       <p:sp>
         <p:nvSpPr>
           <p:cNvPr id="12" name="Google Shape;12;p2"/>
-          <p:cNvSpPr txBox="1"/>
+          <p:cNvSpPr txBox="1">
+            <a:spLocks noGrp="1"/>
+          </p:cNvSpPr>
           <p:nvPr>
-            <p:ph idx="12" type="sldNum"/>
+            <p:ph type="sldNum" idx="12"/>
           </p:nvPr>
         </p:nvSpPr>
         <p:spPr>
@@ -1997,7 +2072,7 @@
           </a:prstGeom>
         </p:spPr>
         <p:txBody>
-          <a:bodyPr anchorCtr="0" anchor="ctr" bIns="91425" lIns="91425" spcFirstLastPara="1" rIns="91425" wrap="square" tIns="91425">
+          <a:bodyPr spcFirstLastPara="1" wrap="square" lIns="91425" tIns="91425" rIns="91425" bIns="91425" anchor="ctr" anchorCtr="0">
             <a:noAutofit/>
           </a:bodyPr>
           <a:lstStyle>
@@ -2039,7 +2114,7 @@
             </a:lvl9pPr>
           </a:lstStyle>
           <a:p>
-            <a:pPr indent="0" lvl="0" marL="0" rtl="0" algn="r">
+            <a:pPr marL="0" lvl="0" indent="0" algn="r" rtl="0">
               <a:spcBef>
                 <a:spcPts val="0"/>
               </a:spcBef>
@@ -2065,11 +2140,11 @@
 </file>
 
 <file path=ppt/slideLayouts/slideLayout10.xml><?xml version="1.0" encoding="utf-8"?>
-<p:sldLayout xmlns:a="http://schemas.openxmlformats.org/drawingml/2006/main" xmlns:r="http://schemas.openxmlformats.org/officeDocument/2006/relationships" xmlns:mc="http://schemas.openxmlformats.org/markup-compatibility/2006" xmlns:mv="urn:schemas-microsoft-com:mac:vml" xmlns:p="http://schemas.openxmlformats.org/presentationml/2006/main" xmlns:c="http://schemas.openxmlformats.org/drawingml/2006/chart" xmlns:dgm="http://schemas.openxmlformats.org/drawingml/2006/diagram" xmlns:o="urn:schemas-microsoft-com:office:office" xmlns:v="urn:schemas-microsoft-com:vml" xmlns:pvml="urn:schemas-microsoft-com:office:powerpoint" xmlns:com="http://schemas.openxmlformats.org/drawingml/2006/compatibility" xmlns:p14="http://schemas.microsoft.com/office/powerpoint/2010/main" xmlns:p15="http://schemas.microsoft.com/office/powerpoint/2012/main" matchingName="Big number">
+<p:sldLayout xmlns:a="http://schemas.openxmlformats.org/drawingml/2006/main" xmlns:r="http://schemas.openxmlformats.org/officeDocument/2006/relationships" xmlns:p="http://schemas.openxmlformats.org/presentationml/2006/main" matchingName="Big number">
   <p:cSld name="BIG_NUMBER">
     <p:spTree>
       <p:nvGrpSpPr>
-        <p:cNvPr id="44" name="Shape 44"/>
+        <p:cNvPr id="1" name="Shape 44"/>
         <p:cNvGrpSpPr/>
         <p:nvPr/>
       </p:nvGrpSpPr>
@@ -2084,9 +2159,11 @@
       <p:sp>
         <p:nvSpPr>
           <p:cNvPr id="45" name="Google Shape;45;p11"/>
-          <p:cNvSpPr txBox="1"/>
+          <p:cNvSpPr txBox="1">
+            <a:spLocks noGrp="1"/>
+          </p:cNvSpPr>
           <p:nvPr>
-            <p:ph hasCustomPrompt="1" type="title"/>
+            <p:ph type="title" hasCustomPrompt="1"/>
           </p:nvPr>
         </p:nvSpPr>
         <p:spPr>
@@ -2099,7 +2176,7 @@
           </a:prstGeom>
         </p:spPr>
         <p:txBody>
-          <a:bodyPr anchorCtr="0" anchor="b" bIns="91425" lIns="91425" spcFirstLastPara="1" rIns="91425" wrap="square" tIns="91425">
+          <a:bodyPr spcFirstLastPara="1" wrap="square" lIns="91425" tIns="91425" rIns="91425" bIns="91425" anchor="b" anchorCtr="0">
             <a:noAutofit/>
           </a:bodyPr>
           <a:lstStyle>
@@ -2213,9 +2290,11 @@
       <p:sp>
         <p:nvSpPr>
           <p:cNvPr id="46" name="Google Shape;46;p11"/>
-          <p:cNvSpPr txBox="1"/>
+          <p:cNvSpPr txBox="1">
+            <a:spLocks noGrp="1"/>
+          </p:cNvSpPr>
           <p:nvPr>
-            <p:ph idx="1" type="body"/>
+            <p:ph type="body" idx="1"/>
           </p:nvPr>
         </p:nvSpPr>
         <p:spPr>
@@ -2228,11 +2307,11 @@
           </a:prstGeom>
         </p:spPr>
         <p:txBody>
-          <a:bodyPr anchorCtr="0" anchor="t" bIns="91425" lIns="91425" spcFirstLastPara="1" rIns="91425" wrap="square" tIns="91425">
+          <a:bodyPr spcFirstLastPara="1" wrap="square" lIns="91425" tIns="91425" rIns="91425" bIns="91425" anchor="t" anchorCtr="0">
             <a:noAutofit/>
           </a:bodyPr>
           <a:lstStyle>
-            <a:lvl1pPr indent="-342900" lvl="0" marL="457200" algn="ctr">
+            <a:lvl1pPr marL="457200" lvl="0" indent="-342900" algn="ctr">
               <a:spcBef>
                 <a:spcPts val="0"/>
               </a:spcBef>
@@ -2243,7 +2322,7 @@
               <a:buChar char="●"/>
               <a:defRPr/>
             </a:lvl1pPr>
-            <a:lvl2pPr indent="-317500" lvl="1" marL="914400" algn="ctr">
+            <a:lvl2pPr marL="914400" lvl="1" indent="-317500" algn="ctr">
               <a:spcBef>
                 <a:spcPts val="1600"/>
               </a:spcBef>
@@ -2254,7 +2333,7 @@
               <a:buChar char="○"/>
               <a:defRPr/>
             </a:lvl2pPr>
-            <a:lvl3pPr indent="-317500" lvl="2" marL="1371600" algn="ctr">
+            <a:lvl3pPr marL="1371600" lvl="2" indent="-317500" algn="ctr">
               <a:spcBef>
                 <a:spcPts val="1600"/>
               </a:spcBef>
@@ -2265,7 +2344,7 @@
               <a:buChar char="■"/>
               <a:defRPr/>
             </a:lvl3pPr>
-            <a:lvl4pPr indent="-317500" lvl="3" marL="1828800" algn="ctr">
+            <a:lvl4pPr marL="1828800" lvl="3" indent="-317500" algn="ctr">
               <a:spcBef>
                 <a:spcPts val="1600"/>
               </a:spcBef>
@@ -2276,7 +2355,7 @@
               <a:buChar char="●"/>
               <a:defRPr/>
             </a:lvl4pPr>
-            <a:lvl5pPr indent="-317500" lvl="4" marL="2286000" algn="ctr">
+            <a:lvl5pPr marL="2286000" lvl="4" indent="-317500" algn="ctr">
               <a:spcBef>
                 <a:spcPts val="1600"/>
               </a:spcBef>
@@ -2287,7 +2366,7 @@
               <a:buChar char="○"/>
               <a:defRPr/>
             </a:lvl5pPr>
-            <a:lvl6pPr indent="-317500" lvl="5" marL="2743200" algn="ctr">
+            <a:lvl6pPr marL="2743200" lvl="5" indent="-317500" algn="ctr">
               <a:spcBef>
                 <a:spcPts val="1600"/>
               </a:spcBef>
@@ -2298,7 +2377,7 @@
               <a:buChar char="■"/>
               <a:defRPr/>
             </a:lvl6pPr>
-            <a:lvl7pPr indent="-317500" lvl="6" marL="3200400" algn="ctr">
+            <a:lvl7pPr marL="3200400" lvl="6" indent="-317500" algn="ctr">
               <a:spcBef>
                 <a:spcPts val="1600"/>
               </a:spcBef>
@@ -2309,7 +2388,7 @@
               <a:buChar char="●"/>
               <a:defRPr/>
             </a:lvl7pPr>
-            <a:lvl8pPr indent="-317500" lvl="7" marL="3657600" algn="ctr">
+            <a:lvl8pPr marL="3657600" lvl="7" indent="-317500" algn="ctr">
               <a:spcBef>
                 <a:spcPts val="1600"/>
               </a:spcBef>
@@ -2320,7 +2399,7 @@
               <a:buChar char="○"/>
               <a:defRPr/>
             </a:lvl8pPr>
-            <a:lvl9pPr indent="-317500" lvl="8" marL="4114800" algn="ctr">
+            <a:lvl9pPr marL="4114800" lvl="8" indent="-317500" algn="ctr">
               <a:spcBef>
                 <a:spcPts val="1600"/>
               </a:spcBef>
@@ -2332,15 +2411,19 @@
               <a:defRPr/>
             </a:lvl9pPr>
           </a:lstStyle>
-          <a:p/>
+          <a:p>
+            <a:endParaRPr/>
+          </a:p>
         </p:txBody>
       </p:sp>
       <p:sp>
         <p:nvSpPr>
           <p:cNvPr id="47" name="Google Shape;47;p11"/>
-          <p:cNvSpPr txBox="1"/>
+          <p:cNvSpPr txBox="1">
+            <a:spLocks noGrp="1"/>
+          </p:cNvSpPr>
           <p:nvPr>
-            <p:ph idx="12" type="sldNum"/>
+            <p:ph type="sldNum" idx="12"/>
           </p:nvPr>
         </p:nvSpPr>
         <p:spPr>
@@ -2353,7 +2436,7 @@
           </a:prstGeom>
         </p:spPr>
         <p:txBody>
-          <a:bodyPr anchorCtr="0" anchor="ctr" bIns="91425" lIns="91425" spcFirstLastPara="1" rIns="91425" wrap="square" tIns="91425">
+          <a:bodyPr spcFirstLastPara="1" wrap="square" lIns="91425" tIns="91425" rIns="91425" bIns="91425" anchor="ctr" anchorCtr="0">
             <a:noAutofit/>
           </a:bodyPr>
           <a:lstStyle>
@@ -2395,7 +2478,7 @@
             </a:lvl9pPr>
           </a:lstStyle>
           <a:p>
-            <a:pPr indent="0" lvl="0" marL="0" rtl="0" algn="r">
+            <a:pPr marL="0" lvl="0" indent="0" algn="r" rtl="0">
               <a:spcBef>
                 <a:spcPts val="0"/>
               </a:spcBef>
@@ -2421,11 +2504,11 @@
 </file>
 
 <file path=ppt/slideLayouts/slideLayout11.xml><?xml version="1.0" encoding="utf-8"?>
-<p:sldLayout xmlns:a="http://schemas.openxmlformats.org/drawingml/2006/main" xmlns:r="http://schemas.openxmlformats.org/officeDocument/2006/relationships" xmlns:mc="http://schemas.openxmlformats.org/markup-compatibility/2006" xmlns:mv="urn:schemas-microsoft-com:mac:vml" xmlns:p="http://schemas.openxmlformats.org/presentationml/2006/main" xmlns:c="http://schemas.openxmlformats.org/drawingml/2006/chart" xmlns:dgm="http://schemas.openxmlformats.org/drawingml/2006/diagram" xmlns:o="urn:schemas-microsoft-com:office:office" xmlns:v="urn:schemas-microsoft-com:vml" xmlns:pvml="urn:schemas-microsoft-com:office:powerpoint" xmlns:com="http://schemas.openxmlformats.org/drawingml/2006/compatibility" xmlns:p14="http://schemas.microsoft.com/office/powerpoint/2010/main" xmlns:p15="http://schemas.microsoft.com/office/powerpoint/2012/main" matchingName="Blank" type="blank">
+<p:sldLayout xmlns:a="http://schemas.openxmlformats.org/drawingml/2006/main" xmlns:r="http://schemas.openxmlformats.org/officeDocument/2006/relationships" xmlns:p="http://schemas.openxmlformats.org/presentationml/2006/main" matchingName="Blank" type="blank">
   <p:cSld name="BLANK">
     <p:spTree>
       <p:nvGrpSpPr>
-        <p:cNvPr id="48" name="Shape 48"/>
+        <p:cNvPr id="1" name="Shape 48"/>
         <p:cNvGrpSpPr/>
         <p:nvPr/>
       </p:nvGrpSpPr>
@@ -2440,9 +2523,11 @@
       <p:sp>
         <p:nvSpPr>
           <p:cNvPr id="49" name="Google Shape;49;p12"/>
-          <p:cNvSpPr txBox="1"/>
+          <p:cNvSpPr txBox="1">
+            <a:spLocks noGrp="1"/>
+          </p:cNvSpPr>
           <p:nvPr>
-            <p:ph idx="12" type="sldNum"/>
+            <p:ph type="sldNum" idx="12"/>
           </p:nvPr>
         </p:nvSpPr>
         <p:spPr>
@@ -2455,7 +2540,7 @@
           </a:prstGeom>
         </p:spPr>
         <p:txBody>
-          <a:bodyPr anchorCtr="0" anchor="ctr" bIns="91425" lIns="91425" spcFirstLastPara="1" rIns="91425" wrap="square" tIns="91425">
+          <a:bodyPr spcFirstLastPara="1" wrap="square" lIns="91425" tIns="91425" rIns="91425" bIns="91425" anchor="ctr" anchorCtr="0">
             <a:noAutofit/>
           </a:bodyPr>
           <a:lstStyle>
@@ -2497,7 +2582,7 @@
             </a:lvl9pPr>
           </a:lstStyle>
           <a:p>
-            <a:pPr indent="0" lvl="0" marL="0" rtl="0" algn="r">
+            <a:pPr marL="0" lvl="0" indent="0" algn="r" rtl="0">
               <a:spcBef>
                 <a:spcPts val="0"/>
               </a:spcBef>
@@ -2523,11 +2608,11 @@
 </file>
 
 <file path=ppt/slideLayouts/slideLayout2.xml><?xml version="1.0" encoding="utf-8"?>
-<p:sldLayout xmlns:a="http://schemas.openxmlformats.org/drawingml/2006/main" xmlns:r="http://schemas.openxmlformats.org/officeDocument/2006/relationships" xmlns:mc="http://schemas.openxmlformats.org/markup-compatibility/2006" xmlns:mv="urn:schemas-microsoft-com:mac:vml" xmlns:p="http://schemas.openxmlformats.org/presentationml/2006/main" xmlns:c="http://schemas.openxmlformats.org/drawingml/2006/chart" xmlns:dgm="http://schemas.openxmlformats.org/drawingml/2006/diagram" xmlns:o="urn:schemas-microsoft-com:office:office" xmlns:v="urn:schemas-microsoft-com:vml" xmlns:pvml="urn:schemas-microsoft-com:office:powerpoint" xmlns:com="http://schemas.openxmlformats.org/drawingml/2006/compatibility" xmlns:p14="http://schemas.microsoft.com/office/powerpoint/2010/main" xmlns:p15="http://schemas.microsoft.com/office/powerpoint/2012/main" matchingName="Section header" type="secHead">
+<p:sldLayout xmlns:a="http://schemas.openxmlformats.org/drawingml/2006/main" xmlns:r="http://schemas.openxmlformats.org/officeDocument/2006/relationships" xmlns:p="http://schemas.openxmlformats.org/presentationml/2006/main" matchingName="Section header" type="secHead">
   <p:cSld name="SECTION_HEADER">
     <p:spTree>
       <p:nvGrpSpPr>
-        <p:cNvPr id="13" name="Shape 13"/>
+        <p:cNvPr id="1" name="Shape 13"/>
         <p:cNvGrpSpPr/>
         <p:nvPr/>
       </p:nvGrpSpPr>
@@ -2542,7 +2627,9 @@
       <p:sp>
         <p:nvSpPr>
           <p:cNvPr id="14" name="Google Shape;14;p3"/>
-          <p:cNvSpPr txBox="1"/>
+          <p:cNvSpPr txBox="1">
+            <a:spLocks noGrp="1"/>
+          </p:cNvSpPr>
           <p:nvPr>
             <p:ph type="title"/>
           </p:nvPr>
@@ -2557,7 +2644,7 @@
           </a:prstGeom>
         </p:spPr>
         <p:txBody>
-          <a:bodyPr anchorCtr="0" anchor="ctr" bIns="91425" lIns="91425" spcFirstLastPara="1" rIns="91425" wrap="square" tIns="91425">
+          <a:bodyPr spcFirstLastPara="1" wrap="square" lIns="91425" tIns="91425" rIns="91425" bIns="91425" anchor="ctr" anchorCtr="0">
             <a:noAutofit/>
           </a:bodyPr>
           <a:lstStyle>
@@ -2661,15 +2748,19 @@
               <a:defRPr sz="3600"/>
             </a:lvl9pPr>
           </a:lstStyle>
-          <a:p/>
+          <a:p>
+            <a:endParaRPr/>
+          </a:p>
         </p:txBody>
       </p:sp>
       <p:sp>
         <p:nvSpPr>
           <p:cNvPr id="15" name="Google Shape;15;p3"/>
-          <p:cNvSpPr txBox="1"/>
+          <p:cNvSpPr txBox="1">
+            <a:spLocks noGrp="1"/>
+          </p:cNvSpPr>
           <p:nvPr>
-            <p:ph idx="12" type="sldNum"/>
+            <p:ph type="sldNum" idx="12"/>
           </p:nvPr>
         </p:nvSpPr>
         <p:spPr>
@@ -2682,7 +2773,7 @@
           </a:prstGeom>
         </p:spPr>
         <p:txBody>
-          <a:bodyPr anchorCtr="0" anchor="ctr" bIns="91425" lIns="91425" spcFirstLastPara="1" rIns="91425" wrap="square" tIns="91425">
+          <a:bodyPr spcFirstLastPara="1" wrap="square" lIns="91425" tIns="91425" rIns="91425" bIns="91425" anchor="ctr" anchorCtr="0">
             <a:noAutofit/>
           </a:bodyPr>
           <a:lstStyle>
@@ -2724,7 +2815,7 @@
             </a:lvl9pPr>
           </a:lstStyle>
           <a:p>
-            <a:pPr indent="0" lvl="0" marL="0" rtl="0" algn="r">
+            <a:pPr marL="0" lvl="0" indent="0" algn="r" rtl="0">
               <a:spcBef>
                 <a:spcPts val="0"/>
               </a:spcBef>
@@ -2750,11 +2841,11 @@
 </file>
 
 <file path=ppt/slideLayouts/slideLayout3.xml><?xml version="1.0" encoding="utf-8"?>
-<p:sldLayout xmlns:a="http://schemas.openxmlformats.org/drawingml/2006/main" xmlns:r="http://schemas.openxmlformats.org/officeDocument/2006/relationships" xmlns:mc="http://schemas.openxmlformats.org/markup-compatibility/2006" xmlns:mv="urn:schemas-microsoft-com:mac:vml" xmlns:p="http://schemas.openxmlformats.org/presentationml/2006/main" xmlns:c="http://schemas.openxmlformats.org/drawingml/2006/chart" xmlns:dgm="http://schemas.openxmlformats.org/drawingml/2006/diagram" xmlns:o="urn:schemas-microsoft-com:office:office" xmlns:v="urn:schemas-microsoft-com:vml" xmlns:pvml="urn:schemas-microsoft-com:office:powerpoint" xmlns:com="http://schemas.openxmlformats.org/drawingml/2006/compatibility" xmlns:p14="http://schemas.microsoft.com/office/powerpoint/2010/main" xmlns:p15="http://schemas.microsoft.com/office/powerpoint/2012/main" matchingName="Title and body" type="tx">
+<p:sldLayout xmlns:a="http://schemas.openxmlformats.org/drawingml/2006/main" xmlns:r="http://schemas.openxmlformats.org/officeDocument/2006/relationships" xmlns:p="http://schemas.openxmlformats.org/presentationml/2006/main" matchingName="Title and body" type="tx">
   <p:cSld name="TITLE_AND_BODY">
     <p:spTree>
       <p:nvGrpSpPr>
-        <p:cNvPr id="16" name="Shape 16"/>
+        <p:cNvPr id="1" name="Shape 16"/>
         <p:cNvGrpSpPr/>
         <p:nvPr/>
       </p:nvGrpSpPr>
@@ -2769,7 +2860,9 @@
       <p:sp>
         <p:nvSpPr>
           <p:cNvPr id="17" name="Google Shape;17;p4"/>
-          <p:cNvSpPr txBox="1"/>
+          <p:cNvSpPr txBox="1">
+            <a:spLocks noGrp="1"/>
+          </p:cNvSpPr>
           <p:nvPr>
             <p:ph type="title"/>
           </p:nvPr>
@@ -2784,7 +2877,7 @@
           </a:prstGeom>
         </p:spPr>
         <p:txBody>
-          <a:bodyPr anchorCtr="0" anchor="t" bIns="91425" lIns="91425" spcFirstLastPara="1" rIns="91425" wrap="square" tIns="91425">
+          <a:bodyPr spcFirstLastPara="1" wrap="square" lIns="91425" tIns="91425" rIns="91425" bIns="91425" anchor="t" anchorCtr="0">
             <a:noAutofit/>
           </a:bodyPr>
           <a:lstStyle>
@@ -2888,15 +2981,19 @@
               <a:defRPr/>
             </a:lvl9pPr>
           </a:lstStyle>
-          <a:p/>
+          <a:p>
+            <a:endParaRPr/>
+          </a:p>
         </p:txBody>
       </p:sp>
       <p:sp>
         <p:nvSpPr>
           <p:cNvPr id="18" name="Google Shape;18;p4"/>
-          <p:cNvSpPr txBox="1"/>
+          <p:cNvSpPr txBox="1">
+            <a:spLocks noGrp="1"/>
+          </p:cNvSpPr>
           <p:nvPr>
-            <p:ph idx="1" type="body"/>
+            <p:ph type="body" idx="1"/>
           </p:nvPr>
         </p:nvSpPr>
         <p:spPr>
@@ -2909,11 +3006,11 @@
           </a:prstGeom>
         </p:spPr>
         <p:txBody>
-          <a:bodyPr anchorCtr="0" anchor="t" bIns="91425" lIns="91425" spcFirstLastPara="1" rIns="91425" wrap="square" tIns="91425">
+          <a:bodyPr spcFirstLastPara="1" wrap="square" lIns="91425" tIns="91425" rIns="91425" bIns="91425" anchor="t" anchorCtr="0">
             <a:noAutofit/>
           </a:bodyPr>
           <a:lstStyle>
-            <a:lvl1pPr indent="-342900" lvl="0" marL="457200">
+            <a:lvl1pPr marL="457200" lvl="0" indent="-342900">
               <a:spcBef>
                 <a:spcPts val="0"/>
               </a:spcBef>
@@ -2924,7 +3021,7 @@
               <a:buChar char="●"/>
               <a:defRPr/>
             </a:lvl1pPr>
-            <a:lvl2pPr indent="-317500" lvl="1" marL="914400">
+            <a:lvl2pPr marL="914400" lvl="1" indent="-317500">
               <a:spcBef>
                 <a:spcPts val="1600"/>
               </a:spcBef>
@@ -2935,7 +3032,7 @@
               <a:buChar char="○"/>
               <a:defRPr/>
             </a:lvl2pPr>
-            <a:lvl3pPr indent="-317500" lvl="2" marL="1371600">
+            <a:lvl3pPr marL="1371600" lvl="2" indent="-317500">
               <a:spcBef>
                 <a:spcPts val="1600"/>
               </a:spcBef>
@@ -2946,7 +3043,7 @@
               <a:buChar char="■"/>
               <a:defRPr/>
             </a:lvl3pPr>
-            <a:lvl4pPr indent="-317500" lvl="3" marL="1828800">
+            <a:lvl4pPr marL="1828800" lvl="3" indent="-317500">
               <a:spcBef>
                 <a:spcPts val="1600"/>
               </a:spcBef>
@@ -2957,7 +3054,7 @@
               <a:buChar char="●"/>
               <a:defRPr/>
             </a:lvl4pPr>
-            <a:lvl5pPr indent="-317500" lvl="4" marL="2286000">
+            <a:lvl5pPr marL="2286000" lvl="4" indent="-317500">
               <a:spcBef>
                 <a:spcPts val="1600"/>
               </a:spcBef>
@@ -2968,7 +3065,7 @@
               <a:buChar char="○"/>
               <a:defRPr/>
             </a:lvl5pPr>
-            <a:lvl6pPr indent="-317500" lvl="5" marL="2743200">
+            <a:lvl6pPr marL="2743200" lvl="5" indent="-317500">
               <a:spcBef>
                 <a:spcPts val="1600"/>
               </a:spcBef>
@@ -2979,7 +3076,7 @@
               <a:buChar char="■"/>
               <a:defRPr/>
             </a:lvl6pPr>
-            <a:lvl7pPr indent="-317500" lvl="6" marL="3200400">
+            <a:lvl7pPr marL="3200400" lvl="6" indent="-317500">
               <a:spcBef>
                 <a:spcPts val="1600"/>
               </a:spcBef>
@@ -2990,7 +3087,7 @@
               <a:buChar char="●"/>
               <a:defRPr/>
             </a:lvl7pPr>
-            <a:lvl8pPr indent="-317500" lvl="7" marL="3657600">
+            <a:lvl8pPr marL="3657600" lvl="7" indent="-317500">
               <a:spcBef>
                 <a:spcPts val="1600"/>
               </a:spcBef>
@@ -3001,7 +3098,7 @@
               <a:buChar char="○"/>
               <a:defRPr/>
             </a:lvl8pPr>
-            <a:lvl9pPr indent="-317500" lvl="8" marL="4114800">
+            <a:lvl9pPr marL="4114800" lvl="8" indent="-317500">
               <a:spcBef>
                 <a:spcPts val="1600"/>
               </a:spcBef>
@@ -3013,15 +3110,19 @@
               <a:defRPr/>
             </a:lvl9pPr>
           </a:lstStyle>
-          <a:p/>
+          <a:p>
+            <a:endParaRPr/>
+          </a:p>
         </p:txBody>
       </p:sp>
       <p:sp>
         <p:nvSpPr>
           <p:cNvPr id="19" name="Google Shape;19;p4"/>
-          <p:cNvSpPr txBox="1"/>
+          <p:cNvSpPr txBox="1">
+            <a:spLocks noGrp="1"/>
+          </p:cNvSpPr>
           <p:nvPr>
-            <p:ph idx="12" type="sldNum"/>
+            <p:ph type="sldNum" idx="12"/>
           </p:nvPr>
         </p:nvSpPr>
         <p:spPr>
@@ -3034,7 +3135,7 @@
           </a:prstGeom>
         </p:spPr>
         <p:txBody>
-          <a:bodyPr anchorCtr="0" anchor="ctr" bIns="91425" lIns="91425" spcFirstLastPara="1" rIns="91425" wrap="square" tIns="91425">
+          <a:bodyPr spcFirstLastPara="1" wrap="square" lIns="91425" tIns="91425" rIns="91425" bIns="91425" anchor="ctr" anchorCtr="0">
             <a:noAutofit/>
           </a:bodyPr>
           <a:lstStyle>
@@ -3076,7 +3177,7 @@
             </a:lvl9pPr>
           </a:lstStyle>
           <a:p>
-            <a:pPr indent="0" lvl="0" marL="0" rtl="0" algn="r">
+            <a:pPr marL="0" lvl="0" indent="0" algn="r" rtl="0">
               <a:spcBef>
                 <a:spcPts val="0"/>
               </a:spcBef>
@@ -3102,11 +3203,11 @@
 </file>
 
 <file path=ppt/slideLayouts/slideLayout4.xml><?xml version="1.0" encoding="utf-8"?>
-<p:sldLayout xmlns:a="http://schemas.openxmlformats.org/drawingml/2006/main" xmlns:r="http://schemas.openxmlformats.org/officeDocument/2006/relationships" xmlns:mc="http://schemas.openxmlformats.org/markup-compatibility/2006" xmlns:mv="urn:schemas-microsoft-com:mac:vml" xmlns:p="http://schemas.openxmlformats.org/presentationml/2006/main" xmlns:c="http://schemas.openxmlformats.org/drawingml/2006/chart" xmlns:dgm="http://schemas.openxmlformats.org/drawingml/2006/diagram" xmlns:o="urn:schemas-microsoft-com:office:office" xmlns:v="urn:schemas-microsoft-com:vml" xmlns:pvml="urn:schemas-microsoft-com:office:powerpoint" xmlns:com="http://schemas.openxmlformats.org/drawingml/2006/compatibility" xmlns:p14="http://schemas.microsoft.com/office/powerpoint/2010/main" xmlns:p15="http://schemas.microsoft.com/office/powerpoint/2012/main" matchingName="Title and two columns" type="twoColTx">
+<p:sldLayout xmlns:a="http://schemas.openxmlformats.org/drawingml/2006/main" xmlns:r="http://schemas.openxmlformats.org/officeDocument/2006/relationships" xmlns:p="http://schemas.openxmlformats.org/presentationml/2006/main" matchingName="Title and two columns" type="twoColTx">
   <p:cSld name="TITLE_AND_TWO_COLUMNS">
     <p:spTree>
       <p:nvGrpSpPr>
-        <p:cNvPr id="20" name="Shape 20"/>
+        <p:cNvPr id="1" name="Shape 20"/>
         <p:cNvGrpSpPr/>
         <p:nvPr/>
       </p:nvGrpSpPr>
@@ -3121,7 +3222,9 @@
       <p:sp>
         <p:nvSpPr>
           <p:cNvPr id="21" name="Google Shape;21;p5"/>
-          <p:cNvSpPr txBox="1"/>
+          <p:cNvSpPr txBox="1">
+            <a:spLocks noGrp="1"/>
+          </p:cNvSpPr>
           <p:nvPr>
             <p:ph type="title"/>
           </p:nvPr>
@@ -3136,7 +3239,7 @@
           </a:prstGeom>
         </p:spPr>
         <p:txBody>
-          <a:bodyPr anchorCtr="0" anchor="t" bIns="91425" lIns="91425" spcFirstLastPara="1" rIns="91425" wrap="square" tIns="91425">
+          <a:bodyPr spcFirstLastPara="1" wrap="square" lIns="91425" tIns="91425" rIns="91425" bIns="91425" anchor="t" anchorCtr="0">
             <a:noAutofit/>
           </a:bodyPr>
           <a:lstStyle>
@@ -3240,15 +3343,19 @@
               <a:defRPr/>
             </a:lvl9pPr>
           </a:lstStyle>
-          <a:p/>
+          <a:p>
+            <a:endParaRPr/>
+          </a:p>
         </p:txBody>
       </p:sp>
       <p:sp>
         <p:nvSpPr>
           <p:cNvPr id="22" name="Google Shape;22;p5"/>
-          <p:cNvSpPr txBox="1"/>
+          <p:cNvSpPr txBox="1">
+            <a:spLocks noGrp="1"/>
+          </p:cNvSpPr>
           <p:nvPr>
-            <p:ph idx="1" type="body"/>
+            <p:ph type="body" idx="1"/>
           </p:nvPr>
         </p:nvSpPr>
         <p:spPr>
@@ -3261,11 +3368,11 @@
           </a:prstGeom>
         </p:spPr>
         <p:txBody>
-          <a:bodyPr anchorCtr="0" anchor="t" bIns="91425" lIns="91425" spcFirstLastPara="1" rIns="91425" wrap="square" tIns="91425">
+          <a:bodyPr spcFirstLastPara="1" wrap="square" lIns="91425" tIns="91425" rIns="91425" bIns="91425" anchor="t" anchorCtr="0">
             <a:noAutofit/>
           </a:bodyPr>
           <a:lstStyle>
-            <a:lvl1pPr indent="-317500" lvl="0" marL="457200">
+            <a:lvl1pPr marL="457200" lvl="0" indent="-317500">
               <a:spcBef>
                 <a:spcPts val="0"/>
               </a:spcBef>
@@ -3276,7 +3383,7 @@
               <a:buChar char="●"/>
               <a:defRPr sz="1400"/>
             </a:lvl1pPr>
-            <a:lvl2pPr indent="-304800" lvl="1" marL="914400">
+            <a:lvl2pPr marL="914400" lvl="1" indent="-304800">
               <a:spcBef>
                 <a:spcPts val="1600"/>
               </a:spcBef>
@@ -3287,7 +3394,7 @@
               <a:buChar char="○"/>
               <a:defRPr sz="1200"/>
             </a:lvl2pPr>
-            <a:lvl3pPr indent="-304800" lvl="2" marL="1371600">
+            <a:lvl3pPr marL="1371600" lvl="2" indent="-304800">
               <a:spcBef>
                 <a:spcPts val="1600"/>
               </a:spcBef>
@@ -3298,7 +3405,7 @@
               <a:buChar char="■"/>
               <a:defRPr sz="1200"/>
             </a:lvl3pPr>
-            <a:lvl4pPr indent="-304800" lvl="3" marL="1828800">
+            <a:lvl4pPr marL="1828800" lvl="3" indent="-304800">
               <a:spcBef>
                 <a:spcPts val="1600"/>
               </a:spcBef>
@@ -3309,7 +3416,7 @@
               <a:buChar char="●"/>
               <a:defRPr sz="1200"/>
             </a:lvl4pPr>
-            <a:lvl5pPr indent="-304800" lvl="4" marL="2286000">
+            <a:lvl5pPr marL="2286000" lvl="4" indent="-304800">
               <a:spcBef>
                 <a:spcPts val="1600"/>
               </a:spcBef>
@@ -3320,7 +3427,7 @@
               <a:buChar char="○"/>
               <a:defRPr sz="1200"/>
             </a:lvl5pPr>
-            <a:lvl6pPr indent="-304800" lvl="5" marL="2743200">
+            <a:lvl6pPr marL="2743200" lvl="5" indent="-304800">
               <a:spcBef>
                 <a:spcPts val="1600"/>
               </a:spcBef>
@@ -3331,7 +3438,7 @@
               <a:buChar char="■"/>
               <a:defRPr sz="1200"/>
             </a:lvl6pPr>
-            <a:lvl7pPr indent="-304800" lvl="6" marL="3200400">
+            <a:lvl7pPr marL="3200400" lvl="6" indent="-304800">
               <a:spcBef>
                 <a:spcPts val="1600"/>
               </a:spcBef>
@@ -3342,7 +3449,7 @@
               <a:buChar char="●"/>
               <a:defRPr sz="1200"/>
             </a:lvl7pPr>
-            <a:lvl8pPr indent="-304800" lvl="7" marL="3657600">
+            <a:lvl8pPr marL="3657600" lvl="7" indent="-304800">
               <a:spcBef>
                 <a:spcPts val="1600"/>
               </a:spcBef>
@@ -3353,7 +3460,7 @@
               <a:buChar char="○"/>
               <a:defRPr sz="1200"/>
             </a:lvl8pPr>
-            <a:lvl9pPr indent="-304800" lvl="8" marL="4114800">
+            <a:lvl9pPr marL="4114800" lvl="8" indent="-304800">
               <a:spcBef>
                 <a:spcPts val="1600"/>
               </a:spcBef>
@@ -3365,15 +3472,19 @@
               <a:defRPr sz="1200"/>
             </a:lvl9pPr>
           </a:lstStyle>
-          <a:p/>
+          <a:p>
+            <a:endParaRPr/>
+          </a:p>
         </p:txBody>
       </p:sp>
       <p:sp>
         <p:nvSpPr>
           <p:cNvPr id="23" name="Google Shape;23;p5"/>
-          <p:cNvSpPr txBox="1"/>
+          <p:cNvSpPr txBox="1">
+            <a:spLocks noGrp="1"/>
+          </p:cNvSpPr>
           <p:nvPr>
-            <p:ph idx="2" type="body"/>
+            <p:ph type="body" idx="2"/>
           </p:nvPr>
         </p:nvSpPr>
         <p:spPr>
@@ -3386,11 +3497,11 @@
           </a:prstGeom>
         </p:spPr>
         <p:txBody>
-          <a:bodyPr anchorCtr="0" anchor="t" bIns="91425" lIns="91425" spcFirstLastPara="1" rIns="91425" wrap="square" tIns="91425">
+          <a:bodyPr spcFirstLastPara="1" wrap="square" lIns="91425" tIns="91425" rIns="91425" bIns="91425" anchor="t" anchorCtr="0">
             <a:noAutofit/>
           </a:bodyPr>
           <a:lstStyle>
-            <a:lvl1pPr indent="-317500" lvl="0" marL="457200">
+            <a:lvl1pPr marL="457200" lvl="0" indent="-317500">
               <a:spcBef>
                 <a:spcPts val="0"/>
               </a:spcBef>
@@ -3401,7 +3512,7 @@
               <a:buChar char="●"/>
               <a:defRPr sz="1400"/>
             </a:lvl1pPr>
-            <a:lvl2pPr indent="-304800" lvl="1" marL="914400">
+            <a:lvl2pPr marL="914400" lvl="1" indent="-304800">
               <a:spcBef>
                 <a:spcPts val="1600"/>
               </a:spcBef>
@@ -3412,7 +3523,7 @@
               <a:buChar char="○"/>
               <a:defRPr sz="1200"/>
             </a:lvl2pPr>
-            <a:lvl3pPr indent="-304800" lvl="2" marL="1371600">
+            <a:lvl3pPr marL="1371600" lvl="2" indent="-304800">
               <a:spcBef>
                 <a:spcPts val="1600"/>
               </a:spcBef>
@@ -3423,7 +3534,7 @@
               <a:buChar char="■"/>
               <a:defRPr sz="1200"/>
             </a:lvl3pPr>
-            <a:lvl4pPr indent="-304800" lvl="3" marL="1828800">
+            <a:lvl4pPr marL="1828800" lvl="3" indent="-304800">
               <a:spcBef>
                 <a:spcPts val="1600"/>
               </a:spcBef>
@@ -3434,7 +3545,7 @@
               <a:buChar char="●"/>
               <a:defRPr sz="1200"/>
             </a:lvl4pPr>
-            <a:lvl5pPr indent="-304800" lvl="4" marL="2286000">
+            <a:lvl5pPr marL="2286000" lvl="4" indent="-304800">
               <a:spcBef>
                 <a:spcPts val="1600"/>
               </a:spcBef>
@@ -3445,7 +3556,7 @@
               <a:buChar char="○"/>
               <a:defRPr sz="1200"/>
             </a:lvl5pPr>
-            <a:lvl6pPr indent="-304800" lvl="5" marL="2743200">
+            <a:lvl6pPr marL="2743200" lvl="5" indent="-304800">
               <a:spcBef>
                 <a:spcPts val="1600"/>
               </a:spcBef>
@@ -3456,7 +3567,7 @@
               <a:buChar char="■"/>
               <a:defRPr sz="1200"/>
             </a:lvl6pPr>
-            <a:lvl7pPr indent="-304800" lvl="6" marL="3200400">
+            <a:lvl7pPr marL="3200400" lvl="6" indent="-304800">
               <a:spcBef>
                 <a:spcPts val="1600"/>
               </a:spcBef>
@@ -3467,7 +3578,7 @@
               <a:buChar char="●"/>
               <a:defRPr sz="1200"/>
             </a:lvl7pPr>
-            <a:lvl8pPr indent="-304800" lvl="7" marL="3657600">
+            <a:lvl8pPr marL="3657600" lvl="7" indent="-304800">
               <a:spcBef>
                 <a:spcPts val="1600"/>
               </a:spcBef>
@@ -3478,7 +3589,7 @@
               <a:buChar char="○"/>
               <a:defRPr sz="1200"/>
             </a:lvl8pPr>
-            <a:lvl9pPr indent="-304800" lvl="8" marL="4114800">
+            <a:lvl9pPr marL="4114800" lvl="8" indent="-304800">
               <a:spcBef>
                 <a:spcPts val="1600"/>
               </a:spcBef>
@@ -3490,15 +3601,19 @@
               <a:defRPr sz="1200"/>
             </a:lvl9pPr>
           </a:lstStyle>
-          <a:p/>
+          <a:p>
+            <a:endParaRPr/>
+          </a:p>
         </p:txBody>
       </p:sp>
       <p:sp>
         <p:nvSpPr>
           <p:cNvPr id="24" name="Google Shape;24;p5"/>
-          <p:cNvSpPr txBox="1"/>
+          <p:cNvSpPr txBox="1">
+            <a:spLocks noGrp="1"/>
+          </p:cNvSpPr>
           <p:nvPr>
-            <p:ph idx="12" type="sldNum"/>
+            <p:ph type="sldNum" idx="12"/>
           </p:nvPr>
         </p:nvSpPr>
         <p:spPr>
@@ -3511,7 +3626,7 @@
           </a:prstGeom>
         </p:spPr>
         <p:txBody>
-          <a:bodyPr anchorCtr="0" anchor="ctr" bIns="91425" lIns="91425" spcFirstLastPara="1" rIns="91425" wrap="square" tIns="91425">
+          <a:bodyPr spcFirstLastPara="1" wrap="square" lIns="91425" tIns="91425" rIns="91425" bIns="91425" anchor="ctr" anchorCtr="0">
             <a:noAutofit/>
           </a:bodyPr>
           <a:lstStyle>
@@ -3553,7 +3668,7 @@
             </a:lvl9pPr>
           </a:lstStyle>
           <a:p>
-            <a:pPr indent="0" lvl="0" marL="0" rtl="0" algn="r">
+            <a:pPr marL="0" lvl="0" indent="0" algn="r" rtl="0">
               <a:spcBef>
                 <a:spcPts val="0"/>
               </a:spcBef>
@@ -3579,11 +3694,11 @@
 </file>
 
 <file path=ppt/slideLayouts/slideLayout5.xml><?xml version="1.0" encoding="utf-8"?>
-<p:sldLayout xmlns:a="http://schemas.openxmlformats.org/drawingml/2006/main" xmlns:r="http://schemas.openxmlformats.org/officeDocument/2006/relationships" xmlns:mc="http://schemas.openxmlformats.org/markup-compatibility/2006" xmlns:mv="urn:schemas-microsoft-com:mac:vml" xmlns:p="http://schemas.openxmlformats.org/presentationml/2006/main" xmlns:c="http://schemas.openxmlformats.org/drawingml/2006/chart" xmlns:dgm="http://schemas.openxmlformats.org/drawingml/2006/diagram" xmlns:o="urn:schemas-microsoft-com:office:office" xmlns:v="urn:schemas-microsoft-com:vml" xmlns:pvml="urn:schemas-microsoft-com:office:powerpoint" xmlns:com="http://schemas.openxmlformats.org/drawingml/2006/compatibility" xmlns:p14="http://schemas.microsoft.com/office/powerpoint/2010/main" xmlns:p15="http://schemas.microsoft.com/office/powerpoint/2012/main" matchingName="Title only" type="titleOnly">
+<p:sldLayout xmlns:a="http://schemas.openxmlformats.org/drawingml/2006/main" xmlns:r="http://schemas.openxmlformats.org/officeDocument/2006/relationships" xmlns:p="http://schemas.openxmlformats.org/presentationml/2006/main" matchingName="Title only" type="titleOnly">
   <p:cSld name="TITLE_ONLY">
     <p:spTree>
       <p:nvGrpSpPr>
-        <p:cNvPr id="25" name="Shape 25"/>
+        <p:cNvPr id="1" name="Shape 25"/>
         <p:cNvGrpSpPr/>
         <p:nvPr/>
       </p:nvGrpSpPr>
@@ -3598,7 +3713,9 @@
       <p:sp>
         <p:nvSpPr>
           <p:cNvPr id="26" name="Google Shape;26;p6"/>
-          <p:cNvSpPr txBox="1"/>
+          <p:cNvSpPr txBox="1">
+            <a:spLocks noGrp="1"/>
+          </p:cNvSpPr>
           <p:nvPr>
             <p:ph type="title"/>
           </p:nvPr>
@@ -3613,7 +3730,7 @@
           </a:prstGeom>
         </p:spPr>
         <p:txBody>
-          <a:bodyPr anchorCtr="0" anchor="t" bIns="91425" lIns="91425" spcFirstLastPara="1" rIns="91425" wrap="square" tIns="91425">
+          <a:bodyPr spcFirstLastPara="1" wrap="square" lIns="91425" tIns="91425" rIns="91425" bIns="91425" anchor="t" anchorCtr="0">
             <a:noAutofit/>
           </a:bodyPr>
           <a:lstStyle>
@@ -3717,15 +3834,19 @@
               <a:defRPr/>
             </a:lvl9pPr>
           </a:lstStyle>
-          <a:p/>
+          <a:p>
+            <a:endParaRPr/>
+          </a:p>
         </p:txBody>
       </p:sp>
       <p:sp>
         <p:nvSpPr>
           <p:cNvPr id="27" name="Google Shape;27;p6"/>
-          <p:cNvSpPr txBox="1"/>
+          <p:cNvSpPr txBox="1">
+            <a:spLocks noGrp="1"/>
+          </p:cNvSpPr>
           <p:nvPr>
-            <p:ph idx="12" type="sldNum"/>
+            <p:ph type="sldNum" idx="12"/>
           </p:nvPr>
         </p:nvSpPr>
         <p:spPr>
@@ -3738,7 +3859,7 @@
           </a:prstGeom>
         </p:spPr>
         <p:txBody>
-          <a:bodyPr anchorCtr="0" anchor="ctr" bIns="91425" lIns="91425" spcFirstLastPara="1" rIns="91425" wrap="square" tIns="91425">
+          <a:bodyPr spcFirstLastPara="1" wrap="square" lIns="91425" tIns="91425" rIns="91425" bIns="91425" anchor="ctr" anchorCtr="0">
             <a:noAutofit/>
           </a:bodyPr>
           <a:lstStyle>
@@ -3780,7 +3901,7 @@
             </a:lvl9pPr>
           </a:lstStyle>
           <a:p>
-            <a:pPr indent="0" lvl="0" marL="0" rtl="0" algn="r">
+            <a:pPr marL="0" lvl="0" indent="0" algn="r" rtl="0">
               <a:spcBef>
                 <a:spcPts val="0"/>
               </a:spcBef>
@@ -3806,11 +3927,11 @@
 </file>
 
 <file path=ppt/slideLayouts/slideLayout6.xml><?xml version="1.0" encoding="utf-8"?>
-<p:sldLayout xmlns:a="http://schemas.openxmlformats.org/drawingml/2006/main" xmlns:r="http://schemas.openxmlformats.org/officeDocument/2006/relationships" xmlns:mc="http://schemas.openxmlformats.org/markup-compatibility/2006" xmlns:mv="urn:schemas-microsoft-com:mac:vml" xmlns:p="http://schemas.openxmlformats.org/presentationml/2006/main" xmlns:c="http://schemas.openxmlformats.org/drawingml/2006/chart" xmlns:dgm="http://schemas.openxmlformats.org/drawingml/2006/diagram" xmlns:o="urn:schemas-microsoft-com:office:office" xmlns:v="urn:schemas-microsoft-com:vml" xmlns:pvml="urn:schemas-microsoft-com:office:powerpoint" xmlns:com="http://schemas.openxmlformats.org/drawingml/2006/compatibility" xmlns:p14="http://schemas.microsoft.com/office/powerpoint/2010/main" xmlns:p15="http://schemas.microsoft.com/office/powerpoint/2012/main" matchingName="One column text">
+<p:sldLayout xmlns:a="http://schemas.openxmlformats.org/drawingml/2006/main" xmlns:r="http://schemas.openxmlformats.org/officeDocument/2006/relationships" xmlns:p="http://schemas.openxmlformats.org/presentationml/2006/main" matchingName="One column text">
   <p:cSld name="ONE_COLUMN_TEXT">
     <p:spTree>
       <p:nvGrpSpPr>
-        <p:cNvPr id="28" name="Shape 28"/>
+        <p:cNvPr id="1" name="Shape 28"/>
         <p:cNvGrpSpPr/>
         <p:nvPr/>
       </p:nvGrpSpPr>
@@ -3825,7 +3946,9 @@
       <p:sp>
         <p:nvSpPr>
           <p:cNvPr id="29" name="Google Shape;29;p7"/>
-          <p:cNvSpPr txBox="1"/>
+          <p:cNvSpPr txBox="1">
+            <a:spLocks noGrp="1"/>
+          </p:cNvSpPr>
           <p:nvPr>
             <p:ph type="title"/>
           </p:nvPr>
@@ -3840,7 +3963,7 @@
           </a:prstGeom>
         </p:spPr>
         <p:txBody>
-          <a:bodyPr anchorCtr="0" anchor="b" bIns="91425" lIns="91425" spcFirstLastPara="1" rIns="91425" wrap="square" tIns="91425">
+          <a:bodyPr spcFirstLastPara="1" wrap="square" lIns="91425" tIns="91425" rIns="91425" bIns="91425" anchor="b" anchorCtr="0">
             <a:noAutofit/>
           </a:bodyPr>
           <a:lstStyle>
@@ -3944,15 +4067,19 @@
               <a:defRPr sz="2400"/>
             </a:lvl9pPr>
           </a:lstStyle>
-          <a:p/>
+          <a:p>
+            <a:endParaRPr/>
+          </a:p>
         </p:txBody>
       </p:sp>
       <p:sp>
         <p:nvSpPr>
           <p:cNvPr id="30" name="Google Shape;30;p7"/>
-          <p:cNvSpPr txBox="1"/>
+          <p:cNvSpPr txBox="1">
+            <a:spLocks noGrp="1"/>
+          </p:cNvSpPr>
           <p:nvPr>
-            <p:ph idx="1" type="body"/>
+            <p:ph type="body" idx="1"/>
           </p:nvPr>
         </p:nvSpPr>
         <p:spPr>
@@ -3965,11 +4092,11 @@
           </a:prstGeom>
         </p:spPr>
         <p:txBody>
-          <a:bodyPr anchorCtr="0" anchor="t" bIns="91425" lIns="91425" spcFirstLastPara="1" rIns="91425" wrap="square" tIns="91425">
+          <a:bodyPr spcFirstLastPara="1" wrap="square" lIns="91425" tIns="91425" rIns="91425" bIns="91425" anchor="t" anchorCtr="0">
             <a:noAutofit/>
           </a:bodyPr>
           <a:lstStyle>
-            <a:lvl1pPr indent="-304800" lvl="0" marL="457200">
+            <a:lvl1pPr marL="457200" lvl="0" indent="-304800">
               <a:spcBef>
                 <a:spcPts val="0"/>
               </a:spcBef>
@@ -3980,7 +4107,7 @@
               <a:buChar char="●"/>
               <a:defRPr sz="1200"/>
             </a:lvl1pPr>
-            <a:lvl2pPr indent="-304800" lvl="1" marL="914400">
+            <a:lvl2pPr marL="914400" lvl="1" indent="-304800">
               <a:spcBef>
                 <a:spcPts val="1600"/>
               </a:spcBef>
@@ -3991,7 +4118,7 @@
               <a:buChar char="○"/>
               <a:defRPr sz="1200"/>
             </a:lvl2pPr>
-            <a:lvl3pPr indent="-304800" lvl="2" marL="1371600">
+            <a:lvl3pPr marL="1371600" lvl="2" indent="-304800">
               <a:spcBef>
                 <a:spcPts val="1600"/>
               </a:spcBef>
@@ -4002,7 +4129,7 @@
               <a:buChar char="■"/>
               <a:defRPr sz="1200"/>
             </a:lvl3pPr>
-            <a:lvl4pPr indent="-304800" lvl="3" marL="1828800">
+            <a:lvl4pPr marL="1828800" lvl="3" indent="-304800">
               <a:spcBef>
                 <a:spcPts val="1600"/>
               </a:spcBef>
@@ -4013,7 +4140,7 @@
               <a:buChar char="●"/>
               <a:defRPr sz="1200"/>
             </a:lvl4pPr>
-            <a:lvl5pPr indent="-304800" lvl="4" marL="2286000">
+            <a:lvl5pPr marL="2286000" lvl="4" indent="-304800">
               <a:spcBef>
                 <a:spcPts val="1600"/>
               </a:spcBef>
@@ -4024,7 +4151,7 @@
               <a:buChar char="○"/>
               <a:defRPr sz="1200"/>
             </a:lvl5pPr>
-            <a:lvl6pPr indent="-304800" lvl="5" marL="2743200">
+            <a:lvl6pPr marL="2743200" lvl="5" indent="-304800">
               <a:spcBef>
                 <a:spcPts val="1600"/>
               </a:spcBef>
@@ -4035,7 +4162,7 @@
               <a:buChar char="■"/>
               <a:defRPr sz="1200"/>
             </a:lvl6pPr>
-            <a:lvl7pPr indent="-304800" lvl="6" marL="3200400">
+            <a:lvl7pPr marL="3200400" lvl="6" indent="-304800">
               <a:spcBef>
                 <a:spcPts val="1600"/>
               </a:spcBef>
@@ -4046,7 +4173,7 @@
               <a:buChar char="●"/>
               <a:defRPr sz="1200"/>
             </a:lvl7pPr>
-            <a:lvl8pPr indent="-304800" lvl="7" marL="3657600">
+            <a:lvl8pPr marL="3657600" lvl="7" indent="-304800">
               <a:spcBef>
                 <a:spcPts val="1600"/>
               </a:spcBef>
@@ -4057,7 +4184,7 @@
               <a:buChar char="○"/>
               <a:defRPr sz="1200"/>
             </a:lvl8pPr>
-            <a:lvl9pPr indent="-304800" lvl="8" marL="4114800">
+            <a:lvl9pPr marL="4114800" lvl="8" indent="-304800">
               <a:spcBef>
                 <a:spcPts val="1600"/>
               </a:spcBef>
@@ -4069,15 +4196,19 @@
               <a:defRPr sz="1200"/>
             </a:lvl9pPr>
           </a:lstStyle>
-          <a:p/>
+          <a:p>
+            <a:endParaRPr/>
+          </a:p>
         </p:txBody>
       </p:sp>
       <p:sp>
         <p:nvSpPr>
           <p:cNvPr id="31" name="Google Shape;31;p7"/>
-          <p:cNvSpPr txBox="1"/>
+          <p:cNvSpPr txBox="1">
+            <a:spLocks noGrp="1"/>
+          </p:cNvSpPr>
           <p:nvPr>
-            <p:ph idx="12" type="sldNum"/>
+            <p:ph type="sldNum" idx="12"/>
           </p:nvPr>
         </p:nvSpPr>
         <p:spPr>
@@ -4090,7 +4221,7 @@
           </a:prstGeom>
         </p:spPr>
         <p:txBody>
-          <a:bodyPr anchorCtr="0" anchor="ctr" bIns="91425" lIns="91425" spcFirstLastPara="1" rIns="91425" wrap="square" tIns="91425">
+          <a:bodyPr spcFirstLastPara="1" wrap="square" lIns="91425" tIns="91425" rIns="91425" bIns="91425" anchor="ctr" anchorCtr="0">
             <a:noAutofit/>
           </a:bodyPr>
           <a:lstStyle>
@@ -4132,7 +4263,7 @@
             </a:lvl9pPr>
           </a:lstStyle>
           <a:p>
-            <a:pPr indent="0" lvl="0" marL="0" rtl="0" algn="r">
+            <a:pPr marL="0" lvl="0" indent="0" algn="r" rtl="0">
               <a:spcBef>
                 <a:spcPts val="0"/>
               </a:spcBef>
@@ -4158,11 +4289,11 @@
 </file>
 
 <file path=ppt/slideLayouts/slideLayout7.xml><?xml version="1.0" encoding="utf-8"?>
-<p:sldLayout xmlns:a="http://schemas.openxmlformats.org/drawingml/2006/main" xmlns:r="http://schemas.openxmlformats.org/officeDocument/2006/relationships" xmlns:mc="http://schemas.openxmlformats.org/markup-compatibility/2006" xmlns:mv="urn:schemas-microsoft-com:mac:vml" xmlns:p="http://schemas.openxmlformats.org/presentationml/2006/main" xmlns:c="http://schemas.openxmlformats.org/drawingml/2006/chart" xmlns:dgm="http://schemas.openxmlformats.org/drawingml/2006/diagram" xmlns:o="urn:schemas-microsoft-com:office:office" xmlns:v="urn:schemas-microsoft-com:vml" xmlns:pvml="urn:schemas-microsoft-com:office:powerpoint" xmlns:com="http://schemas.openxmlformats.org/drawingml/2006/compatibility" xmlns:p14="http://schemas.microsoft.com/office/powerpoint/2010/main" xmlns:p15="http://schemas.microsoft.com/office/powerpoint/2012/main" matchingName="Main point">
+<p:sldLayout xmlns:a="http://schemas.openxmlformats.org/drawingml/2006/main" xmlns:r="http://schemas.openxmlformats.org/officeDocument/2006/relationships" xmlns:p="http://schemas.openxmlformats.org/presentationml/2006/main" matchingName="Main point">
   <p:cSld name="MAIN_POINT">
     <p:spTree>
       <p:nvGrpSpPr>
-        <p:cNvPr id="32" name="Shape 32"/>
+        <p:cNvPr id="1" name="Shape 32"/>
         <p:cNvGrpSpPr/>
         <p:nvPr/>
       </p:nvGrpSpPr>
@@ -4177,7 +4308,9 @@
       <p:sp>
         <p:nvSpPr>
           <p:cNvPr id="33" name="Google Shape;33;p8"/>
-          <p:cNvSpPr txBox="1"/>
+          <p:cNvSpPr txBox="1">
+            <a:spLocks noGrp="1"/>
+          </p:cNvSpPr>
           <p:nvPr>
             <p:ph type="title"/>
           </p:nvPr>
@@ -4192,7 +4325,7 @@
           </a:prstGeom>
         </p:spPr>
         <p:txBody>
-          <a:bodyPr anchorCtr="0" anchor="ctr" bIns="91425" lIns="91425" spcFirstLastPara="1" rIns="91425" wrap="square" tIns="91425">
+          <a:bodyPr spcFirstLastPara="1" wrap="square" lIns="91425" tIns="91425" rIns="91425" bIns="91425" anchor="ctr" anchorCtr="0">
             <a:noAutofit/>
           </a:bodyPr>
           <a:lstStyle>
@@ -4296,15 +4429,19 @@
               <a:defRPr sz="4800"/>
             </a:lvl9pPr>
           </a:lstStyle>
-          <a:p/>
+          <a:p>
+            <a:endParaRPr/>
+          </a:p>
         </p:txBody>
       </p:sp>
       <p:sp>
         <p:nvSpPr>
           <p:cNvPr id="34" name="Google Shape;34;p8"/>
-          <p:cNvSpPr txBox="1"/>
+          <p:cNvSpPr txBox="1">
+            <a:spLocks noGrp="1"/>
+          </p:cNvSpPr>
           <p:nvPr>
-            <p:ph idx="12" type="sldNum"/>
+            <p:ph type="sldNum" idx="12"/>
           </p:nvPr>
         </p:nvSpPr>
         <p:spPr>
@@ -4317,7 +4454,7 @@
           </a:prstGeom>
         </p:spPr>
         <p:txBody>
-          <a:bodyPr anchorCtr="0" anchor="ctr" bIns="91425" lIns="91425" spcFirstLastPara="1" rIns="91425" wrap="square" tIns="91425">
+          <a:bodyPr spcFirstLastPara="1" wrap="square" lIns="91425" tIns="91425" rIns="91425" bIns="91425" anchor="ctr" anchorCtr="0">
             <a:noAutofit/>
           </a:bodyPr>
           <a:lstStyle>
@@ -4359,7 +4496,7 @@
             </a:lvl9pPr>
           </a:lstStyle>
           <a:p>
-            <a:pPr indent="0" lvl="0" marL="0" rtl="0" algn="r">
+            <a:pPr marL="0" lvl="0" indent="0" algn="r" rtl="0">
               <a:spcBef>
                 <a:spcPts val="0"/>
               </a:spcBef>
@@ -4385,11 +4522,11 @@
 </file>
 
 <file path=ppt/slideLayouts/slideLayout8.xml><?xml version="1.0" encoding="utf-8"?>
-<p:sldLayout xmlns:a="http://schemas.openxmlformats.org/drawingml/2006/main" xmlns:r="http://schemas.openxmlformats.org/officeDocument/2006/relationships" xmlns:mc="http://schemas.openxmlformats.org/markup-compatibility/2006" xmlns:mv="urn:schemas-microsoft-com:mac:vml" xmlns:p="http://schemas.openxmlformats.org/presentationml/2006/main" xmlns:c="http://schemas.openxmlformats.org/drawingml/2006/chart" xmlns:dgm="http://schemas.openxmlformats.org/drawingml/2006/diagram" xmlns:o="urn:schemas-microsoft-com:office:office" xmlns:v="urn:schemas-microsoft-com:vml" xmlns:pvml="urn:schemas-microsoft-com:office:powerpoint" xmlns:com="http://schemas.openxmlformats.org/drawingml/2006/compatibility" xmlns:p14="http://schemas.microsoft.com/office/powerpoint/2010/main" xmlns:p15="http://schemas.microsoft.com/office/powerpoint/2012/main" matchingName="Section title and description">
+<p:sldLayout xmlns:a="http://schemas.openxmlformats.org/drawingml/2006/main" xmlns:r="http://schemas.openxmlformats.org/officeDocument/2006/relationships" xmlns:p="http://schemas.openxmlformats.org/presentationml/2006/main" matchingName="Section title and description">
   <p:cSld name="SECTION_TITLE_AND_DESCRIPTION">
     <p:spTree>
       <p:nvGrpSpPr>
-        <p:cNvPr id="35" name="Shape 35"/>
+        <p:cNvPr id="1" name="Shape 35"/>
         <p:cNvGrpSpPr/>
         <p:nvPr/>
       </p:nvGrpSpPr>
@@ -4423,12 +4560,12 @@
           </a:ln>
         </p:spPr>
         <p:txBody>
-          <a:bodyPr anchorCtr="0" anchor="ctr" bIns="91425" lIns="91425" spcFirstLastPara="1" rIns="91425" wrap="square" tIns="91425">
+          <a:bodyPr spcFirstLastPara="1" wrap="square" lIns="91425" tIns="91425" rIns="91425" bIns="91425" anchor="ctr" anchorCtr="0">
             <a:noAutofit/>
           </a:bodyPr>
           <a:lstStyle/>
           <a:p>
-            <a:pPr indent="0" lvl="0" marL="0" rtl="0" algn="l">
+            <a:pPr marL="0" lvl="0" indent="0" algn="l" rtl="0">
               <a:spcBef>
                 <a:spcPts val="0"/>
               </a:spcBef>
@@ -4437,9 +4574,6 @@
               </a:spcAft>
               <a:buNone/>
             </a:pPr>
-            <a:r>
-              <a:t/>
-            </a:r>
             <a:endParaRPr/>
           </a:p>
         </p:txBody>
@@ -4447,7 +4581,9 @@
       <p:sp>
         <p:nvSpPr>
           <p:cNvPr id="37" name="Google Shape;37;p9"/>
-          <p:cNvSpPr txBox="1"/>
+          <p:cNvSpPr txBox="1">
+            <a:spLocks noGrp="1"/>
+          </p:cNvSpPr>
           <p:nvPr>
             <p:ph type="title"/>
           </p:nvPr>
@@ -4462,7 +4598,7 @@
           </a:prstGeom>
         </p:spPr>
         <p:txBody>
-          <a:bodyPr anchorCtr="0" anchor="b" bIns="91425" lIns="91425" spcFirstLastPara="1" rIns="91425" wrap="square" tIns="91425">
+          <a:bodyPr spcFirstLastPara="1" wrap="square" lIns="91425" tIns="91425" rIns="91425" bIns="91425" anchor="b" anchorCtr="0">
             <a:noAutofit/>
           </a:bodyPr>
           <a:lstStyle>
@@ -4566,15 +4702,19 @@
               <a:defRPr sz="4200"/>
             </a:lvl9pPr>
           </a:lstStyle>
-          <a:p/>
+          <a:p>
+            <a:endParaRPr/>
+          </a:p>
         </p:txBody>
       </p:sp>
       <p:sp>
         <p:nvSpPr>
           <p:cNvPr id="38" name="Google Shape;38;p9"/>
-          <p:cNvSpPr txBox="1"/>
+          <p:cNvSpPr txBox="1">
+            <a:spLocks noGrp="1"/>
+          </p:cNvSpPr>
           <p:nvPr>
-            <p:ph idx="1" type="subTitle"/>
+            <p:ph type="subTitle" idx="1"/>
           </p:nvPr>
         </p:nvSpPr>
         <p:spPr>
@@ -4587,7 +4727,7 @@
           </a:prstGeom>
         </p:spPr>
         <p:txBody>
-          <a:bodyPr anchorCtr="0" anchor="t" bIns="91425" lIns="91425" spcFirstLastPara="1" rIns="91425" wrap="square" tIns="91425">
+          <a:bodyPr spcFirstLastPara="1" wrap="square" lIns="91425" tIns="91425" rIns="91425" bIns="91425" anchor="t" anchorCtr="0">
             <a:noAutofit/>
           </a:bodyPr>
           <a:lstStyle>
@@ -4718,15 +4858,19 @@
               <a:defRPr sz="2100"/>
             </a:lvl9pPr>
           </a:lstStyle>
-          <a:p/>
+          <a:p>
+            <a:endParaRPr/>
+          </a:p>
         </p:txBody>
       </p:sp>
       <p:sp>
         <p:nvSpPr>
           <p:cNvPr id="39" name="Google Shape;39;p9"/>
-          <p:cNvSpPr txBox="1"/>
+          <p:cNvSpPr txBox="1">
+            <a:spLocks noGrp="1"/>
+          </p:cNvSpPr>
           <p:nvPr>
-            <p:ph idx="2" type="body"/>
+            <p:ph type="body" idx="2"/>
           </p:nvPr>
         </p:nvSpPr>
         <p:spPr>
@@ -4739,11 +4883,11 @@
           </a:prstGeom>
         </p:spPr>
         <p:txBody>
-          <a:bodyPr anchorCtr="0" anchor="ctr" bIns="91425" lIns="91425" spcFirstLastPara="1" rIns="91425" wrap="square" tIns="91425">
+          <a:bodyPr spcFirstLastPara="1" wrap="square" lIns="91425" tIns="91425" rIns="91425" bIns="91425" anchor="ctr" anchorCtr="0">
             <a:noAutofit/>
           </a:bodyPr>
           <a:lstStyle>
-            <a:lvl1pPr indent="-342900" lvl="0" marL="457200">
+            <a:lvl1pPr marL="457200" lvl="0" indent="-342900">
               <a:spcBef>
                 <a:spcPts val="0"/>
               </a:spcBef>
@@ -4754,7 +4898,7 @@
               <a:buChar char="●"/>
               <a:defRPr/>
             </a:lvl1pPr>
-            <a:lvl2pPr indent="-317500" lvl="1" marL="914400">
+            <a:lvl2pPr marL="914400" lvl="1" indent="-317500">
               <a:spcBef>
                 <a:spcPts val="1600"/>
               </a:spcBef>
@@ -4765,7 +4909,7 @@
               <a:buChar char="○"/>
               <a:defRPr/>
             </a:lvl2pPr>
-            <a:lvl3pPr indent="-317500" lvl="2" marL="1371600">
+            <a:lvl3pPr marL="1371600" lvl="2" indent="-317500">
               <a:spcBef>
                 <a:spcPts val="1600"/>
               </a:spcBef>
@@ -4776,7 +4920,7 @@
               <a:buChar char="■"/>
               <a:defRPr/>
             </a:lvl3pPr>
-            <a:lvl4pPr indent="-317500" lvl="3" marL="1828800">
+            <a:lvl4pPr marL="1828800" lvl="3" indent="-317500">
               <a:spcBef>
                 <a:spcPts val="1600"/>
               </a:spcBef>
@@ -4787,7 +4931,7 @@
               <a:buChar char="●"/>
               <a:defRPr/>
             </a:lvl4pPr>
-            <a:lvl5pPr indent="-317500" lvl="4" marL="2286000">
+            <a:lvl5pPr marL="2286000" lvl="4" indent="-317500">
               <a:spcBef>
                 <a:spcPts val="1600"/>
               </a:spcBef>
@@ -4798,7 +4942,7 @@
               <a:buChar char="○"/>
               <a:defRPr/>
             </a:lvl5pPr>
-            <a:lvl6pPr indent="-317500" lvl="5" marL="2743200">
+            <a:lvl6pPr marL="2743200" lvl="5" indent="-317500">
               <a:spcBef>
                 <a:spcPts val="1600"/>
               </a:spcBef>
@@ -4809,7 +4953,7 @@
               <a:buChar char="■"/>
               <a:defRPr/>
             </a:lvl6pPr>
-            <a:lvl7pPr indent="-317500" lvl="6" marL="3200400">
+            <a:lvl7pPr marL="3200400" lvl="6" indent="-317500">
               <a:spcBef>
                 <a:spcPts val="1600"/>
               </a:spcBef>
@@ -4820,7 +4964,7 @@
               <a:buChar char="●"/>
               <a:defRPr/>
             </a:lvl7pPr>
-            <a:lvl8pPr indent="-317500" lvl="7" marL="3657600">
+            <a:lvl8pPr marL="3657600" lvl="7" indent="-317500">
               <a:spcBef>
                 <a:spcPts val="1600"/>
               </a:spcBef>
@@ -4831,7 +4975,7 @@
               <a:buChar char="○"/>
               <a:defRPr/>
             </a:lvl8pPr>
-            <a:lvl9pPr indent="-317500" lvl="8" marL="4114800">
+            <a:lvl9pPr marL="4114800" lvl="8" indent="-317500">
               <a:spcBef>
                 <a:spcPts val="1600"/>
               </a:spcBef>
@@ -4843,15 +4987,19 @@
               <a:defRPr/>
             </a:lvl9pPr>
           </a:lstStyle>
-          <a:p/>
+          <a:p>
+            <a:endParaRPr/>
+          </a:p>
         </p:txBody>
       </p:sp>
       <p:sp>
         <p:nvSpPr>
           <p:cNvPr id="40" name="Google Shape;40;p9"/>
-          <p:cNvSpPr txBox="1"/>
+          <p:cNvSpPr txBox="1">
+            <a:spLocks noGrp="1"/>
+          </p:cNvSpPr>
           <p:nvPr>
-            <p:ph idx="12" type="sldNum"/>
+            <p:ph type="sldNum" idx="12"/>
           </p:nvPr>
         </p:nvSpPr>
         <p:spPr>
@@ -4864,7 +5012,7 @@
           </a:prstGeom>
         </p:spPr>
         <p:txBody>
-          <a:bodyPr anchorCtr="0" anchor="ctr" bIns="91425" lIns="91425" spcFirstLastPara="1" rIns="91425" wrap="square" tIns="91425">
+          <a:bodyPr spcFirstLastPara="1" wrap="square" lIns="91425" tIns="91425" rIns="91425" bIns="91425" anchor="ctr" anchorCtr="0">
             <a:noAutofit/>
           </a:bodyPr>
           <a:lstStyle>
@@ -4906,7 +5054,7 @@
             </a:lvl9pPr>
           </a:lstStyle>
           <a:p>
-            <a:pPr indent="0" lvl="0" marL="0" rtl="0" algn="r">
+            <a:pPr marL="0" lvl="0" indent="0" algn="r" rtl="0">
               <a:spcBef>
                 <a:spcPts val="0"/>
               </a:spcBef>
@@ -4932,11 +5080,11 @@
 </file>
 
 <file path=ppt/slideLayouts/slideLayout9.xml><?xml version="1.0" encoding="utf-8"?>
-<p:sldLayout xmlns:a="http://schemas.openxmlformats.org/drawingml/2006/main" xmlns:r="http://schemas.openxmlformats.org/officeDocument/2006/relationships" xmlns:mc="http://schemas.openxmlformats.org/markup-compatibility/2006" xmlns:mv="urn:schemas-microsoft-com:mac:vml" xmlns:p="http://schemas.openxmlformats.org/presentationml/2006/main" xmlns:c="http://schemas.openxmlformats.org/drawingml/2006/chart" xmlns:dgm="http://schemas.openxmlformats.org/drawingml/2006/diagram" xmlns:o="urn:schemas-microsoft-com:office:office" xmlns:v="urn:schemas-microsoft-com:vml" xmlns:pvml="urn:schemas-microsoft-com:office:powerpoint" xmlns:com="http://schemas.openxmlformats.org/drawingml/2006/compatibility" xmlns:p14="http://schemas.microsoft.com/office/powerpoint/2010/main" xmlns:p15="http://schemas.microsoft.com/office/powerpoint/2012/main" matchingName="Caption">
+<p:sldLayout xmlns:a="http://schemas.openxmlformats.org/drawingml/2006/main" xmlns:r="http://schemas.openxmlformats.org/officeDocument/2006/relationships" xmlns:p="http://schemas.openxmlformats.org/presentationml/2006/main" matchingName="Caption">
   <p:cSld name="CAPTION_ONLY">
     <p:spTree>
       <p:nvGrpSpPr>
-        <p:cNvPr id="41" name="Shape 41"/>
+        <p:cNvPr id="1" name="Shape 41"/>
         <p:cNvGrpSpPr/>
         <p:nvPr/>
       </p:nvGrpSpPr>
@@ -4951,9 +5099,11 @@
       <p:sp>
         <p:nvSpPr>
           <p:cNvPr id="42" name="Google Shape;42;p10"/>
-          <p:cNvSpPr txBox="1"/>
+          <p:cNvSpPr txBox="1">
+            <a:spLocks noGrp="1"/>
+          </p:cNvSpPr>
           <p:nvPr>
-            <p:ph idx="1" type="body"/>
+            <p:ph type="body" idx="1"/>
           </p:nvPr>
         </p:nvSpPr>
         <p:spPr>
@@ -4966,11 +5116,11 @@
           </a:prstGeom>
         </p:spPr>
         <p:txBody>
-          <a:bodyPr anchorCtr="0" anchor="ctr" bIns="91425" lIns="91425" spcFirstLastPara="1" rIns="91425" wrap="square" tIns="91425">
+          <a:bodyPr spcFirstLastPara="1" wrap="square" lIns="91425" tIns="91425" rIns="91425" bIns="91425" anchor="ctr" anchorCtr="0">
             <a:noAutofit/>
           </a:bodyPr>
           <a:lstStyle>
-            <a:lvl1pPr indent="-228600" lvl="0" marL="457200">
+            <a:lvl1pPr marL="457200" lvl="0" indent="-228600">
               <a:lnSpc>
                 <a:spcPct val="100000"/>
               </a:lnSpc>
@@ -4985,15 +5135,19 @@
               <a:defRPr/>
             </a:lvl1pPr>
           </a:lstStyle>
-          <a:p/>
+          <a:p>
+            <a:endParaRPr/>
+          </a:p>
         </p:txBody>
       </p:sp>
       <p:sp>
         <p:nvSpPr>
           <p:cNvPr id="43" name="Google Shape;43;p10"/>
-          <p:cNvSpPr txBox="1"/>
+          <p:cNvSpPr txBox="1">
+            <a:spLocks noGrp="1"/>
+          </p:cNvSpPr>
           <p:nvPr>
-            <p:ph idx="12" type="sldNum"/>
+            <p:ph type="sldNum" idx="12"/>
           </p:nvPr>
         </p:nvSpPr>
         <p:spPr>
@@ -5006,7 +5160,7 @@
           </a:prstGeom>
         </p:spPr>
         <p:txBody>
-          <a:bodyPr anchorCtr="0" anchor="ctr" bIns="91425" lIns="91425" spcFirstLastPara="1" rIns="91425" wrap="square" tIns="91425">
+          <a:bodyPr spcFirstLastPara="1" wrap="square" lIns="91425" tIns="91425" rIns="91425" bIns="91425" anchor="ctr" anchorCtr="0">
             <a:noAutofit/>
           </a:bodyPr>
           <a:lstStyle>
@@ -5048,7 +5202,7 @@
             </a:lvl9pPr>
           </a:lstStyle>
           <a:p>
-            <a:pPr indent="0" lvl="0" marL="0" rtl="0" algn="r">
+            <a:pPr marL="0" lvl="0" indent="0" algn="r" rtl="0">
               <a:spcBef>
                 <a:spcPts val="0"/>
               </a:spcBef>
@@ -5074,18 +5228,19 @@
 </file>
 
 <file path=ppt/slideMasters/slideMaster1.xml><?xml version="1.0" encoding="utf-8"?>
-<p:sldMaster xmlns:a="http://schemas.openxmlformats.org/drawingml/2006/main" xmlns:r="http://schemas.openxmlformats.org/officeDocument/2006/relationships" xmlns:mc="http://schemas.openxmlformats.org/markup-compatibility/2006" xmlns:mv="urn:schemas-microsoft-com:mac:vml" xmlns:p="http://schemas.openxmlformats.org/presentationml/2006/main" xmlns:c="http://schemas.openxmlformats.org/drawingml/2006/chart" xmlns:dgm="http://schemas.openxmlformats.org/drawingml/2006/diagram" xmlns:o="urn:schemas-microsoft-com:office:office" xmlns:v="urn:schemas-microsoft-com:vml" xmlns:pvml="urn:schemas-microsoft-com:office:powerpoint" xmlns:com="http://schemas.openxmlformats.org/drawingml/2006/compatibility" xmlns:p14="http://schemas.microsoft.com/office/powerpoint/2010/main" xmlns:p15="http://schemas.microsoft.com/office/powerpoint/2012/main">
+<p:sldMaster xmlns:a="http://schemas.openxmlformats.org/drawingml/2006/main" xmlns:r="http://schemas.openxmlformats.org/officeDocument/2006/relationships" xmlns:p="http://schemas.openxmlformats.org/presentationml/2006/main">
   <p:cSld name="simple-light-2">
     <p:bg>
       <p:bgPr>
         <a:solidFill>
           <a:schemeClr val="lt1"/>
         </a:solidFill>
+        <a:effectLst/>
       </p:bgPr>
     </p:bg>
     <p:spTree>
       <p:nvGrpSpPr>
-        <p:cNvPr id="5" name="Shape 5"/>
+        <p:cNvPr id="1" name="Shape 5"/>
         <p:cNvGrpSpPr/>
         <p:nvPr/>
       </p:nvGrpSpPr>
@@ -5100,7 +5255,9 @@
       <p:sp>
         <p:nvSpPr>
           <p:cNvPr id="6" name="Google Shape;6;p1"/>
-          <p:cNvSpPr txBox="1"/>
+          <p:cNvSpPr txBox="1">
+            <a:spLocks noGrp="1"/>
+          </p:cNvSpPr>
           <p:nvPr>
             <p:ph type="title"/>
           </p:nvPr>
@@ -5119,7 +5276,7 @@
           </a:ln>
         </p:spPr>
         <p:txBody>
-          <a:bodyPr anchorCtr="0" anchor="t" bIns="91425" lIns="91425" spcFirstLastPara="1" rIns="91425" wrap="square" tIns="91425">
+          <a:bodyPr spcFirstLastPara="1" wrap="square" lIns="91425" tIns="91425" rIns="91425" bIns="91425" anchor="t" anchorCtr="0">
             <a:noAutofit/>
           </a:bodyPr>
           <a:lstStyle>
@@ -5286,15 +5443,19 @@
               </a:defRPr>
             </a:lvl9pPr>
           </a:lstStyle>
-          <a:p/>
+          <a:p>
+            <a:endParaRPr/>
+          </a:p>
         </p:txBody>
       </p:sp>
       <p:sp>
         <p:nvSpPr>
           <p:cNvPr id="7" name="Google Shape;7;p1"/>
-          <p:cNvSpPr txBox="1"/>
+          <p:cNvSpPr txBox="1">
+            <a:spLocks noGrp="1"/>
+          </p:cNvSpPr>
           <p:nvPr>
-            <p:ph idx="1" type="body"/>
+            <p:ph type="body" idx="1"/>
           </p:nvPr>
         </p:nvSpPr>
         <p:spPr>
@@ -5311,11 +5472,11 @@
           </a:ln>
         </p:spPr>
         <p:txBody>
-          <a:bodyPr anchorCtr="0" anchor="t" bIns="91425" lIns="91425" spcFirstLastPara="1" rIns="91425" wrap="square" tIns="91425">
+          <a:bodyPr spcFirstLastPara="1" wrap="square" lIns="91425" tIns="91425" rIns="91425" bIns="91425" anchor="t" anchorCtr="0">
             <a:noAutofit/>
           </a:bodyPr>
           <a:lstStyle>
-            <a:lvl1pPr indent="-342900" lvl="0" marL="457200">
+            <a:lvl1pPr marL="457200" lvl="0" indent="-342900">
               <a:lnSpc>
                 <a:spcPct val="115000"/>
               </a:lnSpc>
@@ -5336,7 +5497,7 @@
                 </a:solidFill>
               </a:defRPr>
             </a:lvl1pPr>
-            <a:lvl2pPr indent="-317500" lvl="1" marL="914400">
+            <a:lvl2pPr marL="914400" lvl="1" indent="-317500">
               <a:lnSpc>
                 <a:spcPct val="115000"/>
               </a:lnSpc>
@@ -5357,7 +5518,7 @@
                 </a:solidFill>
               </a:defRPr>
             </a:lvl2pPr>
-            <a:lvl3pPr indent="-317500" lvl="2" marL="1371600">
+            <a:lvl3pPr marL="1371600" lvl="2" indent="-317500">
               <a:lnSpc>
                 <a:spcPct val="115000"/>
               </a:lnSpc>
@@ -5378,7 +5539,7 @@
                 </a:solidFill>
               </a:defRPr>
             </a:lvl3pPr>
-            <a:lvl4pPr indent="-317500" lvl="3" marL="1828800">
+            <a:lvl4pPr marL="1828800" lvl="3" indent="-317500">
               <a:lnSpc>
                 <a:spcPct val="115000"/>
               </a:lnSpc>
@@ -5399,7 +5560,7 @@
                 </a:solidFill>
               </a:defRPr>
             </a:lvl4pPr>
-            <a:lvl5pPr indent="-317500" lvl="4" marL="2286000">
+            <a:lvl5pPr marL="2286000" lvl="4" indent="-317500">
               <a:lnSpc>
                 <a:spcPct val="115000"/>
               </a:lnSpc>
@@ -5420,7 +5581,7 @@
                 </a:solidFill>
               </a:defRPr>
             </a:lvl5pPr>
-            <a:lvl6pPr indent="-317500" lvl="5" marL="2743200">
+            <a:lvl6pPr marL="2743200" lvl="5" indent="-317500">
               <a:lnSpc>
                 <a:spcPct val="115000"/>
               </a:lnSpc>
@@ -5441,7 +5602,7 @@
                 </a:solidFill>
               </a:defRPr>
             </a:lvl6pPr>
-            <a:lvl7pPr indent="-317500" lvl="6" marL="3200400">
+            <a:lvl7pPr marL="3200400" lvl="6" indent="-317500">
               <a:lnSpc>
                 <a:spcPct val="115000"/>
               </a:lnSpc>
@@ -5462,7 +5623,7 @@
                 </a:solidFill>
               </a:defRPr>
             </a:lvl7pPr>
-            <a:lvl8pPr indent="-317500" lvl="7" marL="3657600">
+            <a:lvl8pPr marL="3657600" lvl="7" indent="-317500">
               <a:lnSpc>
                 <a:spcPct val="115000"/>
               </a:lnSpc>
@@ -5483,7 +5644,7 @@
                 </a:solidFill>
               </a:defRPr>
             </a:lvl8pPr>
-            <a:lvl9pPr indent="-317500" lvl="8" marL="4114800">
+            <a:lvl9pPr marL="4114800" lvl="8" indent="-317500">
               <a:lnSpc>
                 <a:spcPct val="115000"/>
               </a:lnSpc>
@@ -5505,15 +5666,19 @@
               </a:defRPr>
             </a:lvl9pPr>
           </a:lstStyle>
-          <a:p/>
+          <a:p>
+            <a:endParaRPr/>
+          </a:p>
         </p:txBody>
       </p:sp>
       <p:sp>
         <p:nvSpPr>
           <p:cNvPr id="8" name="Google Shape;8;p1"/>
-          <p:cNvSpPr txBox="1"/>
+          <p:cNvSpPr txBox="1">
+            <a:spLocks noGrp="1"/>
+          </p:cNvSpPr>
           <p:nvPr>
-            <p:ph idx="12" type="sldNum"/>
+            <p:ph type="sldNum" idx="12"/>
           </p:nvPr>
         </p:nvSpPr>
         <p:spPr>
@@ -5530,7 +5695,7 @@
           </a:ln>
         </p:spPr>
         <p:txBody>
-          <a:bodyPr anchorCtr="0" anchor="ctr" bIns="91425" lIns="91425" spcFirstLastPara="1" rIns="91425" wrap="square" tIns="91425">
+          <a:bodyPr spcFirstLastPara="1" wrap="square" lIns="91425" tIns="91425" rIns="91425" bIns="91425" anchor="ctr" anchorCtr="0">
             <a:noAutofit/>
           </a:bodyPr>
           <a:lstStyle>
@@ -5608,7 +5773,7 @@
             </a:lvl9pPr>
           </a:lstStyle>
           <a:p>
-            <a:pPr indent="0" lvl="0" marL="0" rtl="0" algn="r">
+            <a:pPr marL="0" lvl="0" indent="0" algn="r" rtl="0">
               <a:spcBef>
                 <a:spcPts val="0"/>
               </a:spcBef>
@@ -5627,7 +5792,7 @@
       </p:sp>
     </p:spTree>
   </p:cSld>
-  <p:clrMap accent1="accent1" accent2="accent2" accent3="accent3" accent4="accent4" accent5="accent5" accent6="accent6" bg1="lt1" bg2="dk2" tx1="dk1" tx2="lt2" folHlink="folHlink" hlink="hlink"/>
+  <p:clrMap bg1="lt1" tx1="dk1" bg2="dk2" tx2="lt2" accent1="accent1" accent2="accent2" accent3="accent3" accent4="accent4" accent5="accent5" accent6="accent6" hlink="hlink" folHlink="folHlink"/>
   <p:sldLayoutIdLst>
     <p:sldLayoutId id="2147483648" r:id="rId1"/>
     <p:sldLayoutId id="2147483649" r:id="rId2"/>
@@ -5641,10 +5806,10 @@
     <p:sldLayoutId id="2147483657" r:id="rId10"/>
     <p:sldLayoutId id="2147483658" r:id="rId11"/>
   </p:sldLayoutIdLst>
-  <p:hf dt="0" ftr="0" hdr="0" sldNum="0"/>
+  <p:hf sldNum="0" hdr="0" ftr="0" dt="0"/>
   <p:txStyles>
     <p:titleStyle>
-      <a:defPPr lvl="0" marR="0" rtl="0" algn="l">
+      <a:defPPr marR="0" lvl="0" algn="l" rtl="0">
         <a:lnSpc>
           <a:spcPct val="100000"/>
         </a:lnSpc>
@@ -5655,7 +5820,7 @@
           <a:spcPts val="0"/>
         </a:spcAft>
       </a:defPPr>
-      <a:lvl1pPr lvl="0" marR="0" rtl="0" algn="l">
+      <a:lvl1pPr marR="0" lvl="0" algn="l" rtl="0">
         <a:lnSpc>
           <a:spcPct val="100000"/>
         </a:lnSpc>
@@ -5669,7 +5834,7 @@
           <a:srgbClr val="000000"/>
         </a:buClr>
         <a:buFont typeface="Arial"/>
-        <a:defRPr b="0" i="0" sz="1400" u="none" cap="none" strike="noStrike">
+        <a:defRPr sz="1400" b="0" i="0" u="none" strike="noStrike" cap="none">
           <a:solidFill>
             <a:srgbClr val="000000"/>
           </a:solidFill>
@@ -5679,7 +5844,7 @@
           <a:sym typeface="Arial"/>
         </a:defRPr>
       </a:lvl1pPr>
-      <a:lvl2pPr lvl="1" marR="0" rtl="0" algn="l">
+      <a:lvl2pPr marR="0" lvl="1" algn="l" rtl="0">
         <a:lnSpc>
           <a:spcPct val="100000"/>
         </a:lnSpc>
@@ -5693,7 +5858,7 @@
           <a:srgbClr val="000000"/>
         </a:buClr>
         <a:buFont typeface="Arial"/>
-        <a:defRPr b="0" i="0" sz="1400" u="none" cap="none" strike="noStrike">
+        <a:defRPr sz="1400" b="0" i="0" u="none" strike="noStrike" cap="none">
           <a:solidFill>
             <a:srgbClr val="000000"/>
           </a:solidFill>
@@ -5703,7 +5868,7 @@
           <a:sym typeface="Arial"/>
         </a:defRPr>
       </a:lvl2pPr>
-      <a:lvl3pPr lvl="2" marR="0" rtl="0" algn="l">
+      <a:lvl3pPr marR="0" lvl="2" algn="l" rtl="0">
         <a:lnSpc>
           <a:spcPct val="100000"/>
         </a:lnSpc>
@@ -5717,7 +5882,7 @@
           <a:srgbClr val="000000"/>
         </a:buClr>
         <a:buFont typeface="Arial"/>
-        <a:defRPr b="0" i="0" sz="1400" u="none" cap="none" strike="noStrike">
+        <a:defRPr sz="1400" b="0" i="0" u="none" strike="noStrike" cap="none">
           <a:solidFill>
             <a:srgbClr val="000000"/>
           </a:solidFill>
@@ -5727,7 +5892,7 @@
           <a:sym typeface="Arial"/>
         </a:defRPr>
       </a:lvl3pPr>
-      <a:lvl4pPr lvl="3" marR="0" rtl="0" algn="l">
+      <a:lvl4pPr marR="0" lvl="3" algn="l" rtl="0">
         <a:lnSpc>
           <a:spcPct val="100000"/>
         </a:lnSpc>
@@ -5741,7 +5906,7 @@
           <a:srgbClr val="000000"/>
         </a:buClr>
         <a:buFont typeface="Arial"/>
-        <a:defRPr b="0" i="0" sz="1400" u="none" cap="none" strike="noStrike">
+        <a:defRPr sz="1400" b="0" i="0" u="none" strike="noStrike" cap="none">
           <a:solidFill>
             <a:srgbClr val="000000"/>
           </a:solidFill>
@@ -5751,7 +5916,7 @@
           <a:sym typeface="Arial"/>
         </a:defRPr>
       </a:lvl4pPr>
-      <a:lvl5pPr lvl="4" marR="0" rtl="0" algn="l">
+      <a:lvl5pPr marR="0" lvl="4" algn="l" rtl="0">
         <a:lnSpc>
           <a:spcPct val="100000"/>
         </a:lnSpc>
@@ -5765,7 +5930,7 @@
           <a:srgbClr val="000000"/>
         </a:buClr>
         <a:buFont typeface="Arial"/>
-        <a:defRPr b="0" i="0" sz="1400" u="none" cap="none" strike="noStrike">
+        <a:defRPr sz="1400" b="0" i="0" u="none" strike="noStrike" cap="none">
           <a:solidFill>
             <a:srgbClr val="000000"/>
           </a:solidFill>
@@ -5775,7 +5940,7 @@
           <a:sym typeface="Arial"/>
         </a:defRPr>
       </a:lvl5pPr>
-      <a:lvl6pPr lvl="5" marR="0" rtl="0" algn="l">
+      <a:lvl6pPr marR="0" lvl="5" algn="l" rtl="0">
         <a:lnSpc>
           <a:spcPct val="100000"/>
         </a:lnSpc>
@@ -5789,7 +5954,7 @@
           <a:srgbClr val="000000"/>
         </a:buClr>
         <a:buFont typeface="Arial"/>
-        <a:defRPr b="0" i="0" sz="1400" u="none" cap="none" strike="noStrike">
+        <a:defRPr sz="1400" b="0" i="0" u="none" strike="noStrike" cap="none">
           <a:solidFill>
             <a:srgbClr val="000000"/>
           </a:solidFill>
@@ -5799,7 +5964,7 @@
           <a:sym typeface="Arial"/>
         </a:defRPr>
       </a:lvl6pPr>
-      <a:lvl7pPr lvl="6" marR="0" rtl="0" algn="l">
+      <a:lvl7pPr marR="0" lvl="6" algn="l" rtl="0">
         <a:lnSpc>
           <a:spcPct val="100000"/>
         </a:lnSpc>
@@ -5813,7 +5978,7 @@
           <a:srgbClr val="000000"/>
         </a:buClr>
         <a:buFont typeface="Arial"/>
-        <a:defRPr b="0" i="0" sz="1400" u="none" cap="none" strike="noStrike">
+        <a:defRPr sz="1400" b="0" i="0" u="none" strike="noStrike" cap="none">
           <a:solidFill>
             <a:srgbClr val="000000"/>
           </a:solidFill>
@@ -5823,7 +5988,7 @@
           <a:sym typeface="Arial"/>
         </a:defRPr>
       </a:lvl7pPr>
-      <a:lvl8pPr lvl="7" marR="0" rtl="0" algn="l">
+      <a:lvl8pPr marR="0" lvl="7" algn="l" rtl="0">
         <a:lnSpc>
           <a:spcPct val="100000"/>
         </a:lnSpc>
@@ -5837,7 +6002,7 @@
           <a:srgbClr val="000000"/>
         </a:buClr>
         <a:buFont typeface="Arial"/>
-        <a:defRPr b="0" i="0" sz="1400" u="none" cap="none" strike="noStrike">
+        <a:defRPr sz="1400" b="0" i="0" u="none" strike="noStrike" cap="none">
           <a:solidFill>
             <a:srgbClr val="000000"/>
           </a:solidFill>
@@ -5847,7 +6012,7 @@
           <a:sym typeface="Arial"/>
         </a:defRPr>
       </a:lvl8pPr>
-      <a:lvl9pPr lvl="8" marR="0" rtl="0" algn="l">
+      <a:lvl9pPr marR="0" lvl="8" algn="l" rtl="0">
         <a:lnSpc>
           <a:spcPct val="100000"/>
         </a:lnSpc>
@@ -5861,7 +6026,7 @@
           <a:srgbClr val="000000"/>
         </a:buClr>
         <a:buFont typeface="Arial"/>
-        <a:defRPr b="0" i="0" sz="1400" u="none" cap="none" strike="noStrike">
+        <a:defRPr sz="1400" b="0" i="0" u="none" strike="noStrike" cap="none">
           <a:solidFill>
             <a:srgbClr val="000000"/>
           </a:solidFill>
@@ -5873,7 +6038,7 @@
       </a:lvl9pPr>
     </p:titleStyle>
     <p:bodyStyle>
-      <a:defPPr lvl="0" marR="0" rtl="0" algn="l">
+      <a:defPPr marR="0" lvl="0" algn="l" rtl="0">
         <a:lnSpc>
           <a:spcPct val="100000"/>
         </a:lnSpc>
@@ -5884,7 +6049,7 @@
           <a:spcPts val="0"/>
         </a:spcAft>
       </a:defPPr>
-      <a:lvl1pPr lvl="0" marR="0" rtl="0" algn="l">
+      <a:lvl1pPr marR="0" lvl="0" algn="l" rtl="0">
         <a:lnSpc>
           <a:spcPct val="100000"/>
         </a:lnSpc>
@@ -5898,7 +6063,7 @@
           <a:srgbClr val="000000"/>
         </a:buClr>
         <a:buFont typeface="Arial"/>
-        <a:defRPr b="0" i="0" sz="1400" u="none" cap="none" strike="noStrike">
+        <a:defRPr sz="1400" b="0" i="0" u="none" strike="noStrike" cap="none">
           <a:solidFill>
             <a:srgbClr val="000000"/>
           </a:solidFill>
@@ -5908,7 +6073,7 @@
           <a:sym typeface="Arial"/>
         </a:defRPr>
       </a:lvl1pPr>
-      <a:lvl2pPr lvl="1" marR="0" rtl="0" algn="l">
+      <a:lvl2pPr marR="0" lvl="1" algn="l" rtl="0">
         <a:lnSpc>
           <a:spcPct val="100000"/>
         </a:lnSpc>
@@ -5922,7 +6087,7 @@
           <a:srgbClr val="000000"/>
         </a:buClr>
         <a:buFont typeface="Arial"/>
-        <a:defRPr b="0" i="0" sz="1400" u="none" cap="none" strike="noStrike">
+        <a:defRPr sz="1400" b="0" i="0" u="none" strike="noStrike" cap="none">
           <a:solidFill>
             <a:srgbClr val="000000"/>
           </a:solidFill>
@@ -5932,7 +6097,7 @@
           <a:sym typeface="Arial"/>
         </a:defRPr>
       </a:lvl2pPr>
-      <a:lvl3pPr lvl="2" marR="0" rtl="0" algn="l">
+      <a:lvl3pPr marR="0" lvl="2" algn="l" rtl="0">
         <a:lnSpc>
           <a:spcPct val="100000"/>
         </a:lnSpc>
@@ -5946,7 +6111,7 @@
           <a:srgbClr val="000000"/>
         </a:buClr>
         <a:buFont typeface="Arial"/>
-        <a:defRPr b="0" i="0" sz="1400" u="none" cap="none" strike="noStrike">
+        <a:defRPr sz="1400" b="0" i="0" u="none" strike="noStrike" cap="none">
           <a:solidFill>
             <a:srgbClr val="000000"/>
           </a:solidFill>
@@ -5956,7 +6121,7 @@
           <a:sym typeface="Arial"/>
         </a:defRPr>
       </a:lvl3pPr>
-      <a:lvl4pPr lvl="3" marR="0" rtl="0" algn="l">
+      <a:lvl4pPr marR="0" lvl="3" algn="l" rtl="0">
         <a:lnSpc>
           <a:spcPct val="100000"/>
         </a:lnSpc>
@@ -5970,7 +6135,7 @@
           <a:srgbClr val="000000"/>
         </a:buClr>
         <a:buFont typeface="Arial"/>
-        <a:defRPr b="0" i="0" sz="1400" u="none" cap="none" strike="noStrike">
+        <a:defRPr sz="1400" b="0" i="0" u="none" strike="noStrike" cap="none">
           <a:solidFill>
             <a:srgbClr val="000000"/>
           </a:solidFill>
@@ -5980,7 +6145,7 @@
           <a:sym typeface="Arial"/>
         </a:defRPr>
       </a:lvl4pPr>
-      <a:lvl5pPr lvl="4" marR="0" rtl="0" algn="l">
+      <a:lvl5pPr marR="0" lvl="4" algn="l" rtl="0">
         <a:lnSpc>
           <a:spcPct val="100000"/>
         </a:lnSpc>
@@ -5994,7 +6159,7 @@
           <a:srgbClr val="000000"/>
         </a:buClr>
         <a:buFont typeface="Arial"/>
-        <a:defRPr b="0" i="0" sz="1400" u="none" cap="none" strike="noStrike">
+        <a:defRPr sz="1400" b="0" i="0" u="none" strike="noStrike" cap="none">
           <a:solidFill>
             <a:srgbClr val="000000"/>
           </a:solidFill>
@@ -6004,7 +6169,7 @@
           <a:sym typeface="Arial"/>
         </a:defRPr>
       </a:lvl5pPr>
-      <a:lvl6pPr lvl="5" marR="0" rtl="0" algn="l">
+      <a:lvl6pPr marR="0" lvl="5" algn="l" rtl="0">
         <a:lnSpc>
           <a:spcPct val="100000"/>
         </a:lnSpc>
@@ -6018,7 +6183,7 @@
           <a:srgbClr val="000000"/>
         </a:buClr>
         <a:buFont typeface="Arial"/>
-        <a:defRPr b="0" i="0" sz="1400" u="none" cap="none" strike="noStrike">
+        <a:defRPr sz="1400" b="0" i="0" u="none" strike="noStrike" cap="none">
           <a:solidFill>
             <a:srgbClr val="000000"/>
           </a:solidFill>
@@ -6028,7 +6193,7 @@
           <a:sym typeface="Arial"/>
         </a:defRPr>
       </a:lvl6pPr>
-      <a:lvl7pPr lvl="6" marR="0" rtl="0" algn="l">
+      <a:lvl7pPr marR="0" lvl="6" algn="l" rtl="0">
         <a:lnSpc>
           <a:spcPct val="100000"/>
         </a:lnSpc>
@@ -6042,7 +6207,7 @@
           <a:srgbClr val="000000"/>
         </a:buClr>
         <a:buFont typeface="Arial"/>
-        <a:defRPr b="0" i="0" sz="1400" u="none" cap="none" strike="noStrike">
+        <a:defRPr sz="1400" b="0" i="0" u="none" strike="noStrike" cap="none">
           <a:solidFill>
             <a:srgbClr val="000000"/>
           </a:solidFill>
@@ -6052,7 +6217,7 @@
           <a:sym typeface="Arial"/>
         </a:defRPr>
       </a:lvl7pPr>
-      <a:lvl8pPr lvl="7" marR="0" rtl="0" algn="l">
+      <a:lvl8pPr marR="0" lvl="7" algn="l" rtl="0">
         <a:lnSpc>
           <a:spcPct val="100000"/>
         </a:lnSpc>
@@ -6066,7 +6231,7 @@
           <a:srgbClr val="000000"/>
         </a:buClr>
         <a:buFont typeface="Arial"/>
-        <a:defRPr b="0" i="0" sz="1400" u="none" cap="none" strike="noStrike">
+        <a:defRPr sz="1400" b="0" i="0" u="none" strike="noStrike" cap="none">
           <a:solidFill>
             <a:srgbClr val="000000"/>
           </a:solidFill>
@@ -6076,7 +6241,7 @@
           <a:sym typeface="Arial"/>
         </a:defRPr>
       </a:lvl8pPr>
-      <a:lvl9pPr lvl="8" marR="0" rtl="0" algn="l">
+      <a:lvl9pPr marR="0" lvl="8" algn="l" rtl="0">
         <a:lnSpc>
           <a:spcPct val="100000"/>
         </a:lnSpc>
@@ -6090,7 +6255,7 @@
           <a:srgbClr val="000000"/>
         </a:buClr>
         <a:buFont typeface="Arial"/>
-        <a:defRPr b="0" i="0" sz="1400" u="none" cap="none" strike="noStrike">
+        <a:defRPr sz="1400" b="0" i="0" u="none" strike="noStrike" cap="none">
           <a:solidFill>
             <a:srgbClr val="000000"/>
           </a:solidFill>
@@ -6102,7 +6267,7 @@
       </a:lvl9pPr>
     </p:bodyStyle>
     <p:otherStyle>
-      <a:defPPr lvl="0" marR="0" rtl="0" algn="l">
+      <a:defPPr marR="0" lvl="0" algn="l" rtl="0">
         <a:lnSpc>
           <a:spcPct val="100000"/>
         </a:lnSpc>
@@ -6113,7 +6278,7 @@
           <a:spcPts val="0"/>
         </a:spcAft>
       </a:defPPr>
-      <a:lvl1pPr lvl="0" marR="0" rtl="0" algn="l">
+      <a:lvl1pPr marR="0" lvl="0" algn="l" rtl="0">
         <a:lnSpc>
           <a:spcPct val="100000"/>
         </a:lnSpc>
@@ -6127,7 +6292,7 @@
           <a:srgbClr val="000000"/>
         </a:buClr>
         <a:buFont typeface="Arial"/>
-        <a:defRPr b="0" i="0" sz="1400" u="none" cap="none" strike="noStrike">
+        <a:defRPr sz="1400" b="0" i="0" u="none" strike="noStrike" cap="none">
           <a:solidFill>
             <a:srgbClr val="000000"/>
           </a:solidFill>
@@ -6137,7 +6302,7 @@
           <a:sym typeface="Arial"/>
         </a:defRPr>
       </a:lvl1pPr>
-      <a:lvl2pPr lvl="1" marR="0" rtl="0" algn="l">
+      <a:lvl2pPr marR="0" lvl="1" algn="l" rtl="0">
         <a:lnSpc>
           <a:spcPct val="100000"/>
         </a:lnSpc>
@@ -6151,7 +6316,7 @@
           <a:srgbClr val="000000"/>
         </a:buClr>
         <a:buFont typeface="Arial"/>
-        <a:defRPr b="0" i="0" sz="1400" u="none" cap="none" strike="noStrike">
+        <a:defRPr sz="1400" b="0" i="0" u="none" strike="noStrike" cap="none">
           <a:solidFill>
             <a:srgbClr val="000000"/>
           </a:solidFill>
@@ -6161,7 +6326,7 @@
           <a:sym typeface="Arial"/>
         </a:defRPr>
       </a:lvl2pPr>
-      <a:lvl3pPr lvl="2" marR="0" rtl="0" algn="l">
+      <a:lvl3pPr marR="0" lvl="2" algn="l" rtl="0">
         <a:lnSpc>
           <a:spcPct val="100000"/>
         </a:lnSpc>
@@ -6175,7 +6340,7 @@
           <a:srgbClr val="000000"/>
         </a:buClr>
         <a:buFont typeface="Arial"/>
-        <a:defRPr b="0" i="0" sz="1400" u="none" cap="none" strike="noStrike">
+        <a:defRPr sz="1400" b="0" i="0" u="none" strike="noStrike" cap="none">
           <a:solidFill>
             <a:srgbClr val="000000"/>
           </a:solidFill>
@@ -6185,7 +6350,7 @@
           <a:sym typeface="Arial"/>
         </a:defRPr>
       </a:lvl3pPr>
-      <a:lvl4pPr lvl="3" marR="0" rtl="0" algn="l">
+      <a:lvl4pPr marR="0" lvl="3" algn="l" rtl="0">
         <a:lnSpc>
           <a:spcPct val="100000"/>
         </a:lnSpc>
@@ -6199,7 +6364,7 @@
           <a:srgbClr val="000000"/>
         </a:buClr>
         <a:buFont typeface="Arial"/>
-        <a:defRPr b="0" i="0" sz="1400" u="none" cap="none" strike="noStrike">
+        <a:defRPr sz="1400" b="0" i="0" u="none" strike="noStrike" cap="none">
           <a:solidFill>
             <a:srgbClr val="000000"/>
           </a:solidFill>
@@ -6209,7 +6374,7 @@
           <a:sym typeface="Arial"/>
         </a:defRPr>
       </a:lvl4pPr>
-      <a:lvl5pPr lvl="4" marR="0" rtl="0" algn="l">
+      <a:lvl5pPr marR="0" lvl="4" algn="l" rtl="0">
         <a:lnSpc>
           <a:spcPct val="100000"/>
         </a:lnSpc>
@@ -6223,7 +6388,7 @@
           <a:srgbClr val="000000"/>
         </a:buClr>
         <a:buFont typeface="Arial"/>
-        <a:defRPr b="0" i="0" sz="1400" u="none" cap="none" strike="noStrike">
+        <a:defRPr sz="1400" b="0" i="0" u="none" strike="noStrike" cap="none">
           <a:solidFill>
             <a:srgbClr val="000000"/>
           </a:solidFill>
@@ -6233,7 +6398,7 @@
           <a:sym typeface="Arial"/>
         </a:defRPr>
       </a:lvl5pPr>
-      <a:lvl6pPr lvl="5" marR="0" rtl="0" algn="l">
+      <a:lvl6pPr marR="0" lvl="5" algn="l" rtl="0">
         <a:lnSpc>
           <a:spcPct val="100000"/>
         </a:lnSpc>
@@ -6247,7 +6412,7 @@
           <a:srgbClr val="000000"/>
         </a:buClr>
         <a:buFont typeface="Arial"/>
-        <a:defRPr b="0" i="0" sz="1400" u="none" cap="none" strike="noStrike">
+        <a:defRPr sz="1400" b="0" i="0" u="none" strike="noStrike" cap="none">
           <a:solidFill>
             <a:srgbClr val="000000"/>
           </a:solidFill>
@@ -6257,7 +6422,7 @@
           <a:sym typeface="Arial"/>
         </a:defRPr>
       </a:lvl6pPr>
-      <a:lvl7pPr lvl="6" marR="0" rtl="0" algn="l">
+      <a:lvl7pPr marR="0" lvl="6" algn="l" rtl="0">
         <a:lnSpc>
           <a:spcPct val="100000"/>
         </a:lnSpc>
@@ -6271,7 +6436,7 @@
           <a:srgbClr val="000000"/>
         </a:buClr>
         <a:buFont typeface="Arial"/>
-        <a:defRPr b="0" i="0" sz="1400" u="none" cap="none" strike="noStrike">
+        <a:defRPr sz="1400" b="0" i="0" u="none" strike="noStrike" cap="none">
           <a:solidFill>
             <a:srgbClr val="000000"/>
           </a:solidFill>
@@ -6281,7 +6446,7 @@
           <a:sym typeface="Arial"/>
         </a:defRPr>
       </a:lvl7pPr>
-      <a:lvl8pPr lvl="7" marR="0" rtl="0" algn="l">
+      <a:lvl8pPr marR="0" lvl="7" algn="l" rtl="0">
         <a:lnSpc>
           <a:spcPct val="100000"/>
         </a:lnSpc>
@@ -6295,7 +6460,7 @@
           <a:srgbClr val="000000"/>
         </a:buClr>
         <a:buFont typeface="Arial"/>
-        <a:defRPr b="0" i="0" sz="1400" u="none" cap="none" strike="noStrike">
+        <a:defRPr sz="1400" b="0" i="0" u="none" strike="noStrike" cap="none">
           <a:solidFill>
             <a:srgbClr val="000000"/>
           </a:solidFill>
@@ -6305,7 +6470,7 @@
           <a:sym typeface="Arial"/>
         </a:defRPr>
       </a:lvl8pPr>
-      <a:lvl9pPr lvl="8" marR="0" rtl="0" algn="l">
+      <a:lvl9pPr marR="0" lvl="8" algn="l" rtl="0">
         <a:lnSpc>
           <a:spcPct val="100000"/>
         </a:lnSpc>
@@ -6319,7 +6484,7 @@
           <a:srgbClr val="000000"/>
         </a:buClr>
         <a:buFont typeface="Arial"/>
-        <a:defRPr b="0" i="0" sz="1400" u="none" cap="none" strike="noStrike">
+        <a:defRPr sz="1400" b="0" i="0" u="none" strike="noStrike" cap="none">
           <a:solidFill>
             <a:srgbClr val="000000"/>
           </a:solidFill>
@@ -6335,11 +6500,11 @@
 </file>
 
 <file path=ppt/slides/slide1.xml><?xml version="1.0" encoding="utf-8"?>
-<p:sld xmlns:a="http://schemas.openxmlformats.org/drawingml/2006/main" xmlns:r="http://schemas.openxmlformats.org/officeDocument/2006/relationships" xmlns:mc="http://schemas.openxmlformats.org/markup-compatibility/2006" xmlns:mv="urn:schemas-microsoft-com:mac:vml" xmlns:p="http://schemas.openxmlformats.org/presentationml/2006/main" xmlns:c="http://schemas.openxmlformats.org/drawingml/2006/chart" xmlns:dgm="http://schemas.openxmlformats.org/drawingml/2006/diagram" xmlns:o="urn:schemas-microsoft-com:office:office" xmlns:v="urn:schemas-microsoft-com:vml" xmlns:pvml="urn:schemas-microsoft-com:office:powerpoint" xmlns:com="http://schemas.openxmlformats.org/drawingml/2006/compatibility" xmlns:p14="http://schemas.microsoft.com/office/powerpoint/2010/main" xmlns:p15="http://schemas.microsoft.com/office/powerpoint/2012/main">
+<p:sld xmlns:a="http://schemas.openxmlformats.org/drawingml/2006/main" xmlns:r="http://schemas.openxmlformats.org/officeDocument/2006/relationships" xmlns:p="http://schemas.openxmlformats.org/presentationml/2006/main">
   <p:cSld>
     <p:spTree>
       <p:nvGrpSpPr>
-        <p:cNvPr id="53" name="Shape 53"/>
+        <p:cNvPr id="1" name="Shape 53"/>
         <p:cNvGrpSpPr/>
         <p:nvPr/>
       </p:nvGrpSpPr>
@@ -6354,7 +6519,9 @@
       <p:sp>
         <p:nvSpPr>
           <p:cNvPr id="54" name="Google Shape;54;p13"/>
-          <p:cNvSpPr txBox="1"/>
+          <p:cNvSpPr txBox="1">
+            <a:spLocks noGrp="1"/>
+          </p:cNvSpPr>
           <p:nvPr>
             <p:ph type="ctrTitle"/>
           </p:nvPr>
@@ -6369,12 +6536,12 @@
           </a:prstGeom>
         </p:spPr>
         <p:txBody>
-          <a:bodyPr anchorCtr="0" anchor="b" bIns="91425" lIns="91425" spcFirstLastPara="1" rIns="91425" wrap="square" tIns="91425">
+          <a:bodyPr spcFirstLastPara="1" wrap="square" lIns="91425" tIns="91425" rIns="91425" bIns="91425" anchor="b" anchorCtr="0">
             <a:noAutofit/>
           </a:bodyPr>
           <a:lstStyle/>
           <a:p>
-            <a:pPr indent="0" lvl="0" marL="0" rtl="0" algn="ctr">
+            <a:pPr marL="0" lvl="0" indent="0" algn="ctr" rtl="0">
               <a:spcBef>
                 <a:spcPts val="0"/>
               </a:spcBef>
@@ -6394,9 +6561,11 @@
       <p:sp>
         <p:nvSpPr>
           <p:cNvPr id="55" name="Google Shape;55;p13"/>
-          <p:cNvSpPr txBox="1"/>
+          <p:cNvSpPr txBox="1">
+            <a:spLocks noGrp="1"/>
+          </p:cNvSpPr>
           <p:nvPr>
-            <p:ph idx="1" type="subTitle"/>
+            <p:ph type="subTitle" idx="1"/>
           </p:nvPr>
         </p:nvSpPr>
         <p:spPr>
@@ -6409,12 +6578,12 @@
           </a:prstGeom>
         </p:spPr>
         <p:txBody>
-          <a:bodyPr anchorCtr="0" anchor="t" bIns="91425" lIns="91425" spcFirstLastPara="1" rIns="91425" wrap="square" tIns="91425">
+          <a:bodyPr spcFirstLastPara="1" wrap="square" lIns="91425" tIns="91425" rIns="91425" bIns="91425" anchor="t" anchorCtr="0">
             <a:noAutofit/>
           </a:bodyPr>
           <a:lstStyle/>
           <a:p>
-            <a:pPr indent="0" lvl="0" marL="0" rtl="0" algn="ctr">
+            <a:pPr marL="0" lvl="0" indent="0" algn="ctr" rtl="0">
               <a:spcBef>
                 <a:spcPts val="0"/>
               </a:spcBef>
@@ -6424,13 +6593,13 @@
               <a:buNone/>
             </a:pPr>
             <a:r>
-              <a:rPr lang="en"/>
-              <a:t>Name</a:t>
+              <a:rPr lang="en-US" dirty="0" smtClean="0"/>
+              <a:t>Jie Lyu</a:t>
             </a:r>
-            <a:endParaRPr/>
-          </a:p>
-          <a:p>
-            <a:pPr indent="0" lvl="0" marL="0" rtl="0" algn="ctr">
+            <a:endParaRPr dirty="0"/>
+          </a:p>
+          <a:p>
+            <a:pPr marL="0" lvl="0" indent="0" algn="ctr" rtl="0">
               <a:spcBef>
                 <a:spcPts val="0"/>
               </a:spcBef>
@@ -6440,13 +6609,13 @@
               <a:buNone/>
             </a:pPr>
             <a:r>
-              <a:rPr lang="en"/>
-              <a:t>GT Email</a:t>
+              <a:rPr lang="en-US" dirty="0" smtClean="0"/>
+              <a:t>jlyu31</a:t>
             </a:r>
-            <a:endParaRPr/>
-          </a:p>
-          <a:p>
-            <a:pPr indent="0" lvl="0" marL="0" rtl="0" algn="ctr">
+            <a:endParaRPr dirty="0"/>
+          </a:p>
+          <a:p>
+            <a:pPr marL="0" lvl="0" indent="0" algn="ctr" rtl="0">
               <a:spcBef>
                 <a:spcPts val="0"/>
               </a:spcBef>
@@ -6456,13 +6625,13 @@
               <a:buNone/>
             </a:pPr>
             <a:r>
-              <a:rPr lang="en"/>
-              <a:t>GT ID</a:t>
+              <a:rPr lang="en-US" dirty="0" smtClean="0"/>
+              <a:t>903329676</a:t>
             </a:r>
-            <a:endParaRPr/>
-          </a:p>
-          <a:p>
-            <a:pPr indent="0" lvl="0" marL="0" rtl="0" algn="ctr">
+            <a:endParaRPr dirty="0"/>
+          </a:p>
+          <a:p>
+            <a:pPr marL="0" lvl="0" indent="0" algn="ctr" rtl="0">
               <a:spcBef>
                 <a:spcPts val="0"/>
               </a:spcBef>
@@ -6471,10 +6640,7 @@
               </a:spcAft>
               <a:buNone/>
             </a:pPr>
-            <a:r>
-              <a:t/>
-            </a:r>
-            <a:endParaRPr/>
+            <a:endParaRPr dirty="0"/>
           </a:p>
         </p:txBody>
       </p:sp>
@@ -6487,11 +6653,11 @@
 </file>
 
 <file path=ppt/slides/slide10.xml><?xml version="1.0" encoding="utf-8"?>
-<p:sld xmlns:a="http://schemas.openxmlformats.org/drawingml/2006/main" xmlns:r="http://schemas.openxmlformats.org/officeDocument/2006/relationships" xmlns:mc="http://schemas.openxmlformats.org/markup-compatibility/2006" xmlns:mv="urn:schemas-microsoft-com:mac:vml" xmlns:p="http://schemas.openxmlformats.org/presentationml/2006/main" xmlns:c="http://schemas.openxmlformats.org/drawingml/2006/chart" xmlns:dgm="http://schemas.openxmlformats.org/drawingml/2006/diagram" xmlns:o="urn:schemas-microsoft-com:office:office" xmlns:v="urn:schemas-microsoft-com:vml" xmlns:pvml="urn:schemas-microsoft-com:office:powerpoint" xmlns:com="http://schemas.openxmlformats.org/drawingml/2006/compatibility" xmlns:p14="http://schemas.microsoft.com/office/powerpoint/2010/main" xmlns:p15="http://schemas.microsoft.com/office/powerpoint/2012/main">
+<p:sld xmlns:a="http://schemas.openxmlformats.org/drawingml/2006/main" xmlns:r="http://schemas.openxmlformats.org/officeDocument/2006/relationships" xmlns:p="http://schemas.openxmlformats.org/presentationml/2006/main">
   <p:cSld>
     <p:spTree>
       <p:nvGrpSpPr>
-        <p:cNvPr id="108" name="Shape 108"/>
+        <p:cNvPr id="1" name="Shape 108"/>
         <p:cNvGrpSpPr/>
         <p:nvPr/>
       </p:nvGrpSpPr>
@@ -6506,7 +6672,9 @@
       <p:sp>
         <p:nvSpPr>
           <p:cNvPr id="109" name="Google Shape;109;p22"/>
-          <p:cNvSpPr txBox="1"/>
+          <p:cNvSpPr txBox="1">
+            <a:spLocks noGrp="1"/>
+          </p:cNvSpPr>
           <p:nvPr>
             <p:ph type="title"/>
           </p:nvPr>
@@ -6521,12 +6689,12 @@
           </a:prstGeom>
         </p:spPr>
         <p:txBody>
-          <a:bodyPr anchorCtr="0" anchor="t" bIns="91425" lIns="91425" spcFirstLastPara="1" rIns="91425" wrap="square" tIns="91425">
+          <a:bodyPr spcFirstLastPara="1" wrap="square" lIns="91425" tIns="91425" rIns="91425" bIns="91425" anchor="t" anchorCtr="0">
             <a:noAutofit/>
           </a:bodyPr>
           <a:lstStyle/>
           <a:p>
-            <a:pPr indent="0" lvl="0" marL="0" rtl="0" algn="l">
+            <a:pPr marL="0" lvl="0" indent="0" algn="l" rtl="0">
               <a:spcBef>
                 <a:spcPts val="0"/>
               </a:spcBef>
@@ -6546,9 +6714,11 @@
       <p:sp>
         <p:nvSpPr>
           <p:cNvPr id="110" name="Google Shape;110;p22"/>
-          <p:cNvSpPr txBox="1"/>
+          <p:cNvSpPr txBox="1">
+            <a:spLocks noGrp="1"/>
+          </p:cNvSpPr>
           <p:nvPr>
-            <p:ph idx="1" type="body"/>
+            <p:ph type="body" idx="1"/>
           </p:nvPr>
         </p:nvSpPr>
         <p:spPr>
@@ -6561,12 +6731,12 @@
           </a:prstGeom>
         </p:spPr>
         <p:txBody>
-          <a:bodyPr anchorCtr="0" anchor="t" bIns="91425" lIns="91425" spcFirstLastPara="1" rIns="91425" wrap="square" tIns="91425">
+          <a:bodyPr spcFirstLastPara="1" wrap="square" lIns="91425" tIns="91425" rIns="91425" bIns="91425" anchor="t" anchorCtr="0">
             <a:noAutofit/>
           </a:bodyPr>
           <a:lstStyle/>
           <a:p>
-            <a:pPr indent="0" lvl="0" marL="0" rtl="0" algn="l">
+            <a:pPr marL="0" lvl="0" indent="0" algn="l" rtl="0">
               <a:spcBef>
                 <a:spcPts val="0"/>
               </a:spcBef>
@@ -6592,11 +6762,11 @@
 </file>
 
 <file path=ppt/slides/slide2.xml><?xml version="1.0" encoding="utf-8"?>
-<p:sld xmlns:a="http://schemas.openxmlformats.org/drawingml/2006/main" xmlns:r="http://schemas.openxmlformats.org/officeDocument/2006/relationships" xmlns:mc="http://schemas.openxmlformats.org/markup-compatibility/2006" xmlns:mv="urn:schemas-microsoft-com:mac:vml" xmlns:p="http://schemas.openxmlformats.org/presentationml/2006/main" xmlns:c="http://schemas.openxmlformats.org/drawingml/2006/chart" xmlns:dgm="http://schemas.openxmlformats.org/drawingml/2006/diagram" xmlns:o="urn:schemas-microsoft-com:office:office" xmlns:v="urn:schemas-microsoft-com:vml" xmlns:pvml="urn:schemas-microsoft-com:office:powerpoint" xmlns:com="http://schemas.openxmlformats.org/drawingml/2006/compatibility" xmlns:p14="http://schemas.microsoft.com/office/powerpoint/2010/main" xmlns:p15="http://schemas.microsoft.com/office/powerpoint/2012/main">
+<p:sld xmlns:a="http://schemas.openxmlformats.org/drawingml/2006/main" xmlns:r="http://schemas.openxmlformats.org/officeDocument/2006/relationships" xmlns:p="http://schemas.openxmlformats.org/presentationml/2006/main">
   <p:cSld>
     <p:spTree>
       <p:nvGrpSpPr>
-        <p:cNvPr id="59" name="Shape 59"/>
+        <p:cNvPr id="1" name="Shape 59"/>
         <p:cNvGrpSpPr/>
         <p:nvPr/>
       </p:nvGrpSpPr>
@@ -6611,9 +6781,11 @@
       <p:sp>
         <p:nvSpPr>
           <p:cNvPr id="60" name="Google Shape;60;p14"/>
-          <p:cNvSpPr txBox="1"/>
+          <p:cNvSpPr txBox="1">
+            <a:spLocks noGrp="1"/>
+          </p:cNvSpPr>
           <p:nvPr>
-            <p:ph idx="1" type="body"/>
+            <p:ph type="body" idx="1"/>
           </p:nvPr>
         </p:nvSpPr>
         <p:spPr>
@@ -6626,12 +6798,12 @@
           </a:prstGeom>
         </p:spPr>
         <p:txBody>
-          <a:bodyPr anchorCtr="0" anchor="t" bIns="91425" lIns="91425" spcFirstLastPara="1" rIns="91425" wrap="square" tIns="91425">
+          <a:bodyPr spcFirstLastPara="1" wrap="square" lIns="91425" tIns="91425" rIns="91425" bIns="91425" anchor="t" anchorCtr="0">
             <a:noAutofit/>
           </a:bodyPr>
           <a:lstStyle/>
           <a:p>
-            <a:pPr indent="0" lvl="0" marL="0" rtl="0" algn="l">
+            <a:pPr marL="0" lvl="0" indent="0" algn="l" rtl="0">
               <a:spcBef>
                 <a:spcPts val="0"/>
               </a:spcBef>
@@ -6641,29 +6813,63 @@
               <a:buNone/>
             </a:pPr>
             <a:r>
-              <a:rPr b="1" lang="en"/>
-              <a:t>Part 1: Your confusion matrix, together with the accuracy for Part 1 with the standard param set (image_size = 16, k = 3)</a:t>
+              <a:rPr lang="en" b="1" dirty="0"/>
+              <a:t>Part 1: Your confusion matrix, together with the accuracy for Part 1 with the standard </a:t>
             </a:r>
-            <a:endParaRPr b="1"/>
-          </a:p>
-          <a:p>
-            <a:pPr indent="0" lvl="0" marL="0" rtl="0" algn="l">
-              <a:spcBef>
-                <a:spcPts val="1600"/>
-              </a:spcBef>
-              <a:spcAft>
-                <a:spcPts val="1600"/>
-              </a:spcAft>
-              <a:buNone/>
-            </a:pPr>
             <a:r>
-              <a:rPr lang="en"/>
-              <a:t>&lt;Screenshot here&gt;</a:t>
+              <a:rPr lang="en" b="1" dirty="0" err="1"/>
+              <a:t>param</a:t>
             </a:r>
-            <a:endParaRPr/>
+            <a:r>
+              <a:rPr lang="en" b="1" dirty="0"/>
+              <a:t> set (</a:t>
+            </a:r>
+            <a:r>
+              <a:rPr lang="en" b="1" dirty="0" err="1"/>
+              <a:t>image_size</a:t>
+            </a:r>
+            <a:r>
+              <a:rPr lang="en" b="1" dirty="0"/>
+              <a:t> = 16, k = 3</a:t>
+            </a:r>
+            <a:r>
+              <a:rPr lang="en" b="1" dirty="0" smtClean="0"/>
+              <a:t>)</a:t>
+            </a:r>
+            <a:endParaRPr b="1" dirty="0"/>
           </a:p>
         </p:txBody>
       </p:sp>
+      <p:pic>
+        <p:nvPicPr>
+          <p:cNvPr id="2" name="Picture 1"/>
+          <p:cNvPicPr>
+            <a:picLocks noChangeAspect="1"/>
+          </p:cNvPicPr>
+          <p:nvPr/>
+        </p:nvPicPr>
+        <p:blipFill>
+          <a:blip r:embed="rId3">
+            <a:extLst>
+              <a:ext uri="{28A0092B-C50C-407E-A947-70E740481C1C}">
+                <a14:useLocalDpi xmlns:a14="http://schemas.microsoft.com/office/drawing/2010/main" val="0"/>
+              </a:ext>
+            </a:extLst>
+          </a:blip>
+          <a:stretch>
+            <a:fillRect/>
+          </a:stretch>
+        </p:blipFill>
+        <p:spPr>
+          <a:xfrm>
+            <a:off x="2403513" y="1275347"/>
+            <a:ext cx="4169873" cy="3457074"/>
+          </a:xfrm>
+          <a:prstGeom prst="rect">
+            <a:avLst/>
+          </a:prstGeom>
+        </p:spPr>
+      </p:pic>
     </p:spTree>
   </p:cSld>
   <p:clrMapOvr>
@@ -6673,11 +6879,11 @@
 </file>
 
 <file path=ppt/slides/slide3.xml><?xml version="1.0" encoding="utf-8"?>
-<p:sld xmlns:a="http://schemas.openxmlformats.org/drawingml/2006/main" xmlns:r="http://schemas.openxmlformats.org/officeDocument/2006/relationships" xmlns:mc="http://schemas.openxmlformats.org/markup-compatibility/2006" xmlns:mv="urn:schemas-microsoft-com:mac:vml" xmlns:p="http://schemas.openxmlformats.org/presentationml/2006/main" xmlns:c="http://schemas.openxmlformats.org/drawingml/2006/chart" xmlns:dgm="http://schemas.openxmlformats.org/drawingml/2006/diagram" xmlns:o="urn:schemas-microsoft-com:office:office" xmlns:v="urn:schemas-microsoft-com:vml" xmlns:pvml="urn:schemas-microsoft-com:office:powerpoint" xmlns:com="http://schemas.openxmlformats.org/drawingml/2006/compatibility" xmlns:p14="http://schemas.microsoft.com/office/powerpoint/2010/main" xmlns:p15="http://schemas.microsoft.com/office/powerpoint/2012/main">
+<p:sld xmlns:a="http://schemas.openxmlformats.org/drawingml/2006/main" xmlns:r="http://schemas.openxmlformats.org/officeDocument/2006/relationships" xmlns:p="http://schemas.openxmlformats.org/presentationml/2006/main">
   <p:cSld>
     <p:spTree>
       <p:nvGrpSpPr>
-        <p:cNvPr id="64" name="Shape 64"/>
+        <p:cNvPr id="1" name="Shape 64"/>
         <p:cNvGrpSpPr/>
         <p:nvPr/>
       </p:nvGrpSpPr>
@@ -6692,9 +6898,11 @@
       <p:sp>
         <p:nvSpPr>
           <p:cNvPr id="65" name="Google Shape;65;p15"/>
-          <p:cNvSpPr txBox="1"/>
+          <p:cNvSpPr txBox="1">
+            <a:spLocks noGrp="1"/>
+          </p:cNvSpPr>
           <p:nvPr>
-            <p:ph idx="1" type="body"/>
+            <p:ph type="body" idx="1"/>
           </p:nvPr>
         </p:nvSpPr>
         <p:spPr>
@@ -6707,12 +6915,12 @@
           </a:prstGeom>
         </p:spPr>
         <p:txBody>
-          <a:bodyPr anchorCtr="0" anchor="t" bIns="91425" lIns="91425" spcFirstLastPara="1" rIns="91425" wrap="square" tIns="91425">
+          <a:bodyPr spcFirstLastPara="1" wrap="square" lIns="91425" tIns="91425" rIns="91425" bIns="91425" anchor="t" anchorCtr="0">
             <a:noAutofit/>
           </a:bodyPr>
           <a:lstStyle/>
           <a:p>
-            <a:pPr indent="0" lvl="0" marL="0" rtl="0" algn="l">
+            <a:pPr marL="0" lvl="0" indent="0" algn="l" rtl="0">
               <a:spcBef>
                 <a:spcPts val="0"/>
               </a:spcBef>
@@ -6722,13 +6930,13 @@
               <a:buNone/>
             </a:pPr>
             <a:r>
-              <a:rPr b="1" lang="en"/>
+              <a:rPr lang="en" b="1"/>
               <a:t>Part 1: Experiments: change image size and k individually using the following values, and report the accuracy (when tuning one param, keep the other as the standard (16 x 16, 3)):</a:t>
             </a:r>
             <a:endParaRPr b="1"/>
           </a:p>
           <a:p>
-            <a:pPr indent="0" lvl="0" marL="0" rtl="0" algn="l">
+            <a:pPr marL="0" lvl="0" indent="0" algn="l" rtl="0">
               <a:spcBef>
                 <a:spcPts val="1600"/>
               </a:spcBef>
@@ -6738,13 +6946,13 @@
               <a:buNone/>
             </a:pPr>
             <a:r>
-              <a:rPr b="1" lang="en"/>
+              <a:rPr lang="en" b="1"/>
               <a:t>ie. when you’re tuning image size, keep k at 3, when changing k, keep image size as 16x16</a:t>
             </a:r>
             <a:endParaRPr b="1"/>
           </a:p>
           <a:p>
-            <a:pPr indent="0" lvl="0" marL="0" rtl="0" algn="l">
+            <a:pPr marL="0" lvl="0" indent="0" algn="l" rtl="0">
               <a:spcBef>
                 <a:spcPts val="1600"/>
               </a:spcBef>
@@ -6753,9 +6961,6 @@
               </a:spcAft>
               <a:buNone/>
             </a:pPr>
-            <a:r>
-              <a:t/>
-            </a:r>
             <a:endParaRPr/>
           </a:p>
         </p:txBody>
@@ -6780,12 +6985,12 @@
           </a:ln>
         </p:spPr>
         <p:txBody>
-          <a:bodyPr anchorCtr="0" anchor="t" bIns="91425" lIns="91425" spcFirstLastPara="1" rIns="91425" wrap="square" tIns="91425">
+          <a:bodyPr spcFirstLastPara="1" wrap="square" lIns="91425" tIns="91425" rIns="91425" bIns="91425" anchor="t" anchorCtr="0">
             <a:noAutofit/>
           </a:bodyPr>
           <a:lstStyle/>
           <a:p>
-            <a:pPr indent="0" lvl="0" marL="0" rtl="0" algn="l">
+            <a:pPr marL="0" lvl="0" indent="0" algn="l" rtl="0">
               <a:spcBef>
                 <a:spcPts val="0"/>
               </a:spcBef>
@@ -6795,21 +7000,21 @@
               <a:buNone/>
             </a:pPr>
             <a:r>
-              <a:rPr lang="en">
+              <a:rPr lang="en" dirty="0">
                 <a:solidFill>
                   <a:schemeClr val="dk2"/>
                 </a:solidFill>
               </a:rPr>
               <a:t>image size:</a:t>
             </a:r>
-            <a:endParaRPr>
+            <a:endParaRPr dirty="0">
               <a:solidFill>
                 <a:schemeClr val="dk2"/>
               </a:solidFill>
             </a:endParaRPr>
           </a:p>
           <a:p>
-            <a:pPr indent="0" lvl="0" marL="0" rtl="0" algn="l">
+            <a:pPr marL="0" lvl="0" indent="0" algn="l" rtl="0">
               <a:spcBef>
                 <a:spcPts val="0"/>
               </a:spcBef>
@@ -6818,17 +7023,14 @@
               </a:spcAft>
               <a:buNone/>
             </a:pPr>
-            <a:r>
-              <a:t/>
-            </a:r>
-            <a:endParaRPr>
+            <a:endParaRPr dirty="0">
               <a:solidFill>
                 <a:schemeClr val="dk2"/>
               </a:solidFill>
             </a:endParaRPr>
           </a:p>
           <a:p>
-            <a:pPr indent="0" lvl="0" marL="0" rtl="0" algn="l">
+            <a:pPr marL="0" lvl="0" indent="0" algn="l" rtl="0">
               <a:spcBef>
                 <a:spcPts val="0"/>
               </a:spcBef>
@@ -6837,17 +7039,14 @@
               </a:spcAft>
               <a:buNone/>
             </a:pPr>
-            <a:r>
-              <a:t/>
-            </a:r>
-            <a:endParaRPr>
+            <a:endParaRPr dirty="0">
               <a:solidFill>
                 <a:schemeClr val="dk2"/>
               </a:solidFill>
             </a:endParaRPr>
           </a:p>
           <a:p>
-            <a:pPr indent="0" lvl="0" marL="0" rtl="0" algn="l">
+            <a:pPr marL="0" lvl="0" indent="0" algn="l" rtl="0">
               <a:spcBef>
                 <a:spcPts val="0"/>
               </a:spcBef>
@@ -6857,21 +7056,21 @@
               <a:buNone/>
             </a:pPr>
             <a:r>
-              <a:rPr lang="en">
+              <a:rPr lang="en" dirty="0">
                 <a:solidFill>
                   <a:schemeClr val="dk2"/>
                 </a:solidFill>
               </a:rPr>
               <a:t>8 x 8:</a:t>
             </a:r>
-            <a:endParaRPr>
+            <a:endParaRPr dirty="0">
               <a:solidFill>
                 <a:schemeClr val="dk2"/>
               </a:solidFill>
             </a:endParaRPr>
           </a:p>
           <a:p>
-            <a:pPr indent="0" lvl="0" marL="0" rtl="0" algn="l">
+            <a:pPr marL="0" lvl="0" indent="0" algn="l" rtl="0">
               <a:spcBef>
                 <a:spcPts val="0"/>
               </a:spcBef>
@@ -6880,17 +7079,14 @@
               </a:spcAft>
               <a:buNone/>
             </a:pPr>
-            <a:r>
-              <a:t/>
-            </a:r>
-            <a:endParaRPr>
+            <a:endParaRPr dirty="0">
               <a:solidFill>
                 <a:schemeClr val="dk2"/>
               </a:solidFill>
             </a:endParaRPr>
           </a:p>
           <a:p>
-            <a:pPr indent="0" lvl="0" marL="0" rtl="0" algn="l">
+            <a:pPr marL="0" lvl="0" indent="0" algn="l" rtl="0">
               <a:spcBef>
                 <a:spcPts val="0"/>
               </a:spcBef>
@@ -6900,21 +7096,37 @@
               <a:buNone/>
             </a:pPr>
             <a:r>
-              <a:rPr lang="en">
+              <a:rPr lang="en" dirty="0">
                 <a:solidFill>
                   <a:schemeClr val="dk2"/>
                 </a:solidFill>
               </a:rPr>
-              <a:t>16 x 16:</a:t>
+              <a:t>16 x 16</a:t>
             </a:r>
-            <a:endParaRPr>
+            <a:r>
+              <a:rPr lang="en" dirty="0" smtClean="0">
+                <a:solidFill>
+                  <a:schemeClr val="dk2"/>
+                </a:solidFill>
+              </a:rPr>
+              <a:t>:</a:t>
+            </a:r>
+            <a:r>
+              <a:rPr lang="en-US" dirty="0" smtClean="0">
+                <a:solidFill>
+                  <a:schemeClr val="dk2"/>
+                </a:solidFill>
+              </a:rPr>
+              <a:t> 16.33%</a:t>
+            </a:r>
+            <a:endParaRPr dirty="0">
               <a:solidFill>
                 <a:schemeClr val="dk2"/>
               </a:solidFill>
             </a:endParaRPr>
           </a:p>
           <a:p>
-            <a:pPr indent="0" lvl="0" marL="0" rtl="0" algn="l">
+            <a:pPr marL="0" lvl="0" indent="0" algn="l" rtl="0">
               <a:spcBef>
                 <a:spcPts val="0"/>
               </a:spcBef>
@@ -6923,17 +7135,14 @@
               </a:spcAft>
               <a:buNone/>
             </a:pPr>
-            <a:r>
-              <a:t/>
-            </a:r>
-            <a:endParaRPr>
+            <a:endParaRPr dirty="0">
               <a:solidFill>
                 <a:schemeClr val="dk2"/>
               </a:solidFill>
             </a:endParaRPr>
           </a:p>
           <a:p>
-            <a:pPr indent="0" lvl="0" marL="0" rtl="0" algn="l">
+            <a:pPr marL="0" lvl="0" indent="0" algn="l" rtl="0">
               <a:spcBef>
                 <a:spcPts val="0"/>
               </a:spcBef>
@@ -6943,14 +7152,14 @@
               <a:buNone/>
             </a:pPr>
             <a:r>
-              <a:rPr lang="en">
+              <a:rPr lang="en" dirty="0">
                 <a:solidFill>
                   <a:schemeClr val="dk2"/>
                 </a:solidFill>
               </a:rPr>
               <a:t>32 x 32:</a:t>
             </a:r>
-            <a:endParaRPr>
+            <a:endParaRPr dirty="0">
               <a:solidFill>
                 <a:schemeClr val="dk2"/>
               </a:solidFill>
@@ -6978,12 +7187,12 @@
           </a:ln>
         </p:spPr>
         <p:txBody>
-          <a:bodyPr anchorCtr="0" anchor="t" bIns="91425" lIns="91425" spcFirstLastPara="1" rIns="91425" wrap="square" tIns="91425">
+          <a:bodyPr spcFirstLastPara="1" wrap="square" lIns="91425" tIns="91425" rIns="91425" bIns="91425" anchor="t" anchorCtr="0">
             <a:noAutofit/>
           </a:bodyPr>
           <a:lstStyle/>
           <a:p>
-            <a:pPr indent="0" lvl="0" marL="0" rtl="0" algn="l">
+            <a:pPr marL="0" lvl="0" indent="0" algn="l" rtl="0">
               <a:spcBef>
                 <a:spcPts val="0"/>
               </a:spcBef>
@@ -6993,29 +7202,93 @@
               <a:buNone/>
             </a:pPr>
             <a:r>
-              <a:rPr lang="en">
+              <a:rPr lang="en" dirty="0">
                 <a:solidFill>
                   <a:schemeClr val="dk2"/>
                 </a:solidFill>
               </a:rPr>
-              <a:t>k</a:t>
+              <a:t>k:</a:t>
+            </a:r>
+            <a:endParaRPr dirty="0">
+              <a:solidFill>
+                <a:schemeClr val="dk2"/>
+              </a:solidFill>
+            </a:endParaRPr>
+          </a:p>
+          <a:p>
+            <a:pPr marL="0" lvl="0" indent="0" algn="l" rtl="0">
+              <a:spcBef>
+                <a:spcPts val="0"/>
+              </a:spcBef>
+              <a:spcAft>
+                <a:spcPts val="0"/>
+              </a:spcAft>
+              <a:buNone/>
+            </a:pPr>
+            <a:endParaRPr dirty="0">
+              <a:solidFill>
+                <a:schemeClr val="dk2"/>
+              </a:solidFill>
+            </a:endParaRPr>
+          </a:p>
+          <a:p>
+            <a:pPr marL="0" lvl="0" indent="0" algn="l" rtl="0">
+              <a:spcBef>
+                <a:spcPts val="0"/>
+              </a:spcBef>
+              <a:spcAft>
+                <a:spcPts val="0"/>
+              </a:spcAft>
+              <a:buNone/>
+            </a:pPr>
+            <a:endParaRPr dirty="0">
+              <a:solidFill>
+                <a:schemeClr val="dk2"/>
+              </a:solidFill>
+            </a:endParaRPr>
+          </a:p>
+          <a:p>
+            <a:pPr marL="0" lvl="0" indent="0" algn="l" rtl="0">
+              <a:spcBef>
+                <a:spcPts val="0"/>
+              </a:spcBef>
+              <a:spcAft>
+                <a:spcPts val="0"/>
+              </a:spcAft>
+              <a:buNone/>
+            </a:pPr>
+            <a:r>
+              <a:rPr lang="en" dirty="0">
+                <a:solidFill>
+                  <a:schemeClr val="dk2"/>
+                </a:solidFill>
+              </a:rPr>
+              <a:t>1</a:t>
             </a:r>
             <a:r>
-              <a:rPr lang="en">
+              <a:rPr lang="en" dirty="0" smtClean="0">
                 <a:solidFill>
                   <a:schemeClr val="dk2"/>
                 </a:solidFill>
               </a:rPr>
               <a:t>:</a:t>
             </a:r>
-            <a:endParaRPr>
+            <a:r>
+              <a:rPr lang="en-US" dirty="0" smtClean="0">
+                <a:solidFill>
+                  <a:schemeClr val="dk2"/>
+                </a:solidFill>
+              </a:rPr>
+              <a:t> 19.40%</a:t>
+            </a:r>
+            <a:endParaRPr dirty="0">
               <a:solidFill>
                 <a:schemeClr val="dk2"/>
               </a:solidFill>
             </a:endParaRPr>
           </a:p>
           <a:p>
-            <a:pPr indent="0" lvl="0" marL="0" rtl="0" algn="l">
+            <a:pPr marL="0" lvl="0" indent="0" algn="l" rtl="0">
               <a:spcBef>
                 <a:spcPts val="0"/>
               </a:spcBef>
@@ -7024,17 +7297,14 @@
               </a:spcAft>
               <a:buNone/>
             </a:pPr>
-            <a:r>
-              <a:t/>
-            </a:r>
-            <a:endParaRPr>
+            <a:endParaRPr dirty="0">
               <a:solidFill>
                 <a:schemeClr val="dk2"/>
               </a:solidFill>
             </a:endParaRPr>
           </a:p>
           <a:p>
-            <a:pPr indent="0" lvl="0" marL="0" rtl="0" algn="l">
+            <a:pPr marL="0" lvl="0" indent="0" algn="l" rtl="0">
               <a:spcBef>
                 <a:spcPts val="0"/>
               </a:spcBef>
@@ -7044,16 +7314,53 @@
               <a:buNone/>
             </a:pPr>
             <a:r>
-              <a:t/>
+              <a:rPr lang="en" dirty="0">
+                <a:solidFill>
+                  <a:schemeClr val="dk2"/>
+                </a:solidFill>
+              </a:rPr>
+              <a:t>3</a:t>
             </a:r>
-            <a:endParaRPr>
+            <a:r>
+              <a:rPr lang="en" dirty="0" smtClean="0">
+                <a:solidFill>
+                  <a:schemeClr val="dk2"/>
+                </a:solidFill>
+              </a:rPr>
+              <a:t>:</a:t>
+            </a:r>
+            <a:r>
+              <a:rPr lang="en-US" dirty="0" smtClean="0">
+                <a:solidFill>
+                  <a:schemeClr val="dk2"/>
+                </a:solidFill>
+              </a:rPr>
+              <a:t> 16.33%</a:t>
+            </a:r>
+            <a:endParaRPr dirty="0">
               <a:solidFill>
                 <a:schemeClr val="dk2"/>
               </a:solidFill>
             </a:endParaRPr>
           </a:p>
           <a:p>
-            <a:pPr indent="0" lvl="0" marL="0" rtl="0" algn="l">
+            <a:pPr marL="0" lvl="0" indent="0" algn="l" rtl="0">
+              <a:spcBef>
+                <a:spcPts val="0"/>
+              </a:spcBef>
+              <a:spcAft>
+                <a:spcPts val="0"/>
+              </a:spcAft>
+              <a:buNone/>
+            </a:pPr>
+            <a:endParaRPr dirty="0">
+              <a:solidFill>
+                <a:schemeClr val="dk2"/>
+              </a:solidFill>
+            </a:endParaRPr>
+          </a:p>
+          <a:p>
+            <a:pPr marL="0" lvl="0" indent="0" algn="l" rtl="0">
               <a:spcBef>
                 <a:spcPts val="0"/>
               </a:spcBef>
@@ -7063,21 +7370,37 @@
               <a:buNone/>
             </a:pPr>
             <a:r>
-              <a:rPr lang="en">
+              <a:rPr lang="en" dirty="0">
                 <a:solidFill>
                   <a:schemeClr val="dk2"/>
                 </a:solidFill>
               </a:rPr>
-              <a:t>1:</a:t>
+              <a:t>5</a:t>
             </a:r>
-            <a:endParaRPr>
+            <a:r>
+              <a:rPr lang="en" dirty="0" smtClean="0">
+                <a:solidFill>
+                  <a:schemeClr val="dk2"/>
+                </a:solidFill>
+              </a:rPr>
+              <a:t>:</a:t>
+            </a:r>
+            <a:r>
+              <a:rPr lang="en-US" dirty="0" smtClean="0">
+                <a:solidFill>
+                  <a:schemeClr val="dk2"/>
+                </a:solidFill>
+              </a:rPr>
+              <a:t> 17.07%</a:t>
+            </a:r>
+            <a:endParaRPr dirty="0">
               <a:solidFill>
                 <a:schemeClr val="dk2"/>
               </a:solidFill>
             </a:endParaRPr>
           </a:p>
           <a:p>
-            <a:pPr indent="0" lvl="0" marL="0" rtl="0" algn="l">
+            <a:pPr marL="0" lvl="0" indent="0" algn="l" rtl="0">
               <a:spcBef>
                 <a:spcPts val="0"/>
               </a:spcBef>
@@ -7086,17 +7409,14 @@
               </a:spcAft>
               <a:buNone/>
             </a:pPr>
-            <a:r>
-              <a:t/>
-            </a:r>
-            <a:endParaRPr>
+            <a:endParaRPr dirty="0">
               <a:solidFill>
                 <a:schemeClr val="dk2"/>
               </a:solidFill>
             </a:endParaRPr>
           </a:p>
           <a:p>
-            <a:pPr indent="0" lvl="0" marL="0" rtl="0" algn="l">
+            <a:pPr marL="0" lvl="0" indent="0" algn="l" rtl="0">
               <a:spcBef>
                 <a:spcPts val="0"/>
               </a:spcBef>
@@ -7106,21 +7426,37 @@
               <a:buNone/>
             </a:pPr>
             <a:r>
-              <a:rPr lang="en">
+              <a:rPr lang="en" dirty="0">
                 <a:solidFill>
                   <a:schemeClr val="dk2"/>
                 </a:solidFill>
               </a:rPr>
-              <a:t>3:</a:t>
+              <a:t>10</a:t>
             </a:r>
-            <a:endParaRPr>
+            <a:r>
+              <a:rPr lang="en" dirty="0" smtClean="0">
+                <a:solidFill>
+                  <a:schemeClr val="dk2"/>
+                </a:solidFill>
+              </a:rPr>
+              <a:t>:</a:t>
+            </a:r>
+            <a:r>
+              <a:rPr lang="en-US" dirty="0" smtClean="0">
+                <a:solidFill>
+                  <a:schemeClr val="dk2"/>
+                </a:solidFill>
+              </a:rPr>
+              <a:t> 15.53%</a:t>
+            </a:r>
+            <a:endParaRPr dirty="0">
               <a:solidFill>
                 <a:schemeClr val="dk2"/>
               </a:solidFill>
             </a:endParaRPr>
           </a:p>
           <a:p>
-            <a:pPr indent="0" lvl="0" marL="0" rtl="0" algn="l">
+            <a:pPr marL="0" lvl="0" indent="0" algn="l" rtl="0">
               <a:spcBef>
                 <a:spcPts val="0"/>
               </a:spcBef>
@@ -7129,17 +7465,14 @@
               </a:spcAft>
               <a:buNone/>
             </a:pPr>
-            <a:r>
-              <a:t/>
-            </a:r>
-            <a:endParaRPr>
+            <a:endParaRPr dirty="0">
               <a:solidFill>
                 <a:schemeClr val="dk2"/>
               </a:solidFill>
             </a:endParaRPr>
           </a:p>
           <a:p>
-            <a:pPr indent="0" lvl="0" marL="0" rtl="0" algn="l">
+            <a:pPr marL="0" lvl="0" indent="0" algn="l" rtl="0">
               <a:spcBef>
                 <a:spcPts val="0"/>
               </a:spcBef>
@@ -7149,100 +7482,30 @@
               <a:buNone/>
             </a:pPr>
             <a:r>
-              <a:rPr lang="en">
+              <a:rPr lang="en" dirty="0">
                 <a:solidFill>
                   <a:schemeClr val="dk2"/>
                 </a:solidFill>
               </a:rPr>
-              <a:t>5:</a:t>
+              <a:t>15</a:t>
             </a:r>
-            <a:endParaRPr>
-              <a:solidFill>
-                <a:schemeClr val="dk2"/>
-              </a:solidFill>
-            </a:endParaRPr>
-          </a:p>
-          <a:p>
-            <a:pPr indent="0" lvl="0" marL="0" rtl="0" algn="l">
-              <a:spcBef>
-                <a:spcPts val="0"/>
-              </a:spcBef>
-              <a:spcAft>
-                <a:spcPts val="0"/>
-              </a:spcAft>
-              <a:buNone/>
-            </a:pPr>
             <a:r>
-              <a:t/>
-            </a:r>
-            <a:endParaRPr>
-              <a:solidFill>
-                <a:schemeClr val="dk2"/>
-              </a:solidFill>
-            </a:endParaRPr>
-          </a:p>
-          <a:p>
-            <a:pPr indent="0" lvl="0" marL="0" rtl="0" algn="l">
-              <a:spcBef>
-                <a:spcPts val="0"/>
-              </a:spcBef>
-              <a:spcAft>
-                <a:spcPts val="0"/>
-              </a:spcAft>
-              <a:buNone/>
-            </a:pPr>
-            <a:r>
-              <a:rPr lang="en">
+              <a:rPr lang="en" dirty="0" smtClean="0">
                 <a:solidFill>
                   <a:schemeClr val="dk2"/>
                 </a:solidFill>
               </a:rPr>
-              <a:t>10:</a:t>
+              <a:t>:</a:t>
             </a:r>
-            <a:endParaRPr>
-              <a:solidFill>
-                <a:schemeClr val="dk2"/>
-              </a:solidFill>
-            </a:endParaRPr>
-          </a:p>
-          <a:p>
-            <a:pPr indent="0" lvl="0" marL="0" rtl="0" algn="l">
-              <a:spcBef>
-                <a:spcPts val="0"/>
-              </a:spcBef>
-              <a:spcAft>
-                <a:spcPts val="0"/>
-              </a:spcAft>
-              <a:buNone/>
-            </a:pPr>
             <a:r>
-              <a:t/>
-            </a:r>
-            <a:endParaRPr>
-              <a:solidFill>
-                <a:schemeClr val="dk2"/>
-              </a:solidFill>
-            </a:endParaRPr>
-          </a:p>
-          <a:p>
-            <a:pPr indent="0" lvl="0" marL="0" rtl="0" algn="l">
-              <a:spcBef>
-                <a:spcPts val="0"/>
-              </a:spcBef>
-              <a:spcAft>
-                <a:spcPts val="0"/>
-              </a:spcAft>
-              <a:buNone/>
-            </a:pPr>
-            <a:r>
-              <a:rPr lang="en">
+              <a:rPr lang="en-US" dirty="0" smtClean="0">
                 <a:solidFill>
                   <a:schemeClr val="dk2"/>
                 </a:solidFill>
               </a:rPr>
-              <a:t>15:</a:t>
+              <a:t> 15.60%</a:t>
             </a:r>
-            <a:endParaRPr>
+            <a:endParaRPr dirty="0">
               <a:solidFill>
                 <a:schemeClr val="dk2"/>
               </a:solidFill>
@@ -7259,11 +7522,11 @@
 </file>
 
 <file path=ppt/slides/slide4.xml><?xml version="1.0" encoding="utf-8"?>
-<p:sld xmlns:a="http://schemas.openxmlformats.org/drawingml/2006/main" xmlns:r="http://schemas.openxmlformats.org/officeDocument/2006/relationships" xmlns:mc="http://schemas.openxmlformats.org/markup-compatibility/2006" xmlns:mv="urn:schemas-microsoft-com:mac:vml" xmlns:p="http://schemas.openxmlformats.org/presentationml/2006/main" xmlns:c="http://schemas.openxmlformats.org/drawingml/2006/chart" xmlns:dgm="http://schemas.openxmlformats.org/drawingml/2006/diagram" xmlns:o="urn:schemas-microsoft-com:office:office" xmlns:v="urn:schemas-microsoft-com:vml" xmlns:pvml="urn:schemas-microsoft-com:office:powerpoint" xmlns:com="http://schemas.openxmlformats.org/drawingml/2006/compatibility" xmlns:p14="http://schemas.microsoft.com/office/powerpoint/2010/main" xmlns:p15="http://schemas.microsoft.com/office/powerpoint/2012/main">
+<p:sld xmlns:a="http://schemas.openxmlformats.org/drawingml/2006/main" xmlns:r="http://schemas.openxmlformats.org/officeDocument/2006/relationships" xmlns:p="http://schemas.openxmlformats.org/presentationml/2006/main">
   <p:cSld>
     <p:spTree>
       <p:nvGrpSpPr>
-        <p:cNvPr id="71" name="Shape 71"/>
+        <p:cNvPr id="1" name="Shape 71"/>
         <p:cNvGrpSpPr/>
         <p:nvPr/>
       </p:nvGrpSpPr>
@@ -7278,9 +7541,11 @@
       <p:sp>
         <p:nvSpPr>
           <p:cNvPr id="72" name="Google Shape;72;p16"/>
-          <p:cNvSpPr txBox="1"/>
+          <p:cNvSpPr txBox="1">
+            <a:spLocks noGrp="1"/>
+          </p:cNvSpPr>
           <p:nvPr>
-            <p:ph idx="1" type="body"/>
+            <p:ph type="body" idx="1"/>
           </p:nvPr>
         </p:nvSpPr>
         <p:spPr>
@@ -7293,12 +7558,12 @@
           </a:prstGeom>
         </p:spPr>
         <p:txBody>
-          <a:bodyPr anchorCtr="0" anchor="t" bIns="91425" lIns="91425" spcFirstLastPara="1" rIns="91425" wrap="square" tIns="91425">
+          <a:bodyPr spcFirstLastPara="1" wrap="square" lIns="91425" tIns="91425" rIns="91425" bIns="91425" anchor="t" anchorCtr="0">
             <a:noAutofit/>
           </a:bodyPr>
           <a:lstStyle/>
           <a:p>
-            <a:pPr indent="0" lvl="0" marL="0" rtl="0" algn="l">
+            <a:pPr marL="0" lvl="0" indent="0" algn="l" rtl="0">
               <a:spcBef>
                 <a:spcPts val="0"/>
               </a:spcBef>
@@ -7308,21 +7573,21 @@
               <a:buNone/>
             </a:pPr>
             <a:r>
-              <a:rPr b="1" lang="en"/>
+              <a:rPr lang="en" b="1"/>
               <a:t>Part 1: Reflection: when tuning the parameters, what have you observed about the </a:t>
             </a:r>
             <a:r>
-              <a:rPr b="1" i="1" lang="en"/>
+              <a:rPr lang="en" b="1" i="1"/>
               <a:t>processing time and accuracy</a:t>
             </a:r>
             <a:r>
-              <a:rPr b="1" lang="en"/>
+              <a:rPr lang="en" b="1"/>
               <a:t>? What do you think might lead to this observation?</a:t>
             </a:r>
             <a:endParaRPr b="1"/>
           </a:p>
           <a:p>
-            <a:pPr indent="0" lvl="0" marL="0" rtl="0" algn="l">
+            <a:pPr marL="0" lvl="0" indent="0" algn="l" rtl="0">
               <a:spcBef>
                 <a:spcPts val="1600"/>
               </a:spcBef>
@@ -7348,11 +7613,11 @@
 </file>
 
 <file path=ppt/slides/slide5.xml><?xml version="1.0" encoding="utf-8"?>
-<p:sld xmlns:a="http://schemas.openxmlformats.org/drawingml/2006/main" xmlns:r="http://schemas.openxmlformats.org/officeDocument/2006/relationships" xmlns:mc="http://schemas.openxmlformats.org/markup-compatibility/2006" xmlns:mv="urn:schemas-microsoft-com:mac:vml" xmlns:p="http://schemas.openxmlformats.org/presentationml/2006/main" xmlns:c="http://schemas.openxmlformats.org/drawingml/2006/chart" xmlns:dgm="http://schemas.openxmlformats.org/drawingml/2006/diagram" xmlns:o="urn:schemas-microsoft-com:office:office" xmlns:v="urn:schemas-microsoft-com:vml" xmlns:pvml="urn:schemas-microsoft-com:office:powerpoint" xmlns:com="http://schemas.openxmlformats.org/drawingml/2006/compatibility" xmlns:p14="http://schemas.microsoft.com/office/powerpoint/2010/main" xmlns:p15="http://schemas.microsoft.com/office/powerpoint/2012/main">
+<p:sld xmlns:a="http://schemas.openxmlformats.org/drawingml/2006/main" xmlns:r="http://schemas.openxmlformats.org/officeDocument/2006/relationships" xmlns:p="http://schemas.openxmlformats.org/presentationml/2006/main">
   <p:cSld>
     <p:spTree>
       <p:nvGrpSpPr>
-        <p:cNvPr id="76" name="Shape 76"/>
+        <p:cNvPr id="1" name="Shape 76"/>
         <p:cNvGrpSpPr/>
         <p:nvPr/>
       </p:nvGrpSpPr>
@@ -7367,9 +7632,11 @@
       <p:sp>
         <p:nvSpPr>
           <p:cNvPr id="77" name="Google Shape;77;p17"/>
-          <p:cNvSpPr txBox="1"/>
+          <p:cNvSpPr txBox="1">
+            <a:spLocks noGrp="1"/>
+          </p:cNvSpPr>
           <p:nvPr>
-            <p:ph idx="1" type="body"/>
+            <p:ph type="body" idx="1"/>
           </p:nvPr>
         </p:nvSpPr>
         <p:spPr>
@@ -7382,12 +7649,12 @@
           </a:prstGeom>
         </p:spPr>
         <p:txBody>
-          <a:bodyPr anchorCtr="0" anchor="t" bIns="91425" lIns="91425" spcFirstLastPara="1" rIns="91425" wrap="square" tIns="91425">
+          <a:bodyPr spcFirstLastPara="1" wrap="square" lIns="91425" tIns="91425" rIns="91425" bIns="91425" anchor="t" anchorCtr="0">
             <a:noAutofit/>
           </a:bodyPr>
           <a:lstStyle/>
           <a:p>
-            <a:pPr indent="0" lvl="0" marL="0" rtl="0" algn="l">
+            <a:pPr marL="0" lvl="0" indent="0" algn="l" rtl="0">
               <a:spcBef>
                 <a:spcPts val="0"/>
               </a:spcBef>
@@ -7397,13 +7664,13 @@
               <a:buNone/>
             </a:pPr>
             <a:r>
-              <a:rPr b="1" lang="en"/>
+              <a:rPr lang="en" b="1"/>
               <a:t>Part 2: Your best confusion matrix, together with the accuracy for Part 2. Also report your param settings to get this result.</a:t>
             </a:r>
             <a:endParaRPr b="1"/>
           </a:p>
           <a:p>
-            <a:pPr indent="0" lvl="0" marL="0" rtl="0" algn="l">
+            <a:pPr marL="0" lvl="0" indent="0" algn="l" rtl="0">
               <a:spcBef>
                 <a:spcPts val="1600"/>
               </a:spcBef>
@@ -7440,12 +7707,12 @@
           </a:ln>
         </p:spPr>
         <p:txBody>
-          <a:bodyPr anchorCtr="0" anchor="t" bIns="91425" lIns="91425" spcFirstLastPara="1" rIns="91425" wrap="square" tIns="91425">
+          <a:bodyPr spcFirstLastPara="1" wrap="square" lIns="91425" tIns="91425" rIns="91425" bIns="91425" anchor="t" anchorCtr="0">
             <a:noAutofit/>
           </a:bodyPr>
           <a:lstStyle/>
           <a:p>
-            <a:pPr indent="0" lvl="0" marL="0" rtl="0" algn="l">
+            <a:pPr marL="0" lvl="0" indent="0" algn="l" rtl="0">
               <a:spcBef>
                 <a:spcPts val="0"/>
               </a:spcBef>
@@ -7469,7 +7736,7 @@
             </a:endParaRPr>
           </a:p>
           <a:p>
-            <a:pPr indent="0" lvl="0" marL="0" rtl="0" algn="l">
+            <a:pPr marL="0" lvl="0" indent="0" algn="l" rtl="0">
               <a:spcBef>
                 <a:spcPts val="0"/>
               </a:spcBef>
@@ -7478,9 +7745,6 @@
               </a:spcAft>
               <a:buNone/>
             </a:pPr>
-            <a:r>
-              <a:t/>
-            </a:r>
             <a:endParaRPr>
               <a:solidFill>
                 <a:schemeClr val="dk2"/>
@@ -7488,7 +7752,7 @@
             </a:endParaRPr>
           </a:p>
           <a:p>
-            <a:pPr indent="0" lvl="0" marL="0" rtl="0" algn="l">
+            <a:pPr marL="0" lvl="0" indent="0" algn="l" rtl="0">
               <a:spcBef>
                 <a:spcPts val="0"/>
               </a:spcBef>
@@ -7497,9 +7761,6 @@
               </a:spcAft>
               <a:buNone/>
             </a:pPr>
-            <a:r>
-              <a:t/>
-            </a:r>
             <a:endParaRPr>
               <a:solidFill>
                 <a:schemeClr val="dk2"/>
@@ -7507,7 +7768,7 @@
             </a:endParaRPr>
           </a:p>
           <a:p>
-            <a:pPr indent="0" lvl="0" marL="0" rtl="0" algn="l">
+            <a:pPr marL="0" lvl="0" indent="0" algn="l" rtl="0">
               <a:spcBef>
                 <a:spcPts val="0"/>
               </a:spcBef>
@@ -7531,7 +7792,7 @@
             </a:endParaRPr>
           </a:p>
           <a:p>
-            <a:pPr indent="0" lvl="0" marL="0" rtl="0" algn="l">
+            <a:pPr marL="0" lvl="0" indent="0" algn="l" rtl="0">
               <a:spcBef>
                 <a:spcPts val="0"/>
               </a:spcBef>
@@ -7540,9 +7801,6 @@
               </a:spcAft>
               <a:buNone/>
             </a:pPr>
-            <a:r>
-              <a:t/>
-            </a:r>
             <a:endParaRPr>
               <a:solidFill>
                 <a:schemeClr val="dk2"/>
@@ -7550,7 +7808,7 @@
             </a:endParaRPr>
           </a:p>
           <a:p>
-            <a:pPr indent="0" lvl="0" marL="0" rtl="0" algn="l">
+            <a:pPr marL="0" lvl="0" indent="0" algn="l" rtl="0">
               <a:spcBef>
                 <a:spcPts val="0"/>
               </a:spcBef>
@@ -7574,7 +7832,7 @@
             </a:endParaRPr>
           </a:p>
           <a:p>
-            <a:pPr indent="0" lvl="0" marL="0" rtl="0" algn="l">
+            <a:pPr marL="0" lvl="0" indent="0" algn="l" rtl="0">
               <a:spcBef>
                 <a:spcPts val="0"/>
               </a:spcBef>
@@ -7583,9 +7841,6 @@
               </a:spcAft>
               <a:buNone/>
             </a:pPr>
-            <a:r>
-              <a:t/>
-            </a:r>
             <a:endParaRPr>
               <a:solidFill>
                 <a:schemeClr val="dk2"/>
@@ -7593,7 +7848,7 @@
             </a:endParaRPr>
           </a:p>
           <a:p>
-            <a:pPr indent="0" lvl="0" marL="0" rtl="0" algn="l">
+            <a:pPr marL="0" lvl="0" indent="0" algn="l" rtl="0">
               <a:spcBef>
                 <a:spcPts val="0"/>
               </a:spcBef>
@@ -7617,7 +7872,7 @@
             </a:endParaRPr>
           </a:p>
           <a:p>
-            <a:pPr indent="0" lvl="0" marL="0" rtl="0" algn="l">
+            <a:pPr marL="0" lvl="0" indent="0" algn="l" rtl="0">
               <a:spcBef>
                 <a:spcPts val="0"/>
               </a:spcBef>
@@ -7626,9 +7881,6 @@
               </a:spcAft>
               <a:buNone/>
             </a:pPr>
-            <a:r>
-              <a:t/>
-            </a:r>
             <a:endParaRPr>
               <a:solidFill>
                 <a:schemeClr val="dk2"/>
@@ -7636,7 +7888,7 @@
             </a:endParaRPr>
           </a:p>
           <a:p>
-            <a:pPr indent="0" lvl="0" marL="0" rtl="0" algn="l">
+            <a:pPr marL="0" lvl="0" indent="0" algn="l" rtl="0">
               <a:spcBef>
                 <a:spcPts val="0"/>
               </a:spcBef>
@@ -7660,7 +7912,7 @@
             </a:endParaRPr>
           </a:p>
           <a:p>
-            <a:pPr indent="0" lvl="0" marL="0" rtl="0" algn="l">
+            <a:pPr marL="0" lvl="0" indent="0" algn="l" rtl="0">
               <a:spcBef>
                 <a:spcPts val="0"/>
               </a:spcBef>
@@ -7669,9 +7921,6 @@
               </a:spcAft>
               <a:buNone/>
             </a:pPr>
-            <a:r>
-              <a:t/>
-            </a:r>
             <a:endParaRPr>
               <a:solidFill>
                 <a:schemeClr val="dk2"/>
@@ -7679,7 +7928,7 @@
             </a:endParaRPr>
           </a:p>
           <a:p>
-            <a:pPr indent="0" lvl="0" marL="0" rtl="0" algn="l">
+            <a:pPr marL="0" lvl="0" indent="0" algn="l" rtl="0">
               <a:spcBef>
                 <a:spcPts val="0"/>
               </a:spcBef>
@@ -7713,11 +7962,11 @@
 </file>
 
 <file path=ppt/slides/slide6.xml><?xml version="1.0" encoding="utf-8"?>
-<p:sld xmlns:a="http://schemas.openxmlformats.org/drawingml/2006/main" xmlns:r="http://schemas.openxmlformats.org/officeDocument/2006/relationships" xmlns:mc="http://schemas.openxmlformats.org/markup-compatibility/2006" xmlns:mv="urn:schemas-microsoft-com:mac:vml" xmlns:p="http://schemas.openxmlformats.org/presentationml/2006/main" xmlns:c="http://schemas.openxmlformats.org/drawingml/2006/chart" xmlns:dgm="http://schemas.openxmlformats.org/drawingml/2006/diagram" xmlns:o="urn:schemas-microsoft-com:office:office" xmlns:v="urn:schemas-microsoft-com:vml" xmlns:pvml="urn:schemas-microsoft-com:office:powerpoint" xmlns:com="http://schemas.openxmlformats.org/drawingml/2006/compatibility" xmlns:p14="http://schemas.microsoft.com/office/powerpoint/2010/main" xmlns:p15="http://schemas.microsoft.com/office/powerpoint/2012/main">
+<p:sld xmlns:a="http://schemas.openxmlformats.org/drawingml/2006/main" xmlns:r="http://schemas.openxmlformats.org/officeDocument/2006/relationships" xmlns:p="http://schemas.openxmlformats.org/presentationml/2006/main">
   <p:cSld>
     <p:spTree>
       <p:nvGrpSpPr>
-        <p:cNvPr id="82" name="Shape 82"/>
+        <p:cNvPr id="1" name="Shape 82"/>
         <p:cNvGrpSpPr/>
         <p:nvPr/>
       </p:nvGrpSpPr>
@@ -7732,9 +7981,11 @@
       <p:sp>
         <p:nvSpPr>
           <p:cNvPr id="83" name="Google Shape;83;p18"/>
-          <p:cNvSpPr txBox="1"/>
+          <p:cNvSpPr txBox="1">
+            <a:spLocks noGrp="1"/>
+          </p:cNvSpPr>
           <p:nvPr>
-            <p:ph idx="1" type="body"/>
+            <p:ph type="body" idx="1"/>
           </p:nvPr>
         </p:nvSpPr>
         <p:spPr>
@@ -7747,12 +7998,12 @@
           </a:prstGeom>
         </p:spPr>
         <p:txBody>
-          <a:bodyPr anchorCtr="0" anchor="t" bIns="91425" lIns="91425" spcFirstLastPara="1" rIns="91425" wrap="square" tIns="91425">
+          <a:bodyPr spcFirstLastPara="1" wrap="square" lIns="91425" tIns="91425" rIns="91425" bIns="91425" anchor="t" anchorCtr="0">
             <a:noAutofit/>
           </a:bodyPr>
           <a:lstStyle/>
           <a:p>
-            <a:pPr indent="0" lvl="0" marL="0" rtl="0" algn="l">
+            <a:pPr marL="0" lvl="0" indent="0" algn="l" rtl="0">
               <a:spcBef>
                 <a:spcPts val="0"/>
               </a:spcBef>
@@ -7762,13 +8013,13 @@
               <a:buNone/>
             </a:pPr>
             <a:r>
-              <a:rPr b="1" lang="en"/>
+              <a:rPr lang="en" b="1"/>
               <a:t>Part 2: Reflection: when experimenting with the value k in kNN, what have you observed? Compare this performance difference with the k value experiment in Part 1, what can you tell from this?</a:t>
             </a:r>
             <a:endParaRPr b="1"/>
           </a:p>
           <a:p>
-            <a:pPr indent="0" lvl="0" marL="0" rtl="0" algn="l">
+            <a:pPr marL="0" lvl="0" indent="0" algn="l" rtl="0">
               <a:spcBef>
                 <a:spcPts val="1600"/>
               </a:spcBef>
@@ -7794,11 +8045,11 @@
 </file>
 
 <file path=ppt/slides/slide7.xml><?xml version="1.0" encoding="utf-8"?>
-<p:sld xmlns:a="http://schemas.openxmlformats.org/drawingml/2006/main" xmlns:r="http://schemas.openxmlformats.org/officeDocument/2006/relationships" xmlns:mc="http://schemas.openxmlformats.org/markup-compatibility/2006" xmlns:mv="urn:schemas-microsoft-com:mac:vml" xmlns:p="http://schemas.openxmlformats.org/presentationml/2006/main" xmlns:c="http://schemas.openxmlformats.org/drawingml/2006/chart" xmlns:dgm="http://schemas.openxmlformats.org/drawingml/2006/diagram" xmlns:o="urn:schemas-microsoft-com:office:office" xmlns:v="urn:schemas-microsoft-com:vml" xmlns:pvml="urn:schemas-microsoft-com:office:powerpoint" xmlns:com="http://schemas.openxmlformats.org/drawingml/2006/compatibility" xmlns:p14="http://schemas.microsoft.com/office/powerpoint/2010/main" xmlns:p15="http://schemas.microsoft.com/office/powerpoint/2012/main">
+<p:sld xmlns:a="http://schemas.openxmlformats.org/drawingml/2006/main" xmlns:r="http://schemas.openxmlformats.org/officeDocument/2006/relationships" xmlns:p="http://schemas.openxmlformats.org/presentationml/2006/main">
   <p:cSld>
     <p:spTree>
       <p:nvGrpSpPr>
-        <p:cNvPr id="87" name="Shape 87"/>
+        <p:cNvPr id="1" name="Shape 87"/>
         <p:cNvGrpSpPr/>
         <p:nvPr/>
       </p:nvGrpSpPr>
@@ -7813,7 +8064,9 @@
       <p:sp>
         <p:nvSpPr>
           <p:cNvPr id="88" name="Google Shape;88;p19"/>
-          <p:cNvSpPr txBox="1"/>
+          <p:cNvSpPr txBox="1">
+            <a:spLocks noGrp="1"/>
+          </p:cNvSpPr>
           <p:nvPr>
             <p:ph type="title"/>
           </p:nvPr>
@@ -7828,12 +8081,12 @@
           </a:prstGeom>
         </p:spPr>
         <p:txBody>
-          <a:bodyPr anchorCtr="0" anchor="t" bIns="91425" lIns="91425" spcFirstLastPara="1" rIns="91425" wrap="square" tIns="91425">
+          <a:bodyPr spcFirstLastPara="1" wrap="square" lIns="91425" tIns="91425" rIns="91425" bIns="91425" anchor="t" anchorCtr="0">
             <a:noAutofit/>
           </a:bodyPr>
           <a:lstStyle/>
           <a:p>
-            <a:pPr indent="0" lvl="0" marL="0" rtl="0" algn="l">
+            <a:pPr marL="0" lvl="0" indent="0" algn="l" rtl="0">
               <a:spcBef>
                 <a:spcPts val="0"/>
               </a:spcBef>
@@ -7853,9 +8106,11 @@
       <p:sp>
         <p:nvSpPr>
           <p:cNvPr id="89" name="Google Shape;89;p19"/>
-          <p:cNvSpPr txBox="1"/>
+          <p:cNvSpPr txBox="1">
+            <a:spLocks noGrp="1"/>
+          </p:cNvSpPr>
           <p:nvPr>
-            <p:ph idx="1" type="body"/>
+            <p:ph type="body" idx="1"/>
           </p:nvPr>
         </p:nvSpPr>
         <p:spPr>
@@ -7868,12 +8123,12 @@
           </a:prstGeom>
         </p:spPr>
         <p:txBody>
-          <a:bodyPr anchorCtr="0" anchor="t" bIns="91425" lIns="91425" spcFirstLastPara="1" rIns="91425" wrap="square" tIns="91425">
+          <a:bodyPr spcFirstLastPara="1" wrap="square" lIns="91425" tIns="91425" rIns="91425" bIns="91425" anchor="t" anchorCtr="0">
             <a:noAutofit/>
           </a:bodyPr>
           <a:lstStyle/>
           <a:p>
-            <a:pPr indent="0" lvl="0" marL="0" rtl="0" algn="l">
+            <a:pPr marL="0" lvl="0" indent="0" algn="l" rtl="0">
               <a:spcBef>
                 <a:spcPts val="0"/>
               </a:spcBef>
@@ -7893,9 +8148,11 @@
       <p:sp>
         <p:nvSpPr>
           <p:cNvPr id="90" name="Google Shape;90;p19"/>
-          <p:cNvSpPr txBox="1"/>
+          <p:cNvSpPr txBox="1">
+            <a:spLocks noGrp="1"/>
+          </p:cNvSpPr>
           <p:nvPr>
-            <p:ph idx="2" type="body"/>
+            <p:ph type="body" idx="2"/>
           </p:nvPr>
         </p:nvSpPr>
         <p:spPr>
@@ -7908,12 +8165,12 @@
           </a:prstGeom>
         </p:spPr>
         <p:txBody>
-          <a:bodyPr anchorCtr="0" anchor="t" bIns="91425" lIns="91425" spcFirstLastPara="1" rIns="91425" wrap="square" tIns="91425">
+          <a:bodyPr spcFirstLastPara="1" wrap="square" lIns="91425" tIns="91425" rIns="91425" bIns="91425" anchor="t" anchorCtr="0">
             <a:noAutofit/>
           </a:bodyPr>
           <a:lstStyle/>
           <a:p>
-            <a:pPr indent="0" lvl="0" marL="0" rtl="0" algn="l">
+            <a:pPr marL="0" lvl="0" indent="0" algn="l" rtl="0">
               <a:spcBef>
                 <a:spcPts val="0"/>
               </a:spcBef>
@@ -7939,11 +8196,11 @@
 </file>
 
 <file path=ppt/slides/slide8.xml><?xml version="1.0" encoding="utf-8"?>
-<p:sld xmlns:a="http://schemas.openxmlformats.org/drawingml/2006/main" xmlns:r="http://schemas.openxmlformats.org/officeDocument/2006/relationships" xmlns:mc="http://schemas.openxmlformats.org/markup-compatibility/2006" xmlns:mv="urn:schemas-microsoft-com:mac:vml" xmlns:p="http://schemas.openxmlformats.org/presentationml/2006/main" xmlns:c="http://schemas.openxmlformats.org/drawingml/2006/chart" xmlns:dgm="http://schemas.openxmlformats.org/drawingml/2006/diagram" xmlns:o="urn:schemas-microsoft-com:office:office" xmlns:v="urn:schemas-microsoft-com:vml" xmlns:pvml="urn:schemas-microsoft-com:office:powerpoint" xmlns:com="http://schemas.openxmlformats.org/drawingml/2006/compatibility" xmlns:p14="http://schemas.microsoft.com/office/powerpoint/2010/main" xmlns:p15="http://schemas.microsoft.com/office/powerpoint/2012/main">
+<p:sld xmlns:a="http://schemas.openxmlformats.org/drawingml/2006/main" xmlns:r="http://schemas.openxmlformats.org/officeDocument/2006/relationships" xmlns:p="http://schemas.openxmlformats.org/presentationml/2006/main">
   <p:cSld>
     <p:spTree>
       <p:nvGrpSpPr>
-        <p:cNvPr id="94" name="Shape 94"/>
+        <p:cNvPr id="1" name="Shape 94"/>
         <p:cNvGrpSpPr/>
         <p:nvPr/>
       </p:nvGrpSpPr>
@@ -7958,9 +8215,11 @@
       <p:sp>
         <p:nvSpPr>
           <p:cNvPr id="95" name="Google Shape;95;p20"/>
-          <p:cNvSpPr txBox="1"/>
+          <p:cNvSpPr txBox="1">
+            <a:spLocks noGrp="1"/>
+          </p:cNvSpPr>
           <p:nvPr>
-            <p:ph idx="1" type="body"/>
+            <p:ph type="body" idx="1"/>
           </p:nvPr>
         </p:nvSpPr>
         <p:spPr>
@@ -7973,12 +8232,12 @@
           </a:prstGeom>
         </p:spPr>
         <p:txBody>
-          <a:bodyPr anchorCtr="0" anchor="t" bIns="91425" lIns="91425" spcFirstLastPara="1" rIns="91425" wrap="square" tIns="91425">
+          <a:bodyPr spcFirstLastPara="1" wrap="square" lIns="91425" tIns="91425" rIns="91425" bIns="91425" anchor="t" anchorCtr="0">
             <a:noAutofit/>
           </a:bodyPr>
           <a:lstStyle/>
           <a:p>
-            <a:pPr indent="0" lvl="0" marL="0" rtl="0" algn="l">
+            <a:pPr marL="0" lvl="0" indent="0" algn="l" rtl="0">
               <a:spcBef>
                 <a:spcPts val="0"/>
               </a:spcBef>
@@ -7988,13 +8247,13 @@
               <a:buNone/>
             </a:pPr>
             <a:r>
-              <a:rPr b="1" lang="en"/>
+              <a:rPr lang="en" b="1"/>
               <a:t>Conclusion: briefly discuss what you have learned from this project.</a:t>
             </a:r>
             <a:endParaRPr b="1"/>
           </a:p>
           <a:p>
-            <a:pPr indent="0" lvl="0" marL="0" rtl="0" algn="l">
+            <a:pPr marL="0" lvl="0" indent="0" algn="l" rtl="0">
               <a:spcBef>
                 <a:spcPts val="1600"/>
               </a:spcBef>
@@ -8020,11 +8279,11 @@
 </file>
 
 <file path=ppt/slides/slide9.xml><?xml version="1.0" encoding="utf-8"?>
-<p:sld xmlns:a="http://schemas.openxmlformats.org/drawingml/2006/main" xmlns:r="http://schemas.openxmlformats.org/officeDocument/2006/relationships" xmlns:mc="http://schemas.openxmlformats.org/markup-compatibility/2006" xmlns:mv="urn:schemas-microsoft-com:mac:vml" xmlns:p="http://schemas.openxmlformats.org/presentationml/2006/main" xmlns:c="http://schemas.openxmlformats.org/drawingml/2006/chart" xmlns:dgm="http://schemas.openxmlformats.org/drawingml/2006/diagram" xmlns:o="urn:schemas-microsoft-com:office:office" xmlns:v="urn:schemas-microsoft-com:vml" xmlns:pvml="urn:schemas-microsoft-com:office:powerpoint" xmlns:com="http://schemas.openxmlformats.org/drawingml/2006/compatibility" xmlns:p14="http://schemas.microsoft.com/office/powerpoint/2010/main" xmlns:p15="http://schemas.microsoft.com/office/powerpoint/2012/main">
+<p:sld xmlns:a="http://schemas.openxmlformats.org/drawingml/2006/main" xmlns:r="http://schemas.openxmlformats.org/officeDocument/2006/relationships" xmlns:p="http://schemas.openxmlformats.org/presentationml/2006/main">
   <p:cSld>
     <p:spTree>
       <p:nvGrpSpPr>
-        <p:cNvPr id="99" name="Shape 99"/>
+        <p:cNvPr id="1" name="Shape 99"/>
         <p:cNvGrpSpPr/>
         <p:nvPr/>
       </p:nvGrpSpPr>
@@ -8039,7 +8298,9 @@
       <p:sp>
         <p:nvSpPr>
           <p:cNvPr id="100" name="Google Shape;100;p21"/>
-          <p:cNvSpPr txBox="1"/>
+          <p:cNvSpPr txBox="1">
+            <a:spLocks noGrp="1"/>
+          </p:cNvSpPr>
           <p:nvPr>
             <p:ph type="title"/>
           </p:nvPr>
@@ -8054,12 +8315,12 @@
           </a:prstGeom>
         </p:spPr>
         <p:txBody>
-          <a:bodyPr anchorCtr="0" anchor="t" bIns="91425" lIns="91425" spcFirstLastPara="1" rIns="91425" wrap="square" tIns="91425">
+          <a:bodyPr spcFirstLastPara="1" wrap="square" lIns="91425" tIns="91425" rIns="91425" bIns="91425" anchor="t" anchorCtr="0">
             <a:noAutofit/>
           </a:bodyPr>
           <a:lstStyle/>
           <a:p>
-            <a:pPr indent="0" lvl="0" marL="0" rtl="0" algn="l">
+            <a:pPr marL="0" lvl="0" indent="0" algn="l" rtl="0">
               <a:spcBef>
                 <a:spcPts val="0"/>
               </a:spcBef>
@@ -8096,12 +8357,12 @@
           </a:ln>
         </p:spPr>
         <p:txBody>
-          <a:bodyPr anchorCtr="0" anchor="t" bIns="91425" lIns="91425" spcFirstLastPara="1" rIns="91425" wrap="square" tIns="91425">
+          <a:bodyPr spcFirstLastPara="1" wrap="square" lIns="91425" tIns="91425" rIns="91425" bIns="91425" anchor="t" anchorCtr="0">
             <a:noAutofit/>
           </a:bodyPr>
           <a:lstStyle/>
           <a:p>
-            <a:pPr indent="0" lvl="0" marL="0" rtl="0" algn="l">
+            <a:pPr marL="0" lvl="0" indent="0" algn="l" rtl="0">
               <a:spcBef>
                 <a:spcPts val="0"/>
               </a:spcBef>
@@ -8138,12 +8399,12 @@
           </a:ln>
         </p:spPr>
         <p:txBody>
-          <a:bodyPr anchorCtr="0" anchor="t" bIns="91425" lIns="91425" spcFirstLastPara="1" rIns="91425" wrap="square" tIns="91425">
+          <a:bodyPr spcFirstLastPara="1" wrap="square" lIns="91425" tIns="91425" rIns="91425" bIns="91425" anchor="t" anchorCtr="0">
             <a:noAutofit/>
           </a:bodyPr>
           <a:lstStyle/>
           <a:p>
-            <a:pPr indent="0" lvl="0" marL="0" rtl="0" algn="l">
+            <a:pPr marL="0" lvl="0" indent="0" algn="l" rtl="0">
               <a:spcBef>
                 <a:spcPts val="0"/>
               </a:spcBef>
@@ -8180,12 +8441,12 @@
           </a:ln>
         </p:spPr>
         <p:txBody>
-          <a:bodyPr anchorCtr="0" anchor="t" bIns="91425" lIns="91425" spcFirstLastPara="1" rIns="91425" wrap="square" tIns="91425">
+          <a:bodyPr spcFirstLastPara="1" wrap="square" lIns="91425" tIns="91425" rIns="91425" bIns="91425" anchor="t" anchorCtr="0">
             <a:noAutofit/>
           </a:bodyPr>
           <a:lstStyle/>
           <a:p>
-            <a:pPr indent="0" lvl="0" marL="0" rtl="0" algn="l">
+            <a:pPr marL="0" lvl="0" indent="0" algn="l" rtl="0">
               <a:spcBef>
                 <a:spcPts val="0"/>
               </a:spcBef>
@@ -8222,12 +8483,12 @@
           </a:ln>
         </p:spPr>
         <p:txBody>
-          <a:bodyPr anchorCtr="0" anchor="t" bIns="91425" lIns="91425" spcFirstLastPara="1" rIns="91425" wrap="square" tIns="91425">
+          <a:bodyPr spcFirstLastPara="1" wrap="square" lIns="91425" tIns="91425" rIns="91425" bIns="91425" anchor="t" anchorCtr="0">
             <a:noAutofit/>
           </a:bodyPr>
           <a:lstStyle/>
           <a:p>
-            <a:pPr indent="0" lvl="0" marL="0" rtl="0" algn="l">
+            <a:pPr marL="0" lvl="0" indent="0" algn="l" rtl="0">
               <a:spcBef>
                 <a:spcPts val="0"/>
               </a:spcBef>
@@ -8253,7 +8514,7 @@
 </file>
 
 <file path=ppt/theme/theme1.xml><?xml version="1.0" encoding="utf-8"?>
-<a:theme xmlns:a="http://schemas.openxmlformats.org/drawingml/2006/main" xmlns:r="http://schemas.openxmlformats.org/officeDocument/2006/relationships" name="Simple Light">
+<a:theme xmlns:a="http://schemas.openxmlformats.org/drawingml/2006/main" name="Simple Light">
   <a:themeElements>
     <a:clrScheme name="Simple Light">
       <a:dk1>
@@ -8528,11 +8789,13 @@
       </a:bgFillStyleLst>
     </a:fmtScheme>
   </a:themeElements>
+  <a:objectDefaults/>
+  <a:extraClrSchemeLst/>
 </a:theme>
 </file>
 
 <file path=ppt/theme/theme2.xml><?xml version="1.0" encoding="utf-8"?>
-<a:theme xmlns:a="http://schemas.openxmlformats.org/drawingml/2006/main" xmlns:r="http://schemas.openxmlformats.org/officeDocument/2006/relationships">
+<a:theme xmlns:a="http://schemas.openxmlformats.org/drawingml/2006/main">
   <a:themeElements>
     <a:clrScheme name="Default">
       <a:dk1>
@@ -8807,5 +9070,7 @@
       </a:bgFillStyleLst>
     </a:fmtScheme>
   </a:themeElements>
+  <a:objectDefaults/>
+  <a:extraClrSchemeLst/>
 </a:theme>
 </file>
--- a/proj5_template.pptx
+++ b/proj5_template.pptx
@@ -12,8 +12,8 @@
     <p:sldId id="257" r:id="rId3"/>
     <p:sldId id="258" r:id="rId4"/>
     <p:sldId id="259" r:id="rId5"/>
-    <p:sldId id="260" r:id="rId6"/>
-    <p:sldId id="261" r:id="rId7"/>
+    <p:sldId id="261" r:id="rId6"/>
+    <p:sldId id="260" r:id="rId7"/>
     <p:sldId id="262" r:id="rId8"/>
     <p:sldId id="263" r:id="rId9"/>
     <p:sldId id="264" r:id="rId10"/>
@@ -1155,7 +1155,7 @@
         </p:nvSpPr>
         <p:spPr>
           <a:xfrm>
-            <a:off x="381300" y="685800"/>
+            <a:off x="381000" y="685800"/>
             <a:ext cx="6096000" cy="3429000"/>
           </a:xfrm>
           <a:custGeom>
@@ -1235,6 +1235,110 @@
   <p:cSld>
     <p:spTree>
       <p:nvGrpSpPr>
+        <p:cNvPr id="1" name="Shape 79"/>
+        <p:cNvGrpSpPr/>
+        <p:nvPr/>
+      </p:nvGrpSpPr>
+      <p:grpSpPr>
+        <a:xfrm>
+          <a:off x="0" y="0"/>
+          <a:ext cx="0" cy="0"/>
+          <a:chOff x="0" y="0"/>
+          <a:chExt cx="0" cy="0"/>
+        </a:xfrm>
+      </p:grpSpPr>
+      <p:sp>
+        <p:nvSpPr>
+          <p:cNvPr id="80" name="Google Shape;80;g65976d5812_0_7:notes"/>
+          <p:cNvSpPr>
+            <a:spLocks noGrp="1" noRot="1" noChangeAspect="1"/>
+          </p:cNvSpPr>
+          <p:nvPr>
+            <p:ph type="sldImg" idx="2"/>
+          </p:nvPr>
+        </p:nvSpPr>
+        <p:spPr>
+          <a:xfrm>
+            <a:off x="381000" y="685800"/>
+            <a:ext cx="6096000" cy="3429000"/>
+          </a:xfrm>
+          <a:custGeom>
+            <a:avLst/>
+            <a:gdLst/>
+            <a:ahLst/>
+            <a:cxnLst/>
+            <a:rect l="l" t="t" r="r" b="b"/>
+            <a:pathLst>
+              <a:path w="120000" h="120000" extrusionOk="0">
+                <a:moveTo>
+                  <a:pt x="0" y="0"/>
+                </a:moveTo>
+                <a:lnTo>
+                  <a:pt x="120000" y="0"/>
+                </a:lnTo>
+                <a:lnTo>
+                  <a:pt x="120000" y="120000"/>
+                </a:lnTo>
+                <a:lnTo>
+                  <a:pt x="0" y="120000"/>
+                </a:lnTo>
+                <a:close/>
+              </a:path>
+            </a:pathLst>
+          </a:custGeom>
+        </p:spPr>
+      </p:sp>
+      <p:sp>
+        <p:nvSpPr>
+          <p:cNvPr id="81" name="Google Shape;81;g65976d5812_0_7:notes"/>
+          <p:cNvSpPr txBox="1">
+            <a:spLocks noGrp="1"/>
+          </p:cNvSpPr>
+          <p:nvPr>
+            <p:ph type="body" idx="1"/>
+          </p:nvPr>
+        </p:nvSpPr>
+        <p:spPr>
+          <a:xfrm>
+            <a:off x="685800" y="4343400"/>
+            <a:ext cx="5486400" cy="4114800"/>
+          </a:xfrm>
+          <a:prstGeom prst="rect">
+            <a:avLst/>
+          </a:prstGeom>
+        </p:spPr>
+        <p:txBody>
+          <a:bodyPr spcFirstLastPara="1" wrap="square" lIns="91425" tIns="91425" rIns="91425" bIns="91425" anchor="t" anchorCtr="0">
+            <a:noAutofit/>
+          </a:bodyPr>
+          <a:lstStyle/>
+          <a:p>
+            <a:pPr marL="0" lvl="0" indent="0" algn="l" rtl="0">
+              <a:spcBef>
+                <a:spcPts val="0"/>
+              </a:spcBef>
+              <a:spcAft>
+                <a:spcPts val="0"/>
+              </a:spcAft>
+              <a:buNone/>
+            </a:pPr>
+            <a:endParaRPr dirty="0"/>
+          </a:p>
+        </p:txBody>
+      </p:sp>
+    </p:spTree>
+  </p:cSld>
+  <p:clrMapOvr>
+    <a:masterClrMapping/>
+  </p:clrMapOvr>
+</p:notes>
+</file>
+
+<file path=ppt/notesSlides/notesSlide6.xml><?xml version="1.0" encoding="utf-8"?>
+<p:notes xmlns:a="http://schemas.openxmlformats.org/drawingml/2006/main" xmlns:r="http://schemas.openxmlformats.org/officeDocument/2006/relationships" xmlns:p="http://schemas.openxmlformats.org/presentationml/2006/main" showMasterSp="0" showMasterPhAnim="0">
+  <p:cSld>
+    <p:spTree>
+      <p:nvGrpSpPr>
         <p:cNvPr id="1" name="Shape 73"/>
         <p:cNvGrpSpPr/>
         <p:nvPr/>
@@ -1259,7 +1363,7 @@
         </p:nvSpPr>
         <p:spPr>
           <a:xfrm>
-            <a:off x="381300" y="685800"/>
+            <a:off x="381000" y="685800"/>
             <a:ext cx="6096000" cy="3429000"/>
           </a:xfrm>
           <a:custGeom>
@@ -1334,110 +1438,6 @@
 </p:notes>
 </file>
 
-<file path=ppt/notesSlides/notesSlide6.xml><?xml version="1.0" encoding="utf-8"?>
-<p:notes xmlns:a="http://schemas.openxmlformats.org/drawingml/2006/main" xmlns:r="http://schemas.openxmlformats.org/officeDocument/2006/relationships" xmlns:p="http://schemas.openxmlformats.org/presentationml/2006/main" showMasterSp="0" showMasterPhAnim="0">
-  <p:cSld>
-    <p:spTree>
-      <p:nvGrpSpPr>
-        <p:cNvPr id="1" name="Shape 79"/>
-        <p:cNvGrpSpPr/>
-        <p:nvPr/>
-      </p:nvGrpSpPr>
-      <p:grpSpPr>
-        <a:xfrm>
-          <a:off x="0" y="0"/>
-          <a:ext cx="0" cy="0"/>
-          <a:chOff x="0" y="0"/>
-          <a:chExt cx="0" cy="0"/>
-        </a:xfrm>
-      </p:grpSpPr>
-      <p:sp>
-        <p:nvSpPr>
-          <p:cNvPr id="80" name="Google Shape;80;g65976d5812_0_7:notes"/>
-          <p:cNvSpPr>
-            <a:spLocks noGrp="1" noRot="1" noChangeAspect="1"/>
-          </p:cNvSpPr>
-          <p:nvPr>
-            <p:ph type="sldImg" idx="2"/>
-          </p:nvPr>
-        </p:nvSpPr>
-        <p:spPr>
-          <a:xfrm>
-            <a:off x="381300" y="685800"/>
-            <a:ext cx="6096000" cy="3429000"/>
-          </a:xfrm>
-          <a:custGeom>
-            <a:avLst/>
-            <a:gdLst/>
-            <a:ahLst/>
-            <a:cxnLst/>
-            <a:rect l="l" t="t" r="r" b="b"/>
-            <a:pathLst>
-              <a:path w="120000" h="120000" extrusionOk="0">
-                <a:moveTo>
-                  <a:pt x="0" y="0"/>
-                </a:moveTo>
-                <a:lnTo>
-                  <a:pt x="120000" y="0"/>
-                </a:lnTo>
-                <a:lnTo>
-                  <a:pt x="120000" y="120000"/>
-                </a:lnTo>
-                <a:lnTo>
-                  <a:pt x="0" y="120000"/>
-                </a:lnTo>
-                <a:close/>
-              </a:path>
-            </a:pathLst>
-          </a:custGeom>
-        </p:spPr>
-      </p:sp>
-      <p:sp>
-        <p:nvSpPr>
-          <p:cNvPr id="81" name="Google Shape;81;g65976d5812_0_7:notes"/>
-          <p:cNvSpPr txBox="1">
-            <a:spLocks noGrp="1"/>
-          </p:cNvSpPr>
-          <p:nvPr>
-            <p:ph type="body" idx="1"/>
-          </p:nvPr>
-        </p:nvSpPr>
-        <p:spPr>
-          <a:xfrm>
-            <a:off x="685800" y="4343400"/>
-            <a:ext cx="5486400" cy="4114800"/>
-          </a:xfrm>
-          <a:prstGeom prst="rect">
-            <a:avLst/>
-          </a:prstGeom>
-        </p:spPr>
-        <p:txBody>
-          <a:bodyPr spcFirstLastPara="1" wrap="square" lIns="91425" tIns="91425" rIns="91425" bIns="91425" anchor="t" anchorCtr="0">
-            <a:noAutofit/>
-          </a:bodyPr>
-          <a:lstStyle/>
-          <a:p>
-            <a:pPr marL="0" lvl="0" indent="0" algn="l" rtl="0">
-              <a:spcBef>
-                <a:spcPts val="0"/>
-              </a:spcBef>
-              <a:spcAft>
-                <a:spcPts val="0"/>
-              </a:spcAft>
-              <a:buNone/>
-            </a:pPr>
-            <a:endParaRPr/>
-          </a:p>
-        </p:txBody>
-      </p:sp>
-    </p:spTree>
-  </p:cSld>
-  <p:clrMapOvr>
-    <a:masterClrMapping/>
-  </p:clrMapOvr>
-</p:notes>
-</file>
-
 <file path=ppt/notesSlides/notesSlide7.xml><?xml version="1.0" encoding="utf-8"?>
 <p:notes xmlns:a="http://schemas.openxmlformats.org/drawingml/2006/main" xmlns:r="http://schemas.openxmlformats.org/officeDocument/2006/relationships" xmlns:p="http://schemas.openxmlformats.org/presentationml/2006/main" showMasterSp="0" showMasterPhAnim="0">
   <p:cSld>
@@ -1467,7 +1467,7 @@
         </p:nvSpPr>
         <p:spPr>
           <a:xfrm>
-            <a:off x="381300" y="685800"/>
+            <a:off x="381000" y="685800"/>
             <a:ext cx="6096000" cy="3429000"/>
           </a:xfrm>
           <a:custGeom>
@@ -1571,7 +1571,7 @@
         </p:nvSpPr>
         <p:spPr>
           <a:xfrm>
-            <a:off x="381300" y="685800"/>
+            <a:off x="381000" y="685800"/>
             <a:ext cx="6096000" cy="3429000"/>
           </a:xfrm>
           <a:custGeom>
@@ -7061,7 +7061,31 @@
                   <a:schemeClr val="dk2"/>
                 </a:solidFill>
               </a:rPr>
-              <a:t>8 x 8:</a:t>
+              <a:t>8 x 8</a:t>
+            </a:r>
+            <a:r>
+              <a:rPr lang="en" dirty="0" smtClean="0">
+                <a:solidFill>
+                  <a:schemeClr val="dk2"/>
+                </a:solidFill>
+              </a:rPr>
+              <a:t>:</a:t>
+            </a:r>
+            <a:r>
+              <a:rPr lang="en-US" dirty="0" smtClean="0">
+                <a:solidFill>
+                  <a:schemeClr val="dk2"/>
+                </a:solidFill>
+              </a:rPr>
+              <a:t> </a:t>
+            </a:r>
+            <a:r>
+              <a:rPr lang="en-US" dirty="0" smtClean="0">
+                <a:solidFill>
+                  <a:schemeClr val="dk2"/>
+                </a:solidFill>
+              </a:rPr>
+              <a:t>16.87%</a:t>
             </a:r>
             <a:endParaRPr dirty="0">
               <a:solidFill>
@@ -7157,7 +7181,23 @@
                   <a:schemeClr val="dk2"/>
                 </a:solidFill>
               </a:rPr>
-              <a:t>32 x 32:</a:t>
+              <a:t>32 x 32</a:t>
+            </a:r>
+            <a:r>
+              <a:rPr lang="en" dirty="0" smtClean="0">
+                <a:solidFill>
+                  <a:schemeClr val="dk2"/>
+                </a:solidFill>
+              </a:rPr>
+              <a:t>:</a:t>
+            </a:r>
+            <a:r>
+              <a:rPr lang="en-US" dirty="0" smtClean="0">
+                <a:solidFill>
+                  <a:schemeClr val="dk2"/>
+                </a:solidFill>
+              </a:rPr>
+              <a:t> 15.93%</a:t>
             </a:r>
             <a:endParaRPr dirty="0">
               <a:solidFill>
@@ -7258,20 +7298,12 @@
               <a:buNone/>
             </a:pPr>
             <a:r>
-              <a:rPr lang="en" dirty="0">
-                <a:solidFill>
-                  <a:schemeClr val="dk2"/>
-                </a:solidFill>
-              </a:rPr>
-              <a:t>1</a:t>
-            </a:r>
-            <a:r>
               <a:rPr lang="en" dirty="0" smtClean="0">
                 <a:solidFill>
                   <a:schemeClr val="dk2"/>
                 </a:solidFill>
               </a:rPr>
-              <a:t>:</a:t>
+              <a:t>1:</a:t>
             </a:r>
             <a:r>
               <a:rPr lang="en-US" dirty="0" smtClean="0">
@@ -7550,8 +7582,8 @@
         </p:nvSpPr>
         <p:spPr>
           <a:xfrm>
-            <a:off x="311700" y="438800"/>
-            <a:ext cx="8395500" cy="4130100"/>
+            <a:off x="311700" y="438799"/>
+            <a:ext cx="8395500" cy="4521127"/>
           </a:xfrm>
           <a:prstGeom prst="rect">
             <a:avLst/>
@@ -7573,21 +7605,21 @@
               <a:buNone/>
             </a:pPr>
             <a:r>
-              <a:rPr lang="en" b="1"/>
+              <a:rPr lang="en" b="1" dirty="0"/>
               <a:t>Part 1: Reflection: when tuning the parameters, what have you observed about the </a:t>
             </a:r>
             <a:r>
-              <a:rPr lang="en" b="1" i="1"/>
+              <a:rPr lang="en" b="1" i="1" dirty="0"/>
               <a:t>processing time and accuracy</a:t>
             </a:r>
             <a:r>
-              <a:rPr lang="en" b="1"/>
+              <a:rPr lang="en" b="1" dirty="0"/>
               <a:t>? What do you think might lead to this observation?</a:t>
             </a:r>
-            <a:endParaRPr b="1"/>
-          </a:p>
-          <a:p>
-            <a:pPr marL="0" lvl="0" indent="0" algn="l" rtl="0">
+            <a:endParaRPr b="1" dirty="0"/>
+          </a:p>
+          <a:p>
+            <a:pPr marL="0" lvl="0" indent="0">
               <a:spcBef>
                 <a:spcPts val="1600"/>
               </a:spcBef>
@@ -7597,10 +7629,49 @@
               <a:buNone/>
             </a:pPr>
             <a:r>
-              <a:rPr lang="en"/>
-              <a:t>&lt;Text solution here&gt;</a:t>
-            </a:r>
-            <a:endParaRPr/>
+              <a:rPr lang="en-US" dirty="0" smtClean="0"/>
+              <a:t>When image size is bigger, processing time takes longer. This is because bigger the tiny image size, more dimension a feature will have, so the distance computation for clustering takes more computation. Also, when image size is increased from 8x8 to 16x16 to 32x32, the accuracy drops from</a:t>
+            </a:r>
+            <a:r>
+              <a:rPr lang="en-US" dirty="0"/>
+              <a:t> 16.87</a:t>
+            </a:r>
+            <a:r>
+              <a:rPr lang="en-US" dirty="0" smtClean="0"/>
+              <a:t>% to </a:t>
+            </a:r>
+            <a:r>
+              <a:rPr lang="en-US" dirty="0"/>
+              <a:t>16.33</a:t>
+            </a:r>
+            <a:r>
+              <a:rPr lang="en-US" dirty="0" smtClean="0"/>
+              <a:t>% to </a:t>
+            </a:r>
+            <a:r>
+              <a:rPr lang="en-US" dirty="0"/>
+              <a:t>15.93</a:t>
+            </a:r>
+            <a:r>
+              <a:rPr lang="en-US" dirty="0" smtClean="0"/>
+              <a:t>% (with k = 3). This is because when we use tiny image algorithm, we can trying to capture the ”big picture” of an image. If the resolution is too high, details will be added, so the distance between similar features will be bigger because of the unnecessary details</a:t>
+            </a:r>
+          </a:p>
+          <a:p>
+            <a:pPr marL="0" lvl="0" indent="0">
+              <a:spcBef>
+                <a:spcPts val="1600"/>
+              </a:spcBef>
+              <a:spcAft>
+                <a:spcPts val="1600"/>
+              </a:spcAft>
+              <a:buNone/>
+            </a:pPr>
+            <a:r>
+              <a:rPr lang="en-US" dirty="0" smtClean="0"/>
+              <a:t>When changing the k size, processing time did not change much. Theoretically the processing time will be longer for a little bit when k is bigger, since the voting algorithm is querying from more labels. However, here the change is small because the k are (k = 1, 3, 5, 10, 15). Among the five options (with image size = 16x16), k = 1 gives the best result with accuracy of 19.40%. In general, as k increases beyond the optimal value, the accuracy drops as we can see with k = 10 and k = 15, the accuracy drops to about 15%. This is because when k is too big, labels from other clusters are added. The voting algorithm will take votes from them, and the result is more likely to be incorrect.</a:t>
+            </a:r>
+            <a:endParaRPr dirty="0"/>
           </a:p>
         </p:txBody>
       </p:sp>
@@ -7613,355 +7684,6 @@
 </file>
 
 <file path=ppt/slides/slide5.xml><?xml version="1.0" encoding="utf-8"?>
-<p:sld xmlns:a="http://schemas.openxmlformats.org/drawingml/2006/main" xmlns:r="http://schemas.openxmlformats.org/officeDocument/2006/relationships" xmlns:p="http://schemas.openxmlformats.org/presentationml/2006/main">
-  <p:cSld>
-    <p:spTree>
-      <p:nvGrpSpPr>
-        <p:cNvPr id="1" name="Shape 76"/>
-        <p:cNvGrpSpPr/>
-        <p:nvPr/>
-      </p:nvGrpSpPr>
-      <p:grpSpPr>
-        <a:xfrm>
-          <a:off x="0" y="0"/>
-          <a:ext cx="0" cy="0"/>
-          <a:chOff x="0" y="0"/>
-          <a:chExt cx="0" cy="0"/>
-        </a:xfrm>
-      </p:grpSpPr>
-      <p:sp>
-        <p:nvSpPr>
-          <p:cNvPr id="77" name="Google Shape;77;p17"/>
-          <p:cNvSpPr txBox="1">
-            <a:spLocks noGrp="1"/>
-          </p:cNvSpPr>
-          <p:nvPr>
-            <p:ph type="body" idx="1"/>
-          </p:nvPr>
-        </p:nvSpPr>
-        <p:spPr>
-          <a:xfrm>
-            <a:off x="311700" y="438800"/>
-            <a:ext cx="8353500" cy="4130100"/>
-          </a:xfrm>
-          <a:prstGeom prst="rect">
-            <a:avLst/>
-          </a:prstGeom>
-        </p:spPr>
-        <p:txBody>
-          <a:bodyPr spcFirstLastPara="1" wrap="square" lIns="91425" tIns="91425" rIns="91425" bIns="91425" anchor="t" anchorCtr="0">
-            <a:noAutofit/>
-          </a:bodyPr>
-          <a:lstStyle/>
-          <a:p>
-            <a:pPr marL="0" lvl="0" indent="0" algn="l" rtl="0">
-              <a:spcBef>
-                <a:spcPts val="0"/>
-              </a:spcBef>
-              <a:spcAft>
-                <a:spcPts val="0"/>
-              </a:spcAft>
-              <a:buNone/>
-            </a:pPr>
-            <a:r>
-              <a:rPr lang="en" b="1"/>
-              <a:t>Part 2: Your best confusion matrix, together with the accuracy for Part 2. Also report your param settings to get this result.</a:t>
-            </a:r>
-            <a:endParaRPr b="1"/>
-          </a:p>
-          <a:p>
-            <a:pPr marL="0" lvl="0" indent="0" algn="l" rtl="0">
-              <a:spcBef>
-                <a:spcPts val="1600"/>
-              </a:spcBef>
-              <a:spcAft>
-                <a:spcPts val="1600"/>
-              </a:spcAft>
-              <a:buNone/>
-            </a:pPr>
-            <a:r>
-              <a:rPr lang="en"/>
-              <a:t>&lt;Plot here&gt;</a:t>
-            </a:r>
-            <a:endParaRPr/>
-          </a:p>
-        </p:txBody>
-      </p:sp>
-      <p:sp>
-        <p:nvSpPr>
-          <p:cNvPr id="78" name="Google Shape;78;p17"/>
-          <p:cNvSpPr txBox="1"/>
-          <p:nvPr/>
-        </p:nvSpPr>
-        <p:spPr>
-          <a:xfrm>
-            <a:off x="5001825" y="1210775"/>
-            <a:ext cx="3427800" cy="3000300"/>
-          </a:xfrm>
-          <a:prstGeom prst="rect">
-            <a:avLst/>
-          </a:prstGeom>
-          <a:noFill/>
-          <a:ln>
-            <a:noFill/>
-          </a:ln>
-        </p:spPr>
-        <p:txBody>
-          <a:bodyPr spcFirstLastPara="1" wrap="square" lIns="91425" tIns="91425" rIns="91425" bIns="91425" anchor="t" anchorCtr="0">
-            <a:noAutofit/>
-          </a:bodyPr>
-          <a:lstStyle/>
-          <a:p>
-            <a:pPr marL="0" lvl="0" indent="0" algn="l" rtl="0">
-              <a:spcBef>
-                <a:spcPts val="0"/>
-              </a:spcBef>
-              <a:spcAft>
-                <a:spcPts val="0"/>
-              </a:spcAft>
-              <a:buNone/>
-            </a:pPr>
-            <a:r>
-              <a:rPr lang="en">
-                <a:solidFill>
-                  <a:schemeClr val="dk2"/>
-                </a:solidFill>
-              </a:rPr>
-              <a:t>Param settings:</a:t>
-            </a:r>
-            <a:endParaRPr>
-              <a:solidFill>
-                <a:schemeClr val="dk2"/>
-              </a:solidFill>
-            </a:endParaRPr>
-          </a:p>
-          <a:p>
-            <a:pPr marL="0" lvl="0" indent="0" algn="l" rtl="0">
-              <a:spcBef>
-                <a:spcPts val="0"/>
-              </a:spcBef>
-              <a:spcAft>
-                <a:spcPts val="0"/>
-              </a:spcAft>
-              <a:buNone/>
-            </a:pPr>
-            <a:endParaRPr>
-              <a:solidFill>
-                <a:schemeClr val="dk2"/>
-              </a:solidFill>
-            </a:endParaRPr>
-          </a:p>
-          <a:p>
-            <a:pPr marL="0" lvl="0" indent="0" algn="l" rtl="0">
-              <a:spcBef>
-                <a:spcPts val="0"/>
-              </a:spcBef>
-              <a:spcAft>
-                <a:spcPts val="0"/>
-              </a:spcAft>
-              <a:buNone/>
-            </a:pPr>
-            <a:endParaRPr>
-              <a:solidFill>
-                <a:schemeClr val="dk2"/>
-              </a:solidFill>
-            </a:endParaRPr>
-          </a:p>
-          <a:p>
-            <a:pPr marL="0" lvl="0" indent="0" algn="l" rtl="0">
-              <a:spcBef>
-                <a:spcPts val="0"/>
-              </a:spcBef>
-              <a:spcAft>
-                <a:spcPts val="0"/>
-              </a:spcAft>
-              <a:buNone/>
-            </a:pPr>
-            <a:r>
-              <a:rPr lang="en">
-                <a:solidFill>
-                  <a:schemeClr val="dk2"/>
-                </a:solidFill>
-              </a:rPr>
-              <a:t>vocab_size:</a:t>
-            </a:r>
-            <a:endParaRPr>
-              <a:solidFill>
-                <a:schemeClr val="dk2"/>
-              </a:solidFill>
-            </a:endParaRPr>
-          </a:p>
-          <a:p>
-            <a:pPr marL="0" lvl="0" indent="0" algn="l" rtl="0">
-              <a:spcBef>
-                <a:spcPts val="0"/>
-              </a:spcBef>
-              <a:spcAft>
-                <a:spcPts val="0"/>
-              </a:spcAft>
-              <a:buNone/>
-            </a:pPr>
-            <a:endParaRPr>
-              <a:solidFill>
-                <a:schemeClr val="dk2"/>
-              </a:solidFill>
-            </a:endParaRPr>
-          </a:p>
-          <a:p>
-            <a:pPr marL="0" lvl="0" indent="0" algn="l" rtl="0">
-              <a:spcBef>
-                <a:spcPts val="0"/>
-              </a:spcBef>
-              <a:spcAft>
-                <a:spcPts val="0"/>
-              </a:spcAft>
-              <a:buNone/>
-            </a:pPr>
-            <a:r>
-              <a:rPr lang="en">
-                <a:solidFill>
-                  <a:schemeClr val="dk2"/>
-                </a:solidFill>
-              </a:rPr>
-              <a:t>stride (build_vocab):</a:t>
-            </a:r>
-            <a:endParaRPr>
-              <a:solidFill>
-                <a:schemeClr val="dk2"/>
-              </a:solidFill>
-            </a:endParaRPr>
-          </a:p>
-          <a:p>
-            <a:pPr marL="0" lvl="0" indent="0" algn="l" rtl="0">
-              <a:spcBef>
-                <a:spcPts val="0"/>
-              </a:spcBef>
-              <a:spcAft>
-                <a:spcPts val="0"/>
-              </a:spcAft>
-              <a:buNone/>
-            </a:pPr>
-            <a:endParaRPr>
-              <a:solidFill>
-                <a:schemeClr val="dk2"/>
-              </a:solidFill>
-            </a:endParaRPr>
-          </a:p>
-          <a:p>
-            <a:pPr marL="0" lvl="0" indent="0" algn="l" rtl="0">
-              <a:spcBef>
-                <a:spcPts val="0"/>
-              </a:spcBef>
-              <a:spcAft>
-                <a:spcPts val="0"/>
-              </a:spcAft>
-              <a:buNone/>
-            </a:pPr>
-            <a:r>
-              <a:rPr lang="en">
-                <a:solidFill>
-                  <a:schemeClr val="dk2"/>
-                </a:solidFill>
-              </a:rPr>
-              <a:t>step_size(get_bags_of_sifts):</a:t>
-            </a:r>
-            <a:endParaRPr>
-              <a:solidFill>
-                <a:schemeClr val="dk2"/>
-              </a:solidFill>
-            </a:endParaRPr>
-          </a:p>
-          <a:p>
-            <a:pPr marL="0" lvl="0" indent="0" algn="l" rtl="0">
-              <a:spcBef>
-                <a:spcPts val="0"/>
-              </a:spcBef>
-              <a:spcAft>
-                <a:spcPts val="0"/>
-              </a:spcAft>
-              <a:buNone/>
-            </a:pPr>
-            <a:endParaRPr>
-              <a:solidFill>
-                <a:schemeClr val="dk2"/>
-              </a:solidFill>
-            </a:endParaRPr>
-          </a:p>
-          <a:p>
-            <a:pPr marL="0" lvl="0" indent="0" algn="l" rtl="0">
-              <a:spcBef>
-                <a:spcPts val="0"/>
-              </a:spcBef>
-              <a:spcAft>
-                <a:spcPts val="0"/>
-              </a:spcAft>
-              <a:buNone/>
-            </a:pPr>
-            <a:r>
-              <a:rPr lang="en">
-                <a:solidFill>
-                  <a:schemeClr val="dk2"/>
-                </a:solidFill>
-              </a:rPr>
-              <a:t>max_iter (k-means):</a:t>
-            </a:r>
-            <a:endParaRPr>
-              <a:solidFill>
-                <a:schemeClr val="dk2"/>
-              </a:solidFill>
-            </a:endParaRPr>
-          </a:p>
-          <a:p>
-            <a:pPr marL="0" lvl="0" indent="0" algn="l" rtl="0">
-              <a:spcBef>
-                <a:spcPts val="0"/>
-              </a:spcBef>
-              <a:spcAft>
-                <a:spcPts val="0"/>
-              </a:spcAft>
-              <a:buNone/>
-            </a:pPr>
-            <a:endParaRPr>
-              <a:solidFill>
-                <a:schemeClr val="dk2"/>
-              </a:solidFill>
-            </a:endParaRPr>
-          </a:p>
-          <a:p>
-            <a:pPr marL="0" lvl="0" indent="0" algn="l" rtl="0">
-              <a:spcBef>
-                <a:spcPts val="0"/>
-              </a:spcBef>
-              <a:spcAft>
-                <a:spcPts val="0"/>
-              </a:spcAft>
-              <a:buNone/>
-            </a:pPr>
-            <a:r>
-              <a:rPr lang="en">
-                <a:solidFill>
-                  <a:schemeClr val="dk2"/>
-                </a:solidFill>
-              </a:rPr>
-              <a:t>k (kNN):</a:t>
-            </a:r>
-            <a:endParaRPr>
-              <a:solidFill>
-                <a:schemeClr val="dk2"/>
-              </a:solidFill>
-            </a:endParaRPr>
-          </a:p>
-        </p:txBody>
-      </p:sp>
-    </p:spTree>
-  </p:cSld>
-  <p:clrMapOvr>
-    <a:masterClrMapping/>
-  </p:clrMapOvr>
-</p:sld>
-</file>
-
-<file path=ppt/slides/slide6.xml><?xml version="1.0" encoding="utf-8"?>
 <p:sld xmlns:a="http://schemas.openxmlformats.org/drawingml/2006/main" xmlns:r="http://schemas.openxmlformats.org/officeDocument/2006/relationships" xmlns:p="http://schemas.openxmlformats.org/presentationml/2006/main">
   <p:cSld>
     <p:spTree>
@@ -8013,10 +7735,18 @@
               <a:buNone/>
             </a:pPr>
             <a:r>
-              <a:rPr lang="en" b="1"/>
-              <a:t>Part 2: Reflection: when experimenting with the value k in kNN, what have you observed? Compare this performance difference with the k value experiment in Part 1, what can you tell from this?</a:t>
-            </a:r>
-            <a:endParaRPr b="1"/>
+              <a:rPr lang="en" b="1" dirty="0"/>
+              <a:t>Part 2: Reflection: when experimenting with the value k in </a:t>
+            </a:r>
+            <a:r>
+              <a:rPr lang="en" b="1" dirty="0" err="1"/>
+              <a:t>kNN</a:t>
+            </a:r>
+            <a:r>
+              <a:rPr lang="en" b="1" dirty="0"/>
+              <a:t>, what have you observed? Compare this performance difference with the k value experiment in Part 1, what can you tell from this?</a:t>
+            </a:r>
+            <a:endParaRPr b="1" dirty="0"/>
           </a:p>
           <a:p>
             <a:pPr marL="0" lvl="0" indent="0" algn="l" rtl="0">
@@ -8028,14 +7758,831 @@
               </a:spcAft>
               <a:buNone/>
             </a:pPr>
-            <a:r>
-              <a:rPr lang="en"/>
-              <a:t>&lt;Text solution here&gt;</a:t>
-            </a:r>
-            <a:endParaRPr/>
+            <a:endParaRPr lang="en-US" dirty="0" smtClean="0"/>
           </a:p>
         </p:txBody>
       </p:sp>
+      <p:graphicFrame>
+        <p:nvGraphicFramePr>
+          <p:cNvPr id="2" name="Table 1"/>
+          <p:cNvGraphicFramePr>
+            <a:graphicFrameLocks noGrp="1"/>
+          </p:cNvGraphicFramePr>
+          <p:nvPr>
+            <p:extLst>
+              <p:ext uri="{D42A27DB-BD31-4B8C-83A1-F6EECF244321}">
+                <p14:modId xmlns:p14="http://schemas.microsoft.com/office/powerpoint/2010/main" val="1853332933"/>
+              </p:ext>
+            </p:extLst>
+          </p:nvPr>
+        </p:nvGraphicFramePr>
+        <p:xfrm>
+          <a:off x="6959234" y="1496291"/>
+          <a:ext cx="1747966" cy="2159000"/>
+        </p:xfrm>
+        <a:graphic>
+          <a:graphicData uri="http://schemas.openxmlformats.org/drawingml/2006/table">
+            <a:tbl>
+              <a:tblPr firstRow="1" bandRow="1">
+                <a:tableStyleId>{5C22544A-7EE6-4342-B048-85BDC9FD1C3A}</a:tableStyleId>
+              </a:tblPr>
+              <a:tblGrid>
+                <a:gridCol w="679306"/>
+                <a:gridCol w="1068660"/>
+              </a:tblGrid>
+              <a:tr h="248591">
+                <a:tc>
+                  <a:txBody>
+                    <a:bodyPr/>
+                    <a:lstStyle/>
+                    <a:p>
+                      <a:r>
+                        <a:rPr lang="en-US" dirty="0" smtClean="0"/>
+                        <a:t>k size</a:t>
+                      </a:r>
+                      <a:endParaRPr lang="en-US" dirty="0"/>
+                    </a:p>
+                  </a:txBody>
+                  <a:tcPr/>
+                </a:tc>
+                <a:tc>
+                  <a:txBody>
+                    <a:bodyPr/>
+                    <a:lstStyle/>
+                    <a:p>
+                      <a:r>
+                        <a:rPr lang="en-US" dirty="0" smtClean="0"/>
+                        <a:t>accuracy</a:t>
+                      </a:r>
+                      <a:endParaRPr lang="en-US" dirty="0"/>
+                    </a:p>
+                  </a:txBody>
+                  <a:tcPr/>
+                </a:tc>
+              </a:tr>
+              <a:tr h="370840">
+                <a:tc>
+                  <a:txBody>
+                    <a:bodyPr/>
+                    <a:lstStyle/>
+                    <a:p>
+                      <a:r>
+                        <a:rPr lang="en-US" dirty="0" smtClean="0"/>
+                        <a:t>1</a:t>
+                      </a:r>
+                      <a:endParaRPr lang="en-US" dirty="0"/>
+                    </a:p>
+                  </a:txBody>
+                  <a:tcPr/>
+                </a:tc>
+                <a:tc>
+                  <a:txBody>
+                    <a:bodyPr/>
+                    <a:lstStyle/>
+                    <a:p>
+                      <a:r>
+                        <a:rPr lang="en-US" dirty="0" smtClean="0"/>
+                        <a:t>40.87%</a:t>
+                      </a:r>
+                      <a:endParaRPr lang="en-US" dirty="0"/>
+                    </a:p>
+                  </a:txBody>
+                  <a:tcPr/>
+                </a:tc>
+              </a:tr>
+              <a:tr h="370840">
+                <a:tc>
+                  <a:txBody>
+                    <a:bodyPr/>
+                    <a:lstStyle/>
+                    <a:p>
+                      <a:r>
+                        <a:rPr lang="en-US" dirty="0" smtClean="0"/>
+                        <a:t>5</a:t>
+                      </a:r>
+                      <a:endParaRPr lang="en-US" dirty="0"/>
+                    </a:p>
+                  </a:txBody>
+                  <a:tcPr/>
+                </a:tc>
+                <a:tc>
+                  <a:txBody>
+                    <a:bodyPr/>
+                    <a:lstStyle/>
+                    <a:p>
+                      <a:r>
+                        <a:rPr lang="en-US" dirty="0" smtClean="0"/>
+                        <a:t>42.93%</a:t>
+                      </a:r>
+                      <a:endParaRPr lang="en-US" dirty="0"/>
+                    </a:p>
+                  </a:txBody>
+                  <a:tcPr/>
+                </a:tc>
+              </a:tr>
+              <a:tr h="370840">
+                <a:tc>
+                  <a:txBody>
+                    <a:bodyPr/>
+                    <a:lstStyle/>
+                    <a:p>
+                      <a:r>
+                        <a:rPr lang="en-US" dirty="0" smtClean="0"/>
+                        <a:t>10</a:t>
+                      </a:r>
+                      <a:endParaRPr lang="en-US" dirty="0"/>
+                    </a:p>
+                  </a:txBody>
+                  <a:tcPr/>
+                </a:tc>
+                <a:tc>
+                  <a:txBody>
+                    <a:bodyPr/>
+                    <a:lstStyle/>
+                    <a:p>
+                      <a:r>
+                        <a:rPr lang="en-US" dirty="0" smtClean="0"/>
+                        <a:t>44.87%</a:t>
+                      </a:r>
+                      <a:endParaRPr lang="en-US" dirty="0"/>
+                    </a:p>
+                  </a:txBody>
+                  <a:tcPr/>
+                </a:tc>
+              </a:tr>
+              <a:tr h="370840">
+                <a:tc>
+                  <a:txBody>
+                    <a:bodyPr/>
+                    <a:lstStyle/>
+                    <a:p>
+                      <a:r>
+                        <a:rPr lang="en-US" dirty="0" smtClean="0"/>
+                        <a:t>20</a:t>
+                      </a:r>
+                      <a:endParaRPr lang="en-US" dirty="0"/>
+                    </a:p>
+                  </a:txBody>
+                  <a:tcPr/>
+                </a:tc>
+                <a:tc>
+                  <a:txBody>
+                    <a:bodyPr/>
+                    <a:lstStyle/>
+                    <a:p>
+                      <a:r>
+                        <a:rPr lang="en-US" dirty="0" smtClean="0"/>
+                        <a:t>45.33%</a:t>
+                      </a:r>
+                      <a:endParaRPr lang="en-US" dirty="0"/>
+                    </a:p>
+                  </a:txBody>
+                  <a:tcPr/>
+                </a:tc>
+              </a:tr>
+              <a:tr h="370840">
+                <a:tc>
+                  <a:txBody>
+                    <a:bodyPr/>
+                    <a:lstStyle/>
+                    <a:p>
+                      <a:pPr marL="0" marR="0" indent="0" algn="l" defTabSz="914400" rtl="0" eaLnBrk="1" fontAlgn="auto" latinLnBrk="0" hangingPunct="1">
+                        <a:lnSpc>
+                          <a:spcPct val="100000"/>
+                        </a:lnSpc>
+                        <a:spcBef>
+                          <a:spcPts val="0"/>
+                        </a:spcBef>
+                        <a:spcAft>
+                          <a:spcPts val="0"/>
+                        </a:spcAft>
+                        <a:buClr>
+                          <a:srgbClr val="000000"/>
+                        </a:buClr>
+                        <a:buSzTx/>
+                        <a:buFont typeface="Arial"/>
+                        <a:buNone/>
+                        <a:tabLst/>
+                        <a:defRPr/>
+                      </a:pPr>
+                      <a:r>
+                        <a:rPr lang="en-US" dirty="0" smtClean="0"/>
+                        <a:t>30</a:t>
+                      </a:r>
+                    </a:p>
+                  </a:txBody>
+                  <a:tcPr/>
+                </a:tc>
+                <a:tc>
+                  <a:txBody>
+                    <a:bodyPr/>
+                    <a:lstStyle/>
+                    <a:p>
+                      <a:r>
+                        <a:rPr lang="en-US" smtClean="0"/>
+                        <a:t>44.40%</a:t>
+                      </a:r>
+                      <a:endParaRPr lang="en-US" dirty="0"/>
+                    </a:p>
+                  </a:txBody>
+                  <a:tcPr/>
+                </a:tc>
+              </a:tr>
+            </a:tbl>
+          </a:graphicData>
+        </a:graphic>
+      </p:graphicFrame>
+      <p:sp>
+        <p:nvSpPr>
+          <p:cNvPr id="4" name="TextBox 3"/>
+          <p:cNvSpPr txBox="1"/>
+          <p:nvPr/>
+        </p:nvSpPr>
+        <p:spPr>
+          <a:xfrm>
+            <a:off x="7116514" y="3930560"/>
+            <a:ext cx="1433406" cy="954107"/>
+          </a:xfrm>
+          <a:prstGeom prst="rect">
+            <a:avLst/>
+          </a:prstGeom>
+          <a:noFill/>
+        </p:spPr>
+        <p:txBody>
+          <a:bodyPr wrap="none" rtlCol="0">
+            <a:spAutoFit/>
+          </a:bodyPr>
+          <a:lstStyle/>
+          <a:p>
+            <a:r>
+              <a:rPr lang="en-US" dirty="0" smtClean="0"/>
+              <a:t>vocab size = 50</a:t>
+            </a:r>
+          </a:p>
+          <a:p>
+            <a:r>
+              <a:rPr lang="en-US" dirty="0" smtClean="0"/>
+              <a:t>stride = 20</a:t>
+            </a:r>
+          </a:p>
+          <a:p>
+            <a:r>
+              <a:rPr lang="en-US" dirty="0" smtClean="0"/>
+              <a:t>step size = 10</a:t>
+            </a:r>
+          </a:p>
+          <a:p>
+            <a:r>
+              <a:rPr lang="en-US" dirty="0" smtClean="0"/>
+              <a:t>max_iter = 10  </a:t>
+            </a:r>
+            <a:endParaRPr lang="en-US" dirty="0"/>
+          </a:p>
+        </p:txBody>
+      </p:sp>
+      <p:sp>
+        <p:nvSpPr>
+          <p:cNvPr id="5" name="TextBox 4"/>
+          <p:cNvSpPr txBox="1"/>
+          <p:nvPr/>
+        </p:nvSpPr>
+        <p:spPr>
+          <a:xfrm>
+            <a:off x="609600" y="1839409"/>
+            <a:ext cx="5634182" cy="1815882"/>
+          </a:xfrm>
+          <a:prstGeom prst="rect">
+            <a:avLst/>
+          </a:prstGeom>
+          <a:noFill/>
+        </p:spPr>
+        <p:txBody>
+          <a:bodyPr wrap="square" rtlCol="0">
+            <a:spAutoFit/>
+          </a:bodyPr>
+          <a:lstStyle/>
+          <a:p>
+            <a:r>
+              <a:rPr lang="en-US" dirty="0" smtClean="0"/>
+              <a:t>The optimum k (with other hypermeters shows below the table) is 20 with an accuracy of 45.33%. As we decrease k or increase k from 20, the accuracy drops.</a:t>
+            </a:r>
+          </a:p>
+          <a:p>
+            <a:endParaRPr lang="en-US" dirty="0"/>
+          </a:p>
+          <a:p>
+            <a:pPr lvl="0"/>
+            <a:r>
+              <a:rPr lang="en-US" dirty="0" smtClean="0"/>
+              <a:t>Compared to the k experiment in part 1, here is accuracy is significantly higher. In part 1, k = 1 gives 19.40% and k = 10 gives 15.53%. Here k = 1 gives 40.87% and k = 10 gives 44.87%. It shows the bag of word with SIFT is much better than tiny image approach.</a:t>
+            </a:r>
+            <a:endParaRPr lang="en-US" dirty="0"/>
+          </a:p>
+        </p:txBody>
+      </p:sp>
+    </p:spTree>
+  </p:cSld>
+  <p:clrMapOvr>
+    <a:masterClrMapping/>
+  </p:clrMapOvr>
+</p:sld>
+</file>
+
+<file path=ppt/slides/slide6.xml><?xml version="1.0" encoding="utf-8"?>
+<p:sld xmlns:a="http://schemas.openxmlformats.org/drawingml/2006/main" xmlns:r="http://schemas.openxmlformats.org/officeDocument/2006/relationships" xmlns:p="http://schemas.openxmlformats.org/presentationml/2006/main">
+  <p:cSld>
+    <p:spTree>
+      <p:nvGrpSpPr>
+        <p:cNvPr id="1" name="Shape 76"/>
+        <p:cNvGrpSpPr/>
+        <p:nvPr/>
+      </p:nvGrpSpPr>
+      <p:grpSpPr>
+        <a:xfrm>
+          <a:off x="0" y="0"/>
+          <a:ext cx="0" cy="0"/>
+          <a:chOff x="0" y="0"/>
+          <a:chExt cx="0" cy="0"/>
+        </a:xfrm>
+      </p:grpSpPr>
+      <p:sp>
+        <p:nvSpPr>
+          <p:cNvPr id="77" name="Google Shape;77;p17"/>
+          <p:cNvSpPr txBox="1">
+            <a:spLocks noGrp="1"/>
+          </p:cNvSpPr>
+          <p:nvPr>
+            <p:ph type="body" idx="1"/>
+          </p:nvPr>
+        </p:nvSpPr>
+        <p:spPr>
+          <a:xfrm>
+            <a:off x="311700" y="457273"/>
+            <a:ext cx="8353500" cy="4130100"/>
+          </a:xfrm>
+          <a:prstGeom prst="rect">
+            <a:avLst/>
+          </a:prstGeom>
+        </p:spPr>
+        <p:txBody>
+          <a:bodyPr spcFirstLastPara="1" wrap="square" lIns="91425" tIns="91425" rIns="91425" bIns="91425" anchor="t" anchorCtr="0">
+            <a:noAutofit/>
+          </a:bodyPr>
+          <a:lstStyle/>
+          <a:p>
+            <a:pPr marL="0" lvl="0" indent="0" algn="l" rtl="0">
+              <a:spcBef>
+                <a:spcPts val="0"/>
+              </a:spcBef>
+              <a:spcAft>
+                <a:spcPts val="0"/>
+              </a:spcAft>
+              <a:buNone/>
+            </a:pPr>
+            <a:r>
+              <a:rPr lang="en" b="1" dirty="0"/>
+              <a:t>Part 2: Your best confusion matrix, together with the accuracy for Part 2. Also report your </a:t>
+            </a:r>
+            <a:r>
+              <a:rPr lang="en" b="1" dirty="0" err="1"/>
+              <a:t>param</a:t>
+            </a:r>
+            <a:r>
+              <a:rPr lang="en" b="1" dirty="0"/>
+              <a:t> settings to get this result</a:t>
+            </a:r>
+            <a:r>
+              <a:rPr lang="en" b="1" dirty="0" smtClean="0"/>
+              <a:t>.</a:t>
+            </a:r>
+            <a:endParaRPr b="1" dirty="0"/>
+          </a:p>
+        </p:txBody>
+      </p:sp>
+      <p:sp>
+        <p:nvSpPr>
+          <p:cNvPr id="78" name="Google Shape;78;p17"/>
+          <p:cNvSpPr txBox="1"/>
+          <p:nvPr/>
+        </p:nvSpPr>
+        <p:spPr>
+          <a:xfrm>
+            <a:off x="5001825" y="1229248"/>
+            <a:ext cx="3427800" cy="3000300"/>
+          </a:xfrm>
+          <a:prstGeom prst="rect">
+            <a:avLst/>
+          </a:prstGeom>
+          <a:noFill/>
+          <a:ln>
+            <a:noFill/>
+          </a:ln>
+        </p:spPr>
+        <p:txBody>
+          <a:bodyPr spcFirstLastPara="1" wrap="square" lIns="91425" tIns="91425" rIns="91425" bIns="91425" anchor="t" anchorCtr="0">
+            <a:noAutofit/>
+          </a:bodyPr>
+          <a:lstStyle/>
+          <a:p>
+            <a:pPr marL="0" lvl="0" indent="0" algn="l" rtl="0">
+              <a:spcBef>
+                <a:spcPts val="0"/>
+              </a:spcBef>
+              <a:spcAft>
+                <a:spcPts val="0"/>
+              </a:spcAft>
+              <a:buNone/>
+            </a:pPr>
+            <a:r>
+              <a:rPr lang="en" dirty="0" err="1">
+                <a:solidFill>
+                  <a:schemeClr val="dk2"/>
+                </a:solidFill>
+              </a:rPr>
+              <a:t>Param</a:t>
+            </a:r>
+            <a:r>
+              <a:rPr lang="en" dirty="0">
+                <a:solidFill>
+                  <a:schemeClr val="dk2"/>
+                </a:solidFill>
+              </a:rPr>
+              <a:t> settings:</a:t>
+            </a:r>
+            <a:endParaRPr dirty="0">
+              <a:solidFill>
+                <a:schemeClr val="dk2"/>
+              </a:solidFill>
+            </a:endParaRPr>
+          </a:p>
+          <a:p>
+            <a:pPr marL="0" lvl="0" indent="0" algn="l" rtl="0">
+              <a:spcBef>
+                <a:spcPts val="0"/>
+              </a:spcBef>
+              <a:spcAft>
+                <a:spcPts val="0"/>
+              </a:spcAft>
+              <a:buNone/>
+            </a:pPr>
+            <a:endParaRPr dirty="0">
+              <a:solidFill>
+                <a:schemeClr val="dk2"/>
+              </a:solidFill>
+            </a:endParaRPr>
+          </a:p>
+          <a:p>
+            <a:pPr marL="0" lvl="0" indent="0" algn="l" rtl="0">
+              <a:spcBef>
+                <a:spcPts val="0"/>
+              </a:spcBef>
+              <a:spcAft>
+                <a:spcPts val="0"/>
+              </a:spcAft>
+              <a:buNone/>
+            </a:pPr>
+            <a:endParaRPr dirty="0">
+              <a:solidFill>
+                <a:schemeClr val="dk2"/>
+              </a:solidFill>
+            </a:endParaRPr>
+          </a:p>
+          <a:p>
+            <a:pPr marL="0" lvl="0" indent="0" algn="l" rtl="0">
+              <a:spcBef>
+                <a:spcPts val="0"/>
+              </a:spcBef>
+              <a:spcAft>
+                <a:spcPts val="0"/>
+              </a:spcAft>
+              <a:buNone/>
+            </a:pPr>
+            <a:r>
+              <a:rPr lang="en" dirty="0" err="1">
+                <a:solidFill>
+                  <a:schemeClr val="dk2"/>
+                </a:solidFill>
+              </a:rPr>
+              <a:t>vocab_size</a:t>
+            </a:r>
+            <a:r>
+              <a:rPr lang="en" dirty="0" smtClean="0">
+                <a:solidFill>
+                  <a:schemeClr val="dk2"/>
+                </a:solidFill>
+              </a:rPr>
+              <a:t>:</a:t>
+            </a:r>
+            <a:r>
+              <a:rPr lang="en-US" dirty="0" smtClean="0">
+                <a:solidFill>
+                  <a:schemeClr val="dk2"/>
+                </a:solidFill>
+              </a:rPr>
+              <a:t> 100</a:t>
+            </a:r>
+            <a:endParaRPr dirty="0">
+              <a:solidFill>
+                <a:schemeClr val="dk2"/>
+              </a:solidFill>
+            </a:endParaRPr>
+          </a:p>
+          <a:p>
+            <a:pPr marL="0" lvl="0" indent="0" algn="l" rtl="0">
+              <a:spcBef>
+                <a:spcPts val="0"/>
+              </a:spcBef>
+              <a:spcAft>
+                <a:spcPts val="0"/>
+              </a:spcAft>
+              <a:buNone/>
+            </a:pPr>
+            <a:endParaRPr dirty="0">
+              <a:solidFill>
+                <a:schemeClr val="dk2"/>
+              </a:solidFill>
+            </a:endParaRPr>
+          </a:p>
+          <a:p>
+            <a:pPr marL="0" lvl="0" indent="0" algn="l" rtl="0">
+              <a:spcBef>
+                <a:spcPts val="0"/>
+              </a:spcBef>
+              <a:spcAft>
+                <a:spcPts val="0"/>
+              </a:spcAft>
+              <a:buNone/>
+            </a:pPr>
+            <a:r>
+              <a:rPr lang="en" dirty="0">
+                <a:solidFill>
+                  <a:schemeClr val="dk2"/>
+                </a:solidFill>
+              </a:rPr>
+              <a:t>stride (</a:t>
+            </a:r>
+            <a:r>
+              <a:rPr lang="en" dirty="0" err="1">
+                <a:solidFill>
+                  <a:schemeClr val="dk2"/>
+                </a:solidFill>
+              </a:rPr>
+              <a:t>build_vocab</a:t>
+            </a:r>
+            <a:r>
+              <a:rPr lang="en" dirty="0" smtClean="0">
+                <a:solidFill>
+                  <a:schemeClr val="dk2"/>
+                </a:solidFill>
+              </a:rPr>
+              <a:t>):</a:t>
+            </a:r>
+            <a:r>
+              <a:rPr lang="en-US" dirty="0" smtClean="0">
+                <a:solidFill>
+                  <a:schemeClr val="dk2"/>
+                </a:solidFill>
+              </a:rPr>
+              <a:t> 20</a:t>
+            </a:r>
+            <a:endParaRPr dirty="0">
+              <a:solidFill>
+                <a:schemeClr val="dk2"/>
+              </a:solidFill>
+            </a:endParaRPr>
+          </a:p>
+          <a:p>
+            <a:pPr marL="0" lvl="0" indent="0" algn="l" rtl="0">
+              <a:spcBef>
+                <a:spcPts val="0"/>
+              </a:spcBef>
+              <a:spcAft>
+                <a:spcPts val="0"/>
+              </a:spcAft>
+              <a:buNone/>
+            </a:pPr>
+            <a:endParaRPr dirty="0">
+              <a:solidFill>
+                <a:schemeClr val="dk2"/>
+              </a:solidFill>
+            </a:endParaRPr>
+          </a:p>
+          <a:p>
+            <a:pPr marL="0" lvl="0" indent="0" algn="l" rtl="0">
+              <a:spcBef>
+                <a:spcPts val="0"/>
+              </a:spcBef>
+              <a:spcAft>
+                <a:spcPts val="0"/>
+              </a:spcAft>
+              <a:buNone/>
+            </a:pPr>
+            <a:r>
+              <a:rPr lang="en" dirty="0" err="1">
+                <a:solidFill>
+                  <a:schemeClr val="dk2"/>
+                </a:solidFill>
+              </a:rPr>
+              <a:t>step_size</a:t>
+            </a:r>
+            <a:r>
+              <a:rPr lang="en" dirty="0">
+                <a:solidFill>
+                  <a:schemeClr val="dk2"/>
+                </a:solidFill>
+              </a:rPr>
+              <a:t>(</a:t>
+            </a:r>
+            <a:r>
+              <a:rPr lang="en" dirty="0" err="1">
+                <a:solidFill>
+                  <a:schemeClr val="dk2"/>
+                </a:solidFill>
+              </a:rPr>
+              <a:t>get_bags_of_sifts</a:t>
+            </a:r>
+            <a:r>
+              <a:rPr lang="en" dirty="0" smtClean="0">
+                <a:solidFill>
+                  <a:schemeClr val="dk2"/>
+                </a:solidFill>
+              </a:rPr>
+              <a:t>):</a:t>
+            </a:r>
+            <a:r>
+              <a:rPr lang="en-US" dirty="0" smtClean="0">
+                <a:solidFill>
+                  <a:schemeClr val="dk2"/>
+                </a:solidFill>
+              </a:rPr>
+              <a:t> 10</a:t>
+            </a:r>
+            <a:endParaRPr dirty="0">
+              <a:solidFill>
+                <a:schemeClr val="dk2"/>
+              </a:solidFill>
+            </a:endParaRPr>
+          </a:p>
+          <a:p>
+            <a:pPr marL="0" lvl="0" indent="0" algn="l" rtl="0">
+              <a:spcBef>
+                <a:spcPts val="0"/>
+              </a:spcBef>
+              <a:spcAft>
+                <a:spcPts val="0"/>
+              </a:spcAft>
+              <a:buNone/>
+            </a:pPr>
+            <a:endParaRPr dirty="0">
+              <a:solidFill>
+                <a:schemeClr val="dk2"/>
+              </a:solidFill>
+            </a:endParaRPr>
+          </a:p>
+          <a:p>
+            <a:pPr marL="0" lvl="0" indent="0" algn="l" rtl="0">
+              <a:spcBef>
+                <a:spcPts val="0"/>
+              </a:spcBef>
+              <a:spcAft>
+                <a:spcPts val="0"/>
+              </a:spcAft>
+              <a:buNone/>
+            </a:pPr>
+            <a:r>
+              <a:rPr lang="en" dirty="0" err="1">
+                <a:solidFill>
+                  <a:schemeClr val="dk2"/>
+                </a:solidFill>
+              </a:rPr>
+              <a:t>max_iter</a:t>
+            </a:r>
+            <a:r>
+              <a:rPr lang="en" dirty="0">
+                <a:solidFill>
+                  <a:schemeClr val="dk2"/>
+                </a:solidFill>
+              </a:rPr>
+              <a:t> (k-means</a:t>
+            </a:r>
+            <a:r>
+              <a:rPr lang="en" dirty="0" smtClean="0">
+                <a:solidFill>
+                  <a:schemeClr val="dk2"/>
+                </a:solidFill>
+              </a:rPr>
+              <a:t>):</a:t>
+            </a:r>
+            <a:r>
+              <a:rPr lang="en-US" dirty="0" smtClean="0">
+                <a:solidFill>
+                  <a:schemeClr val="dk2"/>
+                </a:solidFill>
+              </a:rPr>
+              <a:t> 10</a:t>
+            </a:r>
+            <a:endParaRPr dirty="0">
+              <a:solidFill>
+                <a:schemeClr val="dk2"/>
+              </a:solidFill>
+            </a:endParaRPr>
+          </a:p>
+          <a:p>
+            <a:pPr marL="0" lvl="0" indent="0" algn="l" rtl="0">
+              <a:spcBef>
+                <a:spcPts val="0"/>
+              </a:spcBef>
+              <a:spcAft>
+                <a:spcPts val="0"/>
+              </a:spcAft>
+              <a:buNone/>
+            </a:pPr>
+            <a:endParaRPr dirty="0">
+              <a:solidFill>
+                <a:schemeClr val="dk2"/>
+              </a:solidFill>
+            </a:endParaRPr>
+          </a:p>
+          <a:p>
+            <a:pPr marL="0" lvl="0" indent="0" algn="l" rtl="0">
+              <a:spcBef>
+                <a:spcPts val="0"/>
+              </a:spcBef>
+              <a:spcAft>
+                <a:spcPts val="0"/>
+              </a:spcAft>
+              <a:buNone/>
+            </a:pPr>
+            <a:r>
+              <a:rPr lang="en" dirty="0">
+                <a:solidFill>
+                  <a:schemeClr val="dk2"/>
+                </a:solidFill>
+              </a:rPr>
+              <a:t>k (</a:t>
+            </a:r>
+            <a:r>
+              <a:rPr lang="en" dirty="0" err="1">
+                <a:solidFill>
+                  <a:schemeClr val="dk2"/>
+                </a:solidFill>
+              </a:rPr>
+              <a:t>kNN</a:t>
+            </a:r>
+            <a:r>
+              <a:rPr lang="en" dirty="0" smtClean="0">
+                <a:solidFill>
+                  <a:schemeClr val="dk2"/>
+                </a:solidFill>
+              </a:rPr>
+              <a:t>):</a:t>
+            </a:r>
+            <a:r>
+              <a:rPr lang="en-US" dirty="0" smtClean="0">
+                <a:solidFill>
+                  <a:schemeClr val="dk2"/>
+                </a:solidFill>
+              </a:rPr>
+              <a:t> 15</a:t>
+            </a:r>
+            <a:endParaRPr dirty="0">
+              <a:solidFill>
+                <a:schemeClr val="dk2"/>
+              </a:solidFill>
+            </a:endParaRPr>
+          </a:p>
+        </p:txBody>
+      </p:sp>
+      <p:pic>
+        <p:nvPicPr>
+          <p:cNvPr id="2" name="Picture 1"/>
+          <p:cNvPicPr>
+            <a:picLocks noChangeAspect="1"/>
+          </p:cNvPicPr>
+          <p:nvPr/>
+        </p:nvPicPr>
+        <p:blipFill>
+          <a:blip r:embed="rId3">
+            <a:extLst>
+              <a:ext uri="{28A0092B-C50C-407E-A947-70E740481C1C}">
+                <a14:useLocalDpi xmlns:a14="http://schemas.microsoft.com/office/drawing/2010/main" val="0"/>
+              </a:ext>
+            </a:extLst>
+          </a:blip>
+          <a:stretch>
+            <a:fillRect/>
+          </a:stretch>
+        </p:blipFill>
+        <p:spPr>
+          <a:xfrm>
+            <a:off x="203199" y="1229248"/>
+            <a:ext cx="4457700" cy="3695700"/>
+          </a:xfrm>
+          <a:prstGeom prst="rect">
+            <a:avLst/>
+          </a:prstGeom>
+        </p:spPr>
+      </p:pic>
     </p:spTree>
   </p:cSld>
   <p:clrMapOvr>
@@ -8096,10 +8643,10 @@
               <a:buNone/>
             </a:pPr>
             <a:r>
-              <a:rPr lang="en" sz="1800"/>
+              <a:rPr lang="en" sz="1800" dirty="0"/>
               <a:t>Reflection on Tiny Image Representation vs. Bag of Words with SIFT features</a:t>
             </a:r>
-            <a:endParaRPr sz="1800"/>
+            <a:endParaRPr sz="1800" dirty="0"/>
           </a:p>
         </p:txBody>
       </p:sp>
@@ -8138,10 +8685,25 @@
               <a:buNone/>
             </a:pPr>
             <a:r>
-              <a:rPr lang="en"/>
-              <a:t>&lt;your response&gt;</a:t>
-            </a:r>
-            <a:endParaRPr/>
+              <a:rPr lang="en-US" dirty="0" smtClean="0"/>
+              <a:t>In tiny image approach, we are treating the tiny image as a feature. It is bad because we size the images down, details get lost e.g. high frequency contents. Also, it is bad when there is brightness and spatial shift, which can be common. One solution to the shift problem is to use alignment. Since we are not using any alignment method in this project, the result is bad.</a:t>
+            </a:r>
+          </a:p>
+          <a:p>
+            <a:pPr marL="0" lvl="0" indent="0" algn="l" rtl="0">
+              <a:spcBef>
+                <a:spcPts val="0"/>
+              </a:spcBef>
+              <a:spcAft>
+                <a:spcPts val="1600"/>
+              </a:spcAft>
+              <a:buNone/>
+            </a:pPr>
+            <a:r>
+              <a:rPr lang="en-US" dirty="0" smtClean="0"/>
+              <a:t>In the bad of words approach, we use SIFT as a method to extract features. SIFT is robust against the shifting problem described above, and by using SIFT on the original image, the high frequency content and details can be captured. Also, here we are able to adjust hypermeters like vocab size, so we can tune them to get a better vocab list from training set, and we can adjust k and step size to get a better KNN query result. </a:t>
+            </a:r>
+            <a:endParaRPr dirty="0"/>
           </a:p>
         </p:txBody>
       </p:sp>
@@ -8247,10 +8809,10 @@
               <a:buNone/>
             </a:pPr>
             <a:r>
-              <a:rPr lang="en" b="1"/>
+              <a:rPr lang="en" b="1" dirty="0"/>
               <a:t>Conclusion: briefly discuss what you have learned from this project.</a:t>
             </a:r>
-            <a:endParaRPr b="1"/>
+            <a:endParaRPr b="1" dirty="0"/>
           </a:p>
           <a:p>
             <a:pPr marL="0" lvl="0" indent="0" algn="l" rtl="0">
@@ -8263,10 +8825,57 @@
               <a:buNone/>
             </a:pPr>
             <a:r>
-              <a:rPr lang="en"/>
-              <a:t>&lt;Text solution here&gt;</a:t>
-            </a:r>
-            <a:endParaRPr/>
+              <a:rPr lang="en-US" dirty="0"/>
+              <a:t>T</a:t>
+            </a:r>
+            <a:r>
+              <a:rPr lang="en-US" dirty="0" smtClean="0"/>
+              <a:t>h</a:t>
+            </a:r>
+            <a:r>
+              <a:rPr lang="en-US" dirty="0" smtClean="0"/>
+              <a:t>e trade off between time and space complexity was an issue. My first version of pairwise_distances() is fully </a:t>
+            </a:r>
+            <a:r>
+              <a:rPr lang="en-US" dirty="0" err="1" smtClean="0"/>
+              <a:t>vectorized</a:t>
+            </a:r>
+            <a:r>
+              <a:rPr lang="en-US" dirty="0" smtClean="0"/>
+              <a:t>, but it ended up taking too much RAM and froze my laptop and jupyter notebook kernel kept dying. I revised it with a nested for loop, and problem solved. So I learnt that the best algorithm is the one that suits your hardware best. Theoretical best is not equal to the best in practice. </a:t>
+            </a:r>
+          </a:p>
+          <a:p>
+            <a:pPr marL="0" lvl="0" indent="0" algn="l" rtl="0">
+              <a:spcBef>
+                <a:spcPts val="1600"/>
+              </a:spcBef>
+              <a:spcAft>
+                <a:spcPts val="1600"/>
+              </a:spcAft>
+              <a:buNone/>
+            </a:pPr>
+            <a:r>
+              <a:rPr lang="en-US" dirty="0" smtClean="0"/>
+              <a:t>Overall, this project is fun. I learnt a few new useful </a:t>
+            </a:r>
+            <a:r>
+              <a:rPr lang="en-US" dirty="0" err="1" smtClean="0"/>
+              <a:t>numpy</a:t>
+            </a:r>
+            <a:r>
+              <a:rPr lang="en-US" dirty="0" smtClean="0"/>
+              <a:t> method e.g. </a:t>
+            </a:r>
+            <a:r>
+              <a:rPr lang="en-US" dirty="0" err="1" smtClean="0"/>
+              <a:t>np.unique</a:t>
+            </a:r>
+            <a:r>
+              <a:rPr lang="en-US" dirty="0" smtClean="0"/>
+              <a:t>. Also it is nice to see the simple bag of word algorithm in practice. I did not think such a simple algorithm will work this well (&gt;45% accuracy)</a:t>
+            </a:r>
+            <a:endParaRPr dirty="0"/>
           </a:p>
         </p:txBody>
       </p:sp>

--- a/proj5_template.pptx
+++ b/proj5_template.pptx
@@ -7077,15 +7077,7 @@
                   <a:schemeClr val="dk2"/>
                 </a:solidFill>
               </a:rPr>
-              <a:t> </a:t>
-            </a:r>
-            <a:r>
-              <a:rPr lang="en-US" dirty="0" smtClean="0">
-                <a:solidFill>
-                  <a:schemeClr val="dk2"/>
-                </a:solidFill>
-              </a:rPr>
-              <a:t>16.87%</a:t>
+              <a:t> 16.87%</a:t>
             </a:r>
             <a:endParaRPr dirty="0">
               <a:solidFill>
@@ -8810,9 +8802,61 @@
             </a:pPr>
             <a:r>
               <a:rPr lang="en" b="1" dirty="0"/>
-              <a:t>Conclusion: briefly discuss what you have learned from this project.</a:t>
-            </a:r>
-            <a:endParaRPr b="1" dirty="0"/>
+              <a:t>Conclusion: briefly discuss what you have learned from this project</a:t>
+            </a:r>
+            <a:r>
+              <a:rPr lang="en" b="1" dirty="0" smtClean="0"/>
+              <a:t>.</a:t>
+            </a:r>
+            <a:endParaRPr lang="en-US" dirty="0" smtClean="0"/>
+          </a:p>
+          <a:p>
+            <a:pPr marL="0" indent="0">
+              <a:spcBef>
+                <a:spcPts val="1600"/>
+              </a:spcBef>
+              <a:spcAft>
+                <a:spcPts val="1600"/>
+              </a:spcAft>
+              <a:buNone/>
+            </a:pPr>
+            <a:r>
+              <a:rPr lang="en-US" dirty="0"/>
+              <a:t>Overall, this project is fun. </a:t>
+            </a:r>
+            <a:r>
+              <a:rPr lang="en-US" dirty="0" smtClean="0"/>
+              <a:t>Before I always used classification as a black box. Now I just wrote one and that feels awesome. What is nice is that I used SIFT that I built in previous projects here, so I can see how things builds up, from pixels level to high level bag of words. I </a:t>
+            </a:r>
+            <a:r>
+              <a:rPr lang="en-US" dirty="0"/>
+              <a:t>learnt a few new useful </a:t>
+            </a:r>
+            <a:r>
+              <a:rPr lang="en-US" dirty="0" err="1"/>
+              <a:t>numpy</a:t>
+            </a:r>
+            <a:r>
+              <a:rPr lang="en-US" dirty="0"/>
+              <a:t> method e.g. </a:t>
+            </a:r>
+            <a:r>
+              <a:rPr lang="en-US" dirty="0" err="1"/>
+              <a:t>np.unique</a:t>
+            </a:r>
+            <a:r>
+              <a:rPr lang="en-US" dirty="0"/>
+              <a:t>. Also it is nice to see the simple bag of word algorithm in practice. I did not think such a simple algorithm will work this well (&gt;45% accuracy</a:t>
+            </a:r>
+            <a:r>
+              <a:rPr lang="en-US" dirty="0" smtClean="0"/>
+              <a:t>). Representing features using vectors reminds me of word2vec in NLP, and refreshed my understanding of vectors being just an array of numbers. I can see how many thing can be done by vectors and how useful </a:t>
+            </a:r>
+            <a:r>
+              <a:rPr lang="en-US" smtClean="0"/>
+              <a:t>it is.</a:t>
+            </a:r>
+            <a:endParaRPr lang="en-US" dirty="0"/>
           </a:p>
           <a:p>
             <a:pPr marL="0" lvl="0" indent="0" algn="l" rtl="0">
@@ -8825,16 +8869,12 @@
               <a:buNone/>
             </a:pPr>
             <a:r>
-              <a:rPr lang="en-US" dirty="0"/>
-              <a:t>T</a:t>
-            </a:r>
-            <a:r>
               <a:rPr lang="en-US" dirty="0" smtClean="0"/>
-              <a:t>h</a:t>
+              <a:t>The </a:t>
             </a:r>
             <a:r>
               <a:rPr lang="en-US" dirty="0" smtClean="0"/>
-              <a:t>e trade off between time and space complexity was an issue. My first version of pairwise_distances() is fully </a:t>
+              <a:t>trade off between time and space complexity was an issue. My first version of pairwise_distances() is fully </a:t>
             </a:r>
             <a:r>
               <a:rPr lang="en-US" dirty="0" err="1" smtClean="0"/>
@@ -8842,40 +8882,21 @@
             </a:r>
             <a:r>
               <a:rPr lang="en-US" dirty="0" smtClean="0"/>
-              <a:t>, but it ended up taking too much RAM and froze my laptop and jupyter notebook kernel kept dying. I revised it with a nested for loop, and problem solved. So I learnt that the best algorithm is the one that suits your hardware best. Theoretical best is not equal to the best in practice. </a:t>
-            </a:r>
-          </a:p>
-          <a:p>
-            <a:pPr marL="0" lvl="0" indent="0" algn="l" rtl="0">
-              <a:spcBef>
-                <a:spcPts val="1600"/>
-              </a:spcBef>
-              <a:spcAft>
-                <a:spcPts val="1600"/>
-              </a:spcAft>
-              <a:buNone/>
-            </a:pPr>
+              <a:t>, but it ended up taking too much RAM and froze my laptop and jupyter notebook kernel kept dying. I revised it with a nested for loop, and problem solved. So I learnt that the best algorithm is the one that suits your hardware best. Theoretical </a:t>
+            </a:r>
             <a:r>
               <a:rPr lang="en-US" dirty="0" smtClean="0"/>
-              <a:t>Overall, this project is fun. I learnt a few new useful </a:t>
-            </a:r>
-            <a:r>
-              <a:rPr lang="en-US" dirty="0" err="1" smtClean="0"/>
-              <a:t>numpy</a:t>
+              <a:t>best </a:t>
             </a:r>
             <a:r>
               <a:rPr lang="en-US" dirty="0" smtClean="0"/>
-              <a:t> method e.g. </a:t>
-            </a:r>
-            <a:r>
-              <a:rPr lang="en-US" dirty="0" err="1" smtClean="0"/>
-              <a:t>np.unique</a:t>
+              <a:t>is not equal to the best in practice</a:t>
             </a:r>
             <a:r>
               <a:rPr lang="en-US" dirty="0" smtClean="0"/>
-              <a:t>. Also it is nice to see the simple bag of word algorithm in practice. I did not think such a simple algorithm will work this well (&gt;45% accuracy)</a:t>
-            </a:r>
-            <a:endParaRPr dirty="0"/>
+              <a:t>. </a:t>
+            </a:r>
+            <a:endParaRPr lang="en-US" dirty="0" smtClean="0"/>
           </a:p>
         </p:txBody>
       </p:sp>
